--- a/diapo.pptx
+++ b/diapo.pptx
@@ -7,12 +7,19 @@
   <p:sldIdLst>
     <p:sldId id="256" r:id="rId2"/>
     <p:sldId id="257" r:id="rId3"/>
-    <p:sldId id="258" r:id="rId4"/>
-    <p:sldId id="261" r:id="rId5"/>
-    <p:sldId id="259" r:id="rId6"/>
-    <p:sldId id="262" r:id="rId7"/>
-    <p:sldId id="260" r:id="rId8"/>
-    <p:sldId id="263" r:id="rId9"/>
+    <p:sldId id="271" r:id="rId4"/>
+    <p:sldId id="269" r:id="rId5"/>
+    <p:sldId id="270" r:id="rId6"/>
+    <p:sldId id="268" r:id="rId7"/>
+    <p:sldId id="272" r:id="rId8"/>
+    <p:sldId id="273" r:id="rId9"/>
+    <p:sldId id="261" r:id="rId10"/>
+    <p:sldId id="262" r:id="rId11"/>
+    <p:sldId id="264" r:id="rId12"/>
+    <p:sldId id="265" r:id="rId13"/>
+    <p:sldId id="266" r:id="rId14"/>
+    <p:sldId id="267" r:id="rId15"/>
+    <p:sldId id="263" r:id="rId16"/>
   </p:sldIdLst>
   <p:sldSz cx="12192000" cy="6858000"/>
   <p:notesSz cx="6858000" cy="9144000"/>
@@ -111,6 +118,11 @@
       </a:defRPr>
     </a:lvl9pPr>
   </p:defaultTextStyle>
+  <p:extLst>
+    <p:ext uri="{EFAFB233-063F-42B5-8137-9DF3F51BA10A}">
+      <p15:sldGuideLst xmlns:p15="http://schemas.microsoft.com/office/powerpoint/2012/main"/>
+    </p:ext>
+  </p:extLst>
 </p:presentation>
 </file>
 
@@ -302,7 +314,7 @@
           <a:p>
             <a:fld id="{3889262F-6D4F-4DC7-8418-D7BA862DDA13}" type="datetimeFigureOut">
               <a:rPr lang="fr-FR" smtClean="0"/>
-              <a:t>16/10/2020</a:t>
+              <a:t>21/10/2020</a:t>
             </a:fld>
             <a:endParaRPr lang="fr-FR"/>
           </a:p>
@@ -640,7 +652,7 @@
           <a:p>
             <a:fld id="{3889262F-6D4F-4DC7-8418-D7BA862DDA13}" type="datetimeFigureOut">
               <a:rPr lang="fr-FR" smtClean="0"/>
-              <a:t>16/10/2020</a:t>
+              <a:t>21/10/2020</a:t>
             </a:fld>
             <a:endParaRPr lang="fr-FR"/>
           </a:p>
@@ -1041,7 +1053,7 @@
           <a:p>
             <a:fld id="{3889262F-6D4F-4DC7-8418-D7BA862DDA13}" type="datetimeFigureOut">
               <a:rPr lang="fr-FR" smtClean="0"/>
-              <a:t>16/10/2020</a:t>
+              <a:t>21/10/2020</a:t>
             </a:fld>
             <a:endParaRPr lang="fr-FR"/>
           </a:p>
@@ -1377,7 +1389,7 @@
           <a:p>
             <a:fld id="{3889262F-6D4F-4DC7-8418-D7BA862DDA13}" type="datetimeFigureOut">
               <a:rPr lang="fr-FR" smtClean="0"/>
-              <a:t>16/10/2020</a:t>
+              <a:t>21/10/2020</a:t>
             </a:fld>
             <a:endParaRPr lang="fr-FR"/>
           </a:p>
@@ -1697,7 +1709,7 @@
           <a:p>
             <a:fld id="{3889262F-6D4F-4DC7-8418-D7BA862DDA13}" type="datetimeFigureOut">
               <a:rPr lang="fr-FR" smtClean="0"/>
-              <a:t>16/10/2020</a:t>
+              <a:t>21/10/2020</a:t>
             </a:fld>
             <a:endParaRPr lang="fr-FR"/>
           </a:p>
@@ -2093,7 +2105,7 @@
           <a:p>
             <a:fld id="{3889262F-6D4F-4DC7-8418-D7BA862DDA13}" type="datetimeFigureOut">
               <a:rPr lang="fr-FR" smtClean="0"/>
-              <a:t>16/10/2020</a:t>
+              <a:t>21/10/2020</a:t>
             </a:fld>
             <a:endParaRPr lang="fr-FR"/>
           </a:p>
@@ -2350,7 +2362,7 @@
           <a:p>
             <a:fld id="{3889262F-6D4F-4DC7-8418-D7BA862DDA13}" type="datetimeFigureOut">
               <a:rPr lang="fr-FR" smtClean="0"/>
-              <a:t>16/10/2020</a:t>
+              <a:t>21/10/2020</a:t>
             </a:fld>
             <a:endParaRPr lang="fr-FR"/>
           </a:p>
@@ -2612,7 +2624,7 @@
           <a:p>
             <a:fld id="{3889262F-6D4F-4DC7-8418-D7BA862DDA13}" type="datetimeFigureOut">
               <a:rPr lang="fr-FR" smtClean="0"/>
-              <a:t>16/10/2020</a:t>
+              <a:t>21/10/2020</a:t>
             </a:fld>
             <a:endParaRPr lang="fr-FR"/>
           </a:p>
@@ -2874,7 +2886,7 @@
           <a:p>
             <a:fld id="{3889262F-6D4F-4DC7-8418-D7BA862DDA13}" type="datetimeFigureOut">
               <a:rPr lang="fr-FR" smtClean="0"/>
-              <a:t>16/10/2020</a:t>
+              <a:t>21/10/2020</a:t>
             </a:fld>
             <a:endParaRPr lang="fr-FR"/>
           </a:p>
@@ -3203,7 +3215,7 @@
           <a:p>
             <a:fld id="{3889262F-6D4F-4DC7-8418-D7BA862DDA13}" type="datetimeFigureOut">
               <a:rPr lang="fr-FR" smtClean="0"/>
-              <a:t>16/10/2020</a:t>
+              <a:t>21/10/2020</a:t>
             </a:fld>
             <a:endParaRPr lang="fr-FR"/>
           </a:p>
@@ -3526,7 +3538,7 @@
           <a:p>
             <a:fld id="{3889262F-6D4F-4DC7-8418-D7BA862DDA13}" type="datetimeFigureOut">
               <a:rPr lang="fr-FR" smtClean="0"/>
-              <a:t>16/10/2020</a:t>
+              <a:t>21/10/2020</a:t>
             </a:fld>
             <a:endParaRPr lang="fr-FR"/>
           </a:p>
@@ -3983,7 +3995,7 @@
           <a:p>
             <a:fld id="{3889262F-6D4F-4DC7-8418-D7BA862DDA13}" type="datetimeFigureOut">
               <a:rPr lang="fr-FR" smtClean="0"/>
-              <a:t>16/10/2020</a:t>
+              <a:t>21/10/2020</a:t>
             </a:fld>
             <a:endParaRPr lang="fr-FR"/>
           </a:p>
@@ -4188,7 +4200,7 @@
           <a:p>
             <a:fld id="{3889262F-6D4F-4DC7-8418-D7BA862DDA13}" type="datetimeFigureOut">
               <a:rPr lang="fr-FR" smtClean="0"/>
-              <a:t>16/10/2020</a:t>
+              <a:t>21/10/2020</a:t>
             </a:fld>
             <a:endParaRPr lang="fr-FR"/>
           </a:p>
@@ -4365,7 +4377,7 @@
           <a:p>
             <a:fld id="{3889262F-6D4F-4DC7-8418-D7BA862DDA13}" type="datetimeFigureOut">
               <a:rPr lang="fr-FR" smtClean="0"/>
-              <a:t>16/10/2020</a:t>
+              <a:t>21/10/2020</a:t>
             </a:fld>
             <a:endParaRPr lang="fr-FR"/>
           </a:p>
@@ -4698,7 +4710,7 @@
           <a:p>
             <a:fld id="{3889262F-6D4F-4DC7-8418-D7BA862DDA13}" type="datetimeFigureOut">
               <a:rPr lang="fr-FR" smtClean="0"/>
-              <a:t>16/10/2020</a:t>
+              <a:t>21/10/2020</a:t>
             </a:fld>
             <a:endParaRPr lang="fr-FR"/>
           </a:p>
@@ -5043,7 +5055,7 @@
           <a:p>
             <a:fld id="{3889262F-6D4F-4DC7-8418-D7BA862DDA13}" type="datetimeFigureOut">
               <a:rPr lang="fr-FR" smtClean="0"/>
-              <a:t>16/10/2020</a:t>
+              <a:t>21/10/2020</a:t>
             </a:fld>
             <a:endParaRPr lang="fr-FR"/>
           </a:p>
@@ -7160,7 +7172,7 @@
           <a:p>
             <a:fld id="{3889262F-6D4F-4DC7-8418-D7BA862DDA13}" type="datetimeFigureOut">
               <a:rPr lang="fr-FR" smtClean="0"/>
-              <a:t>16/10/2020</a:t>
+              <a:t>21/10/2020</a:t>
             </a:fld>
             <a:endParaRPr lang="fr-FR"/>
           </a:p>
@@ -8951,7 +8963,7 @@
 </p:sld>
 </file>
 
-<file path=ppt/slides/slide2.xml><?xml version="1.0" encoding="utf-8"?>
+<file path=ppt/slides/slide10.xml><?xml version="1.0" encoding="utf-8"?>
 <p:sld xmlns:a="http://schemas.openxmlformats.org/drawingml/2006/main" xmlns:r="http://schemas.openxmlformats.org/officeDocument/2006/relationships" xmlns:p="http://schemas.openxmlformats.org/presentationml/2006/main">
   <p:cSld>
     <p:spTree>
@@ -8973,7 +8985,7 @@
           <p:cNvPr id="2" name="Titre 1">
             <a:extLst>
               <a:ext uri="{FF2B5EF4-FFF2-40B4-BE49-F238E27FC236}">
-                <a16:creationId xmlns:a16="http://schemas.microsoft.com/office/drawing/2014/main" id="{DCE443D8-09EB-4B1B-AFDB-5E93A39D4403}"/>
+                <a16:creationId xmlns:a16="http://schemas.microsoft.com/office/drawing/2014/main" id="{5A62E94B-CF6C-4A71-8F0D-8EDF97F6F57B}"/>
               </a:ext>
             </a:extLst>
           </p:cNvPr>
@@ -8984,353 +8996,34 @@
             <p:ph type="title"/>
           </p:nvPr>
         </p:nvSpPr>
-        <p:spPr/>
+        <p:spPr>
+          <a:xfrm>
+            <a:off x="1791929" y="616309"/>
+            <a:ext cx="10515600" cy="1325563"/>
+          </a:xfrm>
+        </p:spPr>
         <p:txBody>
           <a:bodyPr/>
           <a:lstStyle/>
           <a:p>
             <a:r>
               <a:rPr lang="fr-FR" dirty="0"/>
-              <a:t>Théorie UMAP</a:t>
+              <a:t>ACP : recherche d’effet de la zone</a:t>
             </a:r>
           </a:p>
         </p:txBody>
       </p:sp>
-      <p:sp>
-        <p:nvSpPr>
-          <p:cNvPr id="3" name="Espace réservé du contenu 2">
+      <p:pic>
+        <p:nvPicPr>
+          <p:cNvPr id="2050" name="Picture 2">
             <a:extLst>
               <a:ext uri="{FF2B5EF4-FFF2-40B4-BE49-F238E27FC236}">
-                <a16:creationId xmlns:a16="http://schemas.microsoft.com/office/drawing/2014/main" id="{6DCEA7C5-34DD-4A8B-95A4-DFBB53A69EAC}"/>
-              </a:ext>
-            </a:extLst>
-          </p:cNvPr>
-          <p:cNvSpPr>
-            <a:spLocks noGrp="1"/>
-          </p:cNvSpPr>
-          <p:nvPr>
-            <p:ph idx="1"/>
-          </p:nvPr>
-        </p:nvSpPr>
-        <p:spPr/>
-        <p:txBody>
-          <a:bodyPr/>
-          <a:lstStyle/>
-          <a:p>
-            <a:endParaRPr lang="fr-FR" dirty="0"/>
-          </a:p>
-          <a:p>
-            <a:endParaRPr lang="fr-FR" dirty="0"/>
-          </a:p>
-          <a:p>
-            <a:endParaRPr lang="fr-FR" dirty="0"/>
-          </a:p>
-          <a:p>
-            <a:endParaRPr lang="fr-FR" dirty="0"/>
-          </a:p>
-          <a:p>
-            <a:r>
-              <a:rPr lang="fr-FR" dirty="0"/>
-              <a:t>Cf théorie git Phi</a:t>
-            </a:r>
-          </a:p>
-        </p:txBody>
-      </p:sp>
-    </p:spTree>
-    <p:extLst>
-      <p:ext uri="{BB962C8B-B14F-4D97-AF65-F5344CB8AC3E}">
-        <p14:creationId xmlns:p14="http://schemas.microsoft.com/office/powerpoint/2010/main" val="3893685818"/>
-      </p:ext>
-    </p:extLst>
-  </p:cSld>
-  <p:clrMapOvr>
-    <a:masterClrMapping/>
-  </p:clrMapOvr>
-</p:sld>
-</file>
-
-<file path=ppt/slides/slide3.xml><?xml version="1.0" encoding="utf-8"?>
-<p:sld xmlns:a="http://schemas.openxmlformats.org/drawingml/2006/main" xmlns:r="http://schemas.openxmlformats.org/officeDocument/2006/relationships" xmlns:p="http://schemas.openxmlformats.org/presentationml/2006/main">
-  <p:cSld>
-    <p:spTree>
-      <p:nvGrpSpPr>
-        <p:cNvPr id="1" name=""/>
-        <p:cNvGrpSpPr/>
-        <p:nvPr/>
-      </p:nvGrpSpPr>
-      <p:grpSpPr>
-        <a:xfrm>
-          <a:off x="0" y="0"/>
-          <a:ext cx="0" cy="0"/>
-          <a:chOff x="0" y="0"/>
-          <a:chExt cx="0" cy="0"/>
-        </a:xfrm>
-      </p:grpSpPr>
-      <p:sp>
-        <p:nvSpPr>
-          <p:cNvPr id="2" name="Titre 1">
-            <a:extLst>
-              <a:ext uri="{FF2B5EF4-FFF2-40B4-BE49-F238E27FC236}">
-                <a16:creationId xmlns:a16="http://schemas.microsoft.com/office/drawing/2014/main" id="{90FC99F6-41F7-4FF4-AB96-FD8027E3B127}"/>
-              </a:ext>
-            </a:extLst>
-          </p:cNvPr>
-          <p:cNvSpPr>
-            <a:spLocks noGrp="1"/>
-          </p:cNvSpPr>
-          <p:nvPr>
-            <p:ph type="title"/>
-          </p:nvPr>
-        </p:nvSpPr>
-        <p:spPr/>
-        <p:txBody>
-          <a:bodyPr/>
-          <a:lstStyle/>
-          <a:p>
-            <a:r>
-              <a:rPr lang="fr-FR" dirty="0"/>
-              <a:t>Représentation simple des données</a:t>
-            </a:r>
-          </a:p>
-        </p:txBody>
-      </p:sp>
-      <p:pic>
-        <p:nvPicPr>
-          <p:cNvPr id="4" name="Image 3">
-            <a:extLst>
-              <a:ext uri="{FF2B5EF4-FFF2-40B4-BE49-F238E27FC236}">
-                <a16:creationId xmlns:a16="http://schemas.microsoft.com/office/drawing/2014/main" id="{2A961655-0417-4EA4-AB83-96019B429DAE}"/>
+                <a16:creationId xmlns:a16="http://schemas.microsoft.com/office/drawing/2014/main" id="{D6569DB1-CFB2-4D16-8B9D-141F2A13192A}"/>
               </a:ext>
             </a:extLst>
           </p:cNvPr>
           <p:cNvPicPr>
-            <a:picLocks noChangeAspect="1"/>
-          </p:cNvPicPr>
-          <p:nvPr/>
-        </p:nvPicPr>
-        <p:blipFill>
-          <a:blip r:embed="rId2"/>
-          <a:stretch>
-            <a:fillRect/>
-          </a:stretch>
-        </p:blipFill>
-        <p:spPr>
-          <a:xfrm>
-            <a:off x="1877961" y="2229649"/>
-            <a:ext cx="8868697" cy="4628351"/>
-          </a:xfrm>
-          <a:prstGeom prst="rect">
-            <a:avLst/>
-          </a:prstGeom>
-        </p:spPr>
-      </p:pic>
-      <p:sp>
-        <p:nvSpPr>
-          <p:cNvPr id="5" name="ZoneTexte 4">
-            <a:extLst>
-              <a:ext uri="{FF2B5EF4-FFF2-40B4-BE49-F238E27FC236}">
-                <a16:creationId xmlns:a16="http://schemas.microsoft.com/office/drawing/2014/main" id="{6EAE3025-647C-45F8-BF54-2AB8E6D4D480}"/>
-              </a:ext>
-            </a:extLst>
-          </p:cNvPr>
-          <p:cNvSpPr txBox="1"/>
-          <p:nvPr/>
-        </p:nvSpPr>
-        <p:spPr>
-          <a:xfrm>
-            <a:off x="2762863" y="1535668"/>
-            <a:ext cx="7098892" cy="369332"/>
-          </a:xfrm>
-          <a:prstGeom prst="rect">
-            <a:avLst/>
-          </a:prstGeom>
-          <a:noFill/>
-        </p:spPr>
-        <p:txBody>
-          <a:bodyPr wrap="square" rtlCol="0">
-            <a:spAutoFit/>
-          </a:bodyPr>
-          <a:lstStyle/>
-          <a:p>
-            <a:r>
-              <a:rPr lang="fr-FR" dirty="0" err="1"/>
-              <a:t>Boxplot</a:t>
-            </a:r>
-            <a:r>
-              <a:rPr lang="fr-FR" dirty="0"/>
-              <a:t> des vitesses de germination en fonction du banc</a:t>
-            </a:r>
-          </a:p>
-        </p:txBody>
-      </p:sp>
-    </p:spTree>
-    <p:extLst>
-      <p:ext uri="{BB962C8B-B14F-4D97-AF65-F5344CB8AC3E}">
-        <p14:creationId xmlns:p14="http://schemas.microsoft.com/office/powerpoint/2010/main" val="2803499013"/>
-      </p:ext>
-    </p:extLst>
-  </p:cSld>
-  <p:clrMapOvr>
-    <a:masterClrMapping/>
-  </p:clrMapOvr>
-</p:sld>
-</file>
-
-<file path=ppt/slides/slide4.xml><?xml version="1.0" encoding="utf-8"?>
-<p:sld xmlns:a="http://schemas.openxmlformats.org/drawingml/2006/main" xmlns:r="http://schemas.openxmlformats.org/officeDocument/2006/relationships" xmlns:p="http://schemas.openxmlformats.org/presentationml/2006/main">
-  <p:cSld>
-    <p:spTree>
-      <p:nvGrpSpPr>
-        <p:cNvPr id="1" name=""/>
-        <p:cNvGrpSpPr/>
-        <p:nvPr/>
-      </p:nvGrpSpPr>
-      <p:grpSpPr>
-        <a:xfrm>
-          <a:off x="0" y="0"/>
-          <a:ext cx="0" cy="0"/>
-          <a:chOff x="0" y="0"/>
-          <a:chExt cx="0" cy="0"/>
-        </a:xfrm>
-      </p:grpSpPr>
-      <p:sp>
-        <p:nvSpPr>
-          <p:cNvPr id="2" name="Titre 1">
-            <a:extLst>
-              <a:ext uri="{FF2B5EF4-FFF2-40B4-BE49-F238E27FC236}">
-                <a16:creationId xmlns:a16="http://schemas.microsoft.com/office/drawing/2014/main" id="{42A6191B-EDEF-4368-8024-C8516E0CA788}"/>
-              </a:ext>
-            </a:extLst>
-          </p:cNvPr>
-          <p:cNvSpPr>
-            <a:spLocks noGrp="1"/>
-          </p:cNvSpPr>
-          <p:nvPr>
-            <p:ph type="title"/>
-          </p:nvPr>
-        </p:nvSpPr>
-        <p:spPr/>
-        <p:txBody>
-          <a:bodyPr/>
-          <a:lstStyle/>
-          <a:p>
-            <a:r>
-              <a:rPr lang="fr-FR" dirty="0"/>
-              <a:t>Représentation simple des données</a:t>
-            </a:r>
-          </a:p>
-        </p:txBody>
-      </p:sp>
-      <p:pic>
-        <p:nvPicPr>
-          <p:cNvPr id="4" name="Image 3">
-            <a:extLst>
-              <a:ext uri="{FF2B5EF4-FFF2-40B4-BE49-F238E27FC236}">
-                <a16:creationId xmlns:a16="http://schemas.microsoft.com/office/drawing/2014/main" id="{AD88337C-FEB5-4F24-9BCA-3A25A0C0A755}"/>
-              </a:ext>
-            </a:extLst>
-          </p:cNvPr>
-          <p:cNvPicPr>
-            <a:picLocks noChangeAspect="1"/>
-          </p:cNvPicPr>
-          <p:nvPr/>
-        </p:nvPicPr>
-        <p:blipFill>
-          <a:blip r:embed="rId2"/>
-          <a:stretch>
-            <a:fillRect/>
-          </a:stretch>
-        </p:blipFill>
-        <p:spPr>
-          <a:xfrm>
-            <a:off x="1804218" y="2378454"/>
-            <a:ext cx="8583561" cy="4479545"/>
-          </a:xfrm>
-          <a:prstGeom prst="rect">
-            <a:avLst/>
-          </a:prstGeom>
-        </p:spPr>
-      </p:pic>
-      <p:sp>
-        <p:nvSpPr>
-          <p:cNvPr id="5" name="ZoneTexte 4">
-            <a:extLst>
-              <a:ext uri="{FF2B5EF4-FFF2-40B4-BE49-F238E27FC236}">
-                <a16:creationId xmlns:a16="http://schemas.microsoft.com/office/drawing/2014/main" id="{E63D24D8-54A0-4AD2-A4F0-4F8A3F7136CA}"/>
-              </a:ext>
-            </a:extLst>
-          </p:cNvPr>
-          <p:cNvSpPr txBox="1"/>
-          <p:nvPr/>
-        </p:nvSpPr>
-        <p:spPr>
-          <a:xfrm>
-            <a:off x="2407504" y="1587729"/>
-            <a:ext cx="7376988" cy="369332"/>
-          </a:xfrm>
-          <a:prstGeom prst="rect">
-            <a:avLst/>
-          </a:prstGeom>
-          <a:noFill/>
-        </p:spPr>
-        <p:txBody>
-          <a:bodyPr wrap="square" rtlCol="0">
-            <a:spAutoFit/>
-          </a:bodyPr>
-          <a:lstStyle/>
-          <a:p>
-            <a:r>
-              <a:rPr lang="fr-FR" dirty="0" err="1"/>
-              <a:t>Boxplot</a:t>
-            </a:r>
-            <a:r>
-              <a:rPr lang="fr-FR" dirty="0"/>
-              <a:t> des vitesses de germination en fonction de la zone</a:t>
-            </a:r>
-          </a:p>
-        </p:txBody>
-      </p:sp>
-    </p:spTree>
-    <p:extLst>
-      <p:ext uri="{BB962C8B-B14F-4D97-AF65-F5344CB8AC3E}">
-        <p14:creationId xmlns:p14="http://schemas.microsoft.com/office/powerpoint/2010/main" val="2123986381"/>
-      </p:ext>
-    </p:extLst>
-  </p:cSld>
-  <p:clrMapOvr>
-    <a:masterClrMapping/>
-  </p:clrMapOvr>
-</p:sld>
-</file>
-
-<file path=ppt/slides/slide5.xml><?xml version="1.0" encoding="utf-8"?>
-<p:sld xmlns:a="http://schemas.openxmlformats.org/drawingml/2006/main" xmlns:r="http://schemas.openxmlformats.org/officeDocument/2006/relationships" xmlns:p="http://schemas.openxmlformats.org/presentationml/2006/main">
-  <p:cSld>
-    <p:spTree>
-      <p:nvGrpSpPr>
-        <p:cNvPr id="1" name=""/>
-        <p:cNvGrpSpPr/>
-        <p:nvPr/>
-      </p:nvGrpSpPr>
-      <p:grpSpPr>
-        <a:xfrm>
-          <a:off x="0" y="0"/>
-          <a:ext cx="0" cy="0"/>
-          <a:chOff x="0" y="0"/>
-          <a:chExt cx="0" cy="0"/>
-        </a:xfrm>
-      </p:grpSpPr>
-      <p:pic>
-        <p:nvPicPr>
-          <p:cNvPr id="6" name="Image 5">
-            <a:extLst>
-              <a:ext uri="{FF2B5EF4-FFF2-40B4-BE49-F238E27FC236}">
-                <a16:creationId xmlns:a16="http://schemas.microsoft.com/office/drawing/2014/main" id="{3339307A-51C6-4E30-BC52-92B1819F4A8A}"/>
-              </a:ext>
-            </a:extLst>
-          </p:cNvPr>
-          <p:cNvPicPr>
-            <a:picLocks noChangeAspect="1"/>
+            <a:picLocks noChangeAspect="1" noChangeArrowheads="1"/>
           </p:cNvPicPr>
           <p:nvPr/>
         </p:nvPicPr>
@@ -9342,223 +9035,44 @@
               </a:ext>
             </a:extLst>
           </a:blip>
-          <a:srcRect l="30242" t="14911" r="30484" b="16129"/>
+          <a:srcRect l="14166" t="-461" r="13657" b="461"/>
           <a:stretch/>
         </p:blipFill>
-        <p:spPr>
+        <p:spPr bwMode="auto">
           <a:xfrm>
-            <a:off x="6715432" y="1179871"/>
-            <a:ext cx="5392160" cy="5325727"/>
+            <a:off x="353345" y="1666260"/>
+            <a:ext cx="6599905" cy="4857750"/>
           </a:xfrm>
           <a:prstGeom prst="rect">
             <a:avLst/>
           </a:prstGeom>
+          <a:noFill/>
+          <a:extLst>
+            <a:ext uri="{909E8E84-426E-40DD-AFC4-6F175D3DCCD1}">
+              <a14:hiddenFill xmlns:a14="http://schemas.microsoft.com/office/drawing/2010/main">
+                <a:solidFill>
+                  <a:srgbClr val="FFFFFF"/>
+                </a:solidFill>
+              </a14:hiddenFill>
+            </a:ext>
+          </a:extLst>
         </p:spPr>
       </p:pic>
-      <p:sp>
-        <p:nvSpPr>
-          <p:cNvPr id="2" name="Titre 1">
+      <p:pic>
+        <p:nvPicPr>
+          <p:cNvPr id="2052" name="Picture 4">
             <a:extLst>
               <a:ext uri="{FF2B5EF4-FFF2-40B4-BE49-F238E27FC236}">
-                <a16:creationId xmlns:a16="http://schemas.microsoft.com/office/drawing/2014/main" id="{5A62E94B-CF6C-4A71-8F0D-8EDF97F6F57B}"/>
-              </a:ext>
-            </a:extLst>
-          </p:cNvPr>
-          <p:cNvSpPr>
-            <a:spLocks noGrp="1"/>
-          </p:cNvSpPr>
-          <p:nvPr>
-            <p:ph type="title"/>
-          </p:nvPr>
-        </p:nvSpPr>
-        <p:spPr>
-          <a:xfrm>
-            <a:off x="838200" y="178313"/>
-            <a:ext cx="10515600" cy="1325563"/>
-          </a:xfrm>
-        </p:spPr>
-        <p:txBody>
-          <a:bodyPr/>
-          <a:lstStyle/>
-          <a:p>
-            <a:r>
-              <a:rPr lang="fr-FR" dirty="0"/>
-              <a:t>ACP : recherche d’effet du banc</a:t>
-            </a:r>
-          </a:p>
-        </p:txBody>
-      </p:sp>
-      <p:pic>
-        <p:nvPicPr>
-          <p:cNvPr id="4" name="Image 3">
-            <a:extLst>
-              <a:ext uri="{FF2B5EF4-FFF2-40B4-BE49-F238E27FC236}">
-                <a16:creationId xmlns:a16="http://schemas.microsoft.com/office/drawing/2014/main" id="{CCEB3212-90CF-476E-AD31-FEF956E4AF56}"/>
+                <a16:creationId xmlns:a16="http://schemas.microsoft.com/office/drawing/2014/main" id="{0035AFAA-91FD-4359-B19B-60E333C010E7}"/>
               </a:ext>
             </a:extLst>
           </p:cNvPr>
           <p:cNvPicPr>
-            <a:picLocks noChangeAspect="1"/>
+            <a:picLocks noChangeAspect="1" noChangeArrowheads="1"/>
           </p:cNvPicPr>
           <p:nvPr/>
         </p:nvPicPr>
-        <p:blipFill rotWithShape="1">
-          <a:blip r:embed="rId3"/>
-          <a:srcRect l="17500" r="17580"/>
-          <a:stretch/>
-        </p:blipFill>
-        <p:spPr>
-          <a:xfrm>
-            <a:off x="324464" y="1355292"/>
-            <a:ext cx="6390968" cy="5137583"/>
-          </a:xfrm>
-          <a:prstGeom prst="rect">
-            <a:avLst/>
-          </a:prstGeom>
-        </p:spPr>
-      </p:pic>
-      <p:pic>
-        <p:nvPicPr>
-          <p:cNvPr id="8" name="Image 7">
-            <a:extLst>
-              <a:ext uri="{FF2B5EF4-FFF2-40B4-BE49-F238E27FC236}">
-                <a16:creationId xmlns:a16="http://schemas.microsoft.com/office/drawing/2014/main" id="{385CE34A-A3EF-48B1-8F7C-18D026188664}"/>
-              </a:ext>
-            </a:extLst>
-          </p:cNvPr>
-          <p:cNvPicPr>
-            <a:picLocks noChangeAspect="1"/>
-          </p:cNvPicPr>
-          <p:nvPr/>
-        </p:nvPicPr>
-        <p:blipFill rotWithShape="1">
-          <a:blip r:embed="rId2">
-            <a:extLst>
-              <a:ext uri="{28A0092B-C50C-407E-A947-70E740481C1C}">
-                <a14:useLocalDpi xmlns:a14="http://schemas.microsoft.com/office/drawing/2010/main" val="0"/>
-              </a:ext>
-            </a:extLst>
-          </a:blip>
-          <a:srcRect l="95484" t="4157" r="1774" b="86667"/>
-          <a:stretch/>
-        </p:blipFill>
-        <p:spPr>
-          <a:xfrm>
-            <a:off x="11396400" y="1422560"/>
-            <a:ext cx="334296" cy="629265"/>
-          </a:xfrm>
-          <a:prstGeom prst="rect">
-            <a:avLst/>
-          </a:prstGeom>
-        </p:spPr>
-      </p:pic>
-    </p:spTree>
-    <p:extLst>
-      <p:ext uri="{BB962C8B-B14F-4D97-AF65-F5344CB8AC3E}">
-        <p14:creationId xmlns:p14="http://schemas.microsoft.com/office/powerpoint/2010/main" val="3819249558"/>
-      </p:ext>
-    </p:extLst>
-  </p:cSld>
-  <p:clrMapOvr>
-    <a:masterClrMapping/>
-  </p:clrMapOvr>
-</p:sld>
-</file>
-
-<file path=ppt/slides/slide6.xml><?xml version="1.0" encoding="utf-8"?>
-<p:sld xmlns:a="http://schemas.openxmlformats.org/drawingml/2006/main" xmlns:r="http://schemas.openxmlformats.org/officeDocument/2006/relationships" xmlns:p="http://schemas.openxmlformats.org/presentationml/2006/main">
-  <p:cSld>
-    <p:spTree>
-      <p:nvGrpSpPr>
-        <p:cNvPr id="1" name=""/>
-        <p:cNvGrpSpPr/>
-        <p:nvPr/>
-      </p:nvGrpSpPr>
-      <p:grpSpPr>
-        <a:xfrm>
-          <a:off x="0" y="0"/>
-          <a:ext cx="0" cy="0"/>
-          <a:chOff x="0" y="0"/>
-          <a:chExt cx="0" cy="0"/>
-        </a:xfrm>
-      </p:grpSpPr>
-      <p:sp>
-        <p:nvSpPr>
-          <p:cNvPr id="2" name="Titre 1">
-            <a:extLst>
-              <a:ext uri="{FF2B5EF4-FFF2-40B4-BE49-F238E27FC236}">
-                <a16:creationId xmlns:a16="http://schemas.microsoft.com/office/drawing/2014/main" id="{5A62E94B-CF6C-4A71-8F0D-8EDF97F6F57B}"/>
-              </a:ext>
-            </a:extLst>
-          </p:cNvPr>
-          <p:cNvSpPr>
-            <a:spLocks noGrp="1"/>
-          </p:cNvSpPr>
-          <p:nvPr>
-            <p:ph type="title"/>
-          </p:nvPr>
-        </p:nvSpPr>
-        <p:spPr>
-          <a:xfrm>
-            <a:off x="838200" y="178313"/>
-            <a:ext cx="10515600" cy="1325563"/>
-          </a:xfrm>
-        </p:spPr>
-        <p:txBody>
-          <a:bodyPr/>
-          <a:lstStyle/>
-          <a:p>
-            <a:r>
-              <a:rPr lang="fr-FR" dirty="0"/>
-              <a:t>ACP : recherche d’effet de la zone</a:t>
-            </a:r>
-          </a:p>
-        </p:txBody>
-      </p:sp>
-      <p:pic>
-        <p:nvPicPr>
-          <p:cNvPr id="3" name="Image 2">
-            <a:extLst>
-              <a:ext uri="{FF2B5EF4-FFF2-40B4-BE49-F238E27FC236}">
-                <a16:creationId xmlns:a16="http://schemas.microsoft.com/office/drawing/2014/main" id="{23FDAD0F-43C4-4BF3-9123-71516B1F73B7}"/>
-              </a:ext>
-            </a:extLst>
-          </p:cNvPr>
-          <p:cNvPicPr>
-            <a:picLocks noChangeAspect="1"/>
-          </p:cNvPicPr>
-          <p:nvPr/>
-        </p:nvPicPr>
-        <p:blipFill rotWithShape="1">
-          <a:blip r:embed="rId2"/>
-          <a:srcRect l="17339" r="17742"/>
-          <a:stretch/>
-        </p:blipFill>
-        <p:spPr>
-          <a:xfrm>
-            <a:off x="303165" y="1520160"/>
-            <a:ext cx="6390967" cy="5137583"/>
-          </a:xfrm>
-          <a:prstGeom prst="rect">
-            <a:avLst/>
-          </a:prstGeom>
-        </p:spPr>
-      </p:pic>
-      <p:pic>
-        <p:nvPicPr>
-          <p:cNvPr id="7" name="Image 6">
-            <a:extLst>
-              <a:ext uri="{FF2B5EF4-FFF2-40B4-BE49-F238E27FC236}">
-                <a16:creationId xmlns:a16="http://schemas.microsoft.com/office/drawing/2014/main" id="{C90C769E-70B7-407B-88C2-BDFEDA744C77}"/>
-              </a:ext>
-            </a:extLst>
-          </p:cNvPr>
-          <p:cNvPicPr>
-            <a:picLocks noChangeAspect="1"/>
-          </p:cNvPicPr>
-          <p:nvPr/>
-        </p:nvPicPr>
-        <p:blipFill rotWithShape="1">
+        <p:blipFill>
           <a:blip r:embed="rId3">
             <a:extLst>
               <a:ext uri="{28A0092B-C50C-407E-A947-70E740481C1C}">
@@ -9566,17 +9080,29 @@
               </a:ext>
             </a:extLst>
           </a:blip>
-          <a:srcRect l="31290" t="15197" r="30806" b="15699"/>
-          <a:stretch/>
+          <a:srcRect/>
+          <a:stretch>
+            <a:fillRect/>
+          </a:stretch>
         </p:blipFill>
-        <p:spPr>
+        <p:spPr bwMode="auto">
           <a:xfrm>
-            <a:off x="6843251" y="1481505"/>
-            <a:ext cx="5159061" cy="5290783"/>
+            <a:off x="6953250" y="1312299"/>
+            <a:ext cx="5238750" cy="5476875"/>
           </a:xfrm>
           <a:prstGeom prst="rect">
             <a:avLst/>
           </a:prstGeom>
+          <a:noFill/>
+          <a:extLst>
+            <a:ext uri="{909E8E84-426E-40DD-AFC4-6F175D3DCCD1}">
+              <a14:hiddenFill xmlns:a14="http://schemas.microsoft.com/office/drawing/2010/main">
+                <a:solidFill>
+                  <a:srgbClr val="FFFFFF"/>
+                </a:solidFill>
+              </a14:hiddenFill>
+            </a:ext>
+          </a:extLst>
         </p:spPr>
       </p:pic>
       <p:pic>
@@ -9606,7 +9132,7 @@
         </p:blipFill>
         <p:spPr>
           <a:xfrm>
-            <a:off x="11353800" y="1995949"/>
+            <a:off x="11493910" y="1602659"/>
             <a:ext cx="383459" cy="678426"/>
           </a:xfrm>
           <a:prstGeom prst="rect">
@@ -9627,7 +9153,7 @@
 </p:sld>
 </file>
 
-<file path=ppt/slides/slide7.xml><?xml version="1.0" encoding="utf-8"?>
+<file path=ppt/slides/slide11.xml><?xml version="1.0" encoding="utf-8"?>
 <p:sld xmlns:a="http://schemas.openxmlformats.org/drawingml/2006/main" xmlns:r="http://schemas.openxmlformats.org/officeDocument/2006/relationships" xmlns:p="http://schemas.openxmlformats.org/presentationml/2006/main">
   <p:cSld>
     <p:spTree>
@@ -9660,90 +9186,148 @@
             <p:ph type="title"/>
           </p:nvPr>
         </p:nvSpPr>
-        <p:spPr/>
+        <p:spPr>
+          <a:xfrm>
+            <a:off x="1976285" y="624110"/>
+            <a:ext cx="9528328" cy="1280890"/>
+          </a:xfrm>
+        </p:spPr>
         <p:txBody>
           <a:bodyPr/>
           <a:lstStyle/>
           <a:p>
+            <a:pPr algn="ctr"/>
             <a:r>
               <a:rPr lang="fr-FR" dirty="0"/>
-              <a:t>UMAP</a:t>
+              <a:t>UMAP (Uniform Manifold Approximation and Projection)</a:t>
             </a:r>
           </a:p>
         </p:txBody>
       </p:sp>
-      <p:sp>
-        <p:nvSpPr>
-          <p:cNvPr id="3" name="Espace réservé du contenu 2">
+      <p:pic>
+        <p:nvPicPr>
+          <p:cNvPr id="3074" name="Picture 2">
             <a:extLst>
               <a:ext uri="{FF2B5EF4-FFF2-40B4-BE49-F238E27FC236}">
-                <a16:creationId xmlns:a16="http://schemas.microsoft.com/office/drawing/2014/main" id="{8EE93C04-495C-469D-8DBF-9EBC3673DA65}"/>
+                <a16:creationId xmlns:a16="http://schemas.microsoft.com/office/drawing/2014/main" id="{5C4BAA89-605F-42D7-93C1-4F9F0753AB9B}"/>
               </a:ext>
             </a:extLst>
           </p:cNvPr>
-          <p:cNvSpPr>
-            <a:spLocks noGrp="1"/>
-          </p:cNvSpPr>
-          <p:nvPr>
-            <p:ph idx="1"/>
-          </p:nvPr>
-        </p:nvSpPr>
-        <p:spPr/>
+          <p:cNvPicPr>
+            <a:picLocks noChangeAspect="1" noChangeArrowheads="1"/>
+          </p:cNvPicPr>
+          <p:nvPr/>
+        </p:nvPicPr>
+        <p:blipFill>
+          <a:blip r:embed="rId2">
+            <a:extLst>
+              <a:ext uri="{28A0092B-C50C-407E-A947-70E740481C1C}">
+                <a14:useLocalDpi xmlns:a14="http://schemas.microsoft.com/office/drawing/2010/main" val="0"/>
+              </a:ext>
+            </a:extLst>
+          </a:blip>
+          <a:srcRect/>
+          <a:stretch>
+            <a:fillRect/>
+          </a:stretch>
+        </p:blipFill>
+        <p:spPr bwMode="auto">
+          <a:xfrm>
+            <a:off x="192986" y="1979900"/>
+            <a:ext cx="8911688" cy="4599731"/>
+          </a:xfrm>
+          <a:prstGeom prst="rect">
+            <a:avLst/>
+          </a:prstGeom>
+          <a:noFill/>
+          <a:extLst>
+            <a:ext uri="{909E8E84-426E-40DD-AFC4-6F175D3DCCD1}">
+              <a14:hiddenFill xmlns:a14="http://schemas.microsoft.com/office/drawing/2010/main">
+                <a:solidFill>
+                  <a:srgbClr val="FFFFFF"/>
+                </a:solidFill>
+              </a14:hiddenFill>
+            </a:ext>
+          </a:extLst>
+        </p:spPr>
+      </p:pic>
+      <p:sp>
+        <p:nvSpPr>
+          <p:cNvPr id="6" name="ZoneTexte 5">
+            <a:extLst>
+              <a:ext uri="{FF2B5EF4-FFF2-40B4-BE49-F238E27FC236}">
+                <a16:creationId xmlns:a16="http://schemas.microsoft.com/office/drawing/2014/main" id="{5D0D859E-A07F-4FE9-8658-673D21906FDE}"/>
+              </a:ext>
+            </a:extLst>
+          </p:cNvPr>
+          <p:cNvSpPr txBox="1"/>
+          <p:nvPr/>
+        </p:nvSpPr>
+        <p:spPr>
+          <a:xfrm>
+            <a:off x="9104674" y="3429001"/>
+            <a:ext cx="3087325" cy="1477328"/>
+          </a:xfrm>
+          <a:prstGeom prst="rect">
+            <a:avLst/>
+          </a:prstGeom>
+          <a:noFill/>
+        </p:spPr>
         <p:txBody>
-          <a:bodyPr/>
+          <a:bodyPr wrap="square" rtlCol="0">
+            <a:spAutoFit/>
+          </a:bodyPr>
           <a:lstStyle/>
           <a:p>
             <a:r>
+              <a:rPr lang="fr-FR" u="sng" dirty="0"/>
+              <a:t>Paramètres par défaut :</a:t>
+            </a:r>
+          </a:p>
+          <a:p>
+            <a:endParaRPr lang="fr-FR" u="sng" dirty="0"/>
+          </a:p>
+          <a:p>
+            <a:pPr marL="285750" indent="-285750">
+              <a:buFont typeface="Arial" panose="020B0604020202020204" pitchFamily="34" charset="0"/>
+              <a:buChar char="•"/>
+            </a:pPr>
+            <a:r>
               <a:rPr lang="fr-FR" dirty="0"/>
-              <a:t>Représentation 2D avec paramètres par défaut</a:t>
-            </a:r>
-          </a:p>
-          <a:p>
+              <a:t>15 </a:t>
+            </a:r>
+            <a:r>
+              <a:rPr lang="fr-FR" dirty="0" err="1"/>
+              <a:t>ppv</a:t>
+            </a:r>
             <a:endParaRPr lang="fr-FR" dirty="0"/>
           </a:p>
           <a:p>
+            <a:pPr marL="285750" indent="-285750">
+              <a:buFont typeface="Arial" panose="020B0604020202020204" pitchFamily="34" charset="0"/>
+              <a:buChar char="•"/>
+            </a:pPr>
             <a:r>
               <a:rPr lang="fr-FR" dirty="0"/>
-              <a:t>Représentation 2D avec différents tests des paramètres (lesquels? Cf photos git) </a:t>
-            </a:r>
-          </a:p>
-          <a:p>
-            <a:endParaRPr lang="fr-FR" dirty="0"/>
-          </a:p>
-          <a:p>
+              <a:t>Métrique euclidienne</a:t>
+            </a:r>
+          </a:p>
+          <a:p>
+            <a:pPr marL="285750" indent="-285750">
+              <a:buFont typeface="Arial" panose="020B0604020202020204" pitchFamily="34" charset="0"/>
+              <a:buChar char="•"/>
+            </a:pPr>
             <a:r>
               <a:rPr lang="fr-FR" dirty="0"/>
-              <a:t>Représentation 3D ? (il faut packages ‘</a:t>
-            </a:r>
-            <a:r>
-              <a:rPr lang="fr-FR" dirty="0" err="1"/>
-              <a:t>rgl</a:t>
-            </a:r>
-            <a:r>
-              <a:rPr lang="fr-FR" dirty="0"/>
-              <a:t>’ et ‘</a:t>
-            </a:r>
-            <a:r>
-              <a:rPr lang="fr-FR" dirty="0" err="1"/>
-              <a:t>umap</a:t>
-            </a:r>
-            <a:r>
-              <a:rPr lang="fr-FR" dirty="0"/>
-              <a:t>’)</a:t>
-            </a:r>
-          </a:p>
-          <a:p>
-            <a:endParaRPr lang="fr-FR" dirty="0"/>
-          </a:p>
-          <a:p>
-            <a:endParaRPr lang="fr-FR" dirty="0"/>
+              <a:t>Distance minimum 0,1</a:t>
+            </a:r>
           </a:p>
         </p:txBody>
       </p:sp>
     </p:spTree>
     <p:extLst>
       <p:ext uri="{BB962C8B-B14F-4D97-AF65-F5344CB8AC3E}">
-        <p14:creationId xmlns:p14="http://schemas.microsoft.com/office/powerpoint/2010/main" val="1181647196"/>
+        <p14:creationId xmlns:p14="http://schemas.microsoft.com/office/powerpoint/2010/main" val="1803309601"/>
       </p:ext>
     </p:extLst>
   </p:cSld>
@@ -9753,7 +9337,484 @@
 </p:sld>
 </file>
 
-<file path=ppt/slides/slide8.xml><?xml version="1.0" encoding="utf-8"?>
+<file path=ppt/slides/slide12.xml><?xml version="1.0" encoding="utf-8"?>
+<p:sld xmlns:a="http://schemas.openxmlformats.org/drawingml/2006/main" xmlns:r="http://schemas.openxmlformats.org/officeDocument/2006/relationships" xmlns:p="http://schemas.openxmlformats.org/presentationml/2006/main">
+  <p:cSld>
+    <p:spTree>
+      <p:nvGrpSpPr>
+        <p:cNvPr id="1" name=""/>
+        <p:cNvGrpSpPr/>
+        <p:nvPr/>
+      </p:nvGrpSpPr>
+      <p:grpSpPr>
+        <a:xfrm>
+          <a:off x="0" y="0"/>
+          <a:ext cx="0" cy="0"/>
+          <a:chOff x="0" y="0"/>
+          <a:chExt cx="0" cy="0"/>
+        </a:xfrm>
+      </p:grpSpPr>
+      <p:sp>
+        <p:nvSpPr>
+          <p:cNvPr id="2" name="Titre 1">
+            <a:extLst>
+              <a:ext uri="{FF2B5EF4-FFF2-40B4-BE49-F238E27FC236}">
+                <a16:creationId xmlns:a16="http://schemas.microsoft.com/office/drawing/2014/main" id="{B0C685AB-3B29-4BAE-894F-870F63CFDE88}"/>
+              </a:ext>
+            </a:extLst>
+          </p:cNvPr>
+          <p:cNvSpPr>
+            <a:spLocks noGrp="1"/>
+          </p:cNvSpPr>
+          <p:nvPr>
+            <p:ph type="title"/>
+          </p:nvPr>
+        </p:nvSpPr>
+        <p:spPr>
+          <a:xfrm>
+            <a:off x="2654710" y="624110"/>
+            <a:ext cx="7659330" cy="1280890"/>
+          </a:xfrm>
+        </p:spPr>
+        <p:txBody>
+          <a:bodyPr/>
+          <a:lstStyle/>
+          <a:p>
+            <a:pPr algn="ctr"/>
+            <a:r>
+              <a:rPr lang="fr-FR" dirty="0"/>
+              <a:t>Variation du paramètre des plus proches voisins</a:t>
+            </a:r>
+          </a:p>
+        </p:txBody>
+      </p:sp>
+      <p:pic>
+        <p:nvPicPr>
+          <p:cNvPr id="4098" name="Picture 2">
+            <a:extLst>
+              <a:ext uri="{FF2B5EF4-FFF2-40B4-BE49-F238E27FC236}">
+                <a16:creationId xmlns:a16="http://schemas.microsoft.com/office/drawing/2014/main" id="{6A79BBBA-9026-4203-ADBE-7AC95E95CF32}"/>
+              </a:ext>
+            </a:extLst>
+          </p:cNvPr>
+          <p:cNvPicPr>
+            <a:picLocks noChangeAspect="1" noChangeArrowheads="1"/>
+          </p:cNvPicPr>
+          <p:nvPr/>
+        </p:nvPicPr>
+        <p:blipFill>
+          <a:blip r:embed="rId2">
+            <a:extLst>
+              <a:ext uri="{28A0092B-C50C-407E-A947-70E740481C1C}">
+                <a14:useLocalDpi xmlns:a14="http://schemas.microsoft.com/office/drawing/2010/main" val="0"/>
+              </a:ext>
+            </a:extLst>
+          </a:blip>
+          <a:srcRect/>
+          <a:stretch>
+            <a:fillRect/>
+          </a:stretch>
+        </p:blipFill>
+        <p:spPr bwMode="auto">
+          <a:xfrm>
+            <a:off x="1448430" y="1779639"/>
+            <a:ext cx="9839003" cy="5078361"/>
+          </a:xfrm>
+          <a:prstGeom prst="rect">
+            <a:avLst/>
+          </a:prstGeom>
+          <a:noFill/>
+          <a:extLst>
+            <a:ext uri="{909E8E84-426E-40DD-AFC4-6F175D3DCCD1}">
+              <a14:hiddenFill xmlns:a14="http://schemas.microsoft.com/office/drawing/2010/main">
+                <a:solidFill>
+                  <a:srgbClr val="FFFFFF"/>
+                </a:solidFill>
+              </a14:hiddenFill>
+            </a:ext>
+          </a:extLst>
+        </p:spPr>
+      </p:pic>
+    </p:spTree>
+    <p:extLst>
+      <p:ext uri="{BB962C8B-B14F-4D97-AF65-F5344CB8AC3E}">
+        <p14:creationId xmlns:p14="http://schemas.microsoft.com/office/powerpoint/2010/main" val="873798410"/>
+      </p:ext>
+    </p:extLst>
+  </p:cSld>
+  <p:clrMapOvr>
+    <a:masterClrMapping/>
+  </p:clrMapOvr>
+</p:sld>
+</file>
+
+<file path=ppt/slides/slide13.xml><?xml version="1.0" encoding="utf-8"?>
+<p:sld xmlns:a="http://schemas.openxmlformats.org/drawingml/2006/main" xmlns:r="http://schemas.openxmlformats.org/officeDocument/2006/relationships" xmlns:p="http://schemas.openxmlformats.org/presentationml/2006/main">
+  <p:cSld>
+    <p:spTree>
+      <p:nvGrpSpPr>
+        <p:cNvPr id="1" name=""/>
+        <p:cNvGrpSpPr/>
+        <p:nvPr/>
+      </p:nvGrpSpPr>
+      <p:grpSpPr>
+        <a:xfrm>
+          <a:off x="0" y="0"/>
+          <a:ext cx="0" cy="0"/>
+          <a:chOff x="0" y="0"/>
+          <a:chExt cx="0" cy="0"/>
+        </a:xfrm>
+      </p:grpSpPr>
+      <p:pic>
+        <p:nvPicPr>
+          <p:cNvPr id="5122" name="Picture 2">
+            <a:extLst>
+              <a:ext uri="{FF2B5EF4-FFF2-40B4-BE49-F238E27FC236}">
+                <a16:creationId xmlns:a16="http://schemas.microsoft.com/office/drawing/2014/main" id="{CC9BD67F-FF30-4285-B543-4624531917FA}"/>
+              </a:ext>
+            </a:extLst>
+          </p:cNvPr>
+          <p:cNvPicPr>
+            <a:picLocks noChangeAspect="1" noChangeArrowheads="1"/>
+          </p:cNvPicPr>
+          <p:nvPr/>
+        </p:nvPicPr>
+        <p:blipFill>
+          <a:blip r:embed="rId2">
+            <a:extLst>
+              <a:ext uri="{28A0092B-C50C-407E-A947-70E740481C1C}">
+                <a14:useLocalDpi xmlns:a14="http://schemas.microsoft.com/office/drawing/2010/main" val="0"/>
+              </a:ext>
+            </a:extLst>
+          </a:blip>
+          <a:srcRect/>
+          <a:stretch>
+            <a:fillRect/>
+          </a:stretch>
+        </p:blipFill>
+        <p:spPr bwMode="auto">
+          <a:xfrm>
+            <a:off x="1355642" y="1691148"/>
+            <a:ext cx="10010449" cy="5166852"/>
+          </a:xfrm>
+          <a:prstGeom prst="rect">
+            <a:avLst/>
+          </a:prstGeom>
+          <a:noFill/>
+          <a:extLst>
+            <a:ext uri="{909E8E84-426E-40DD-AFC4-6F175D3DCCD1}">
+              <a14:hiddenFill xmlns:a14="http://schemas.microsoft.com/office/drawing/2010/main">
+                <a:solidFill>
+                  <a:srgbClr val="FFFFFF"/>
+                </a:solidFill>
+              </a14:hiddenFill>
+            </a:ext>
+          </a:extLst>
+        </p:spPr>
+      </p:pic>
+      <p:sp>
+        <p:nvSpPr>
+          <p:cNvPr id="5" name="Titre 1">
+            <a:extLst>
+              <a:ext uri="{FF2B5EF4-FFF2-40B4-BE49-F238E27FC236}">
+                <a16:creationId xmlns:a16="http://schemas.microsoft.com/office/drawing/2014/main" id="{F017C25E-941B-4F4B-875F-A0BEC48264A6}"/>
+              </a:ext>
+            </a:extLst>
+          </p:cNvPr>
+          <p:cNvSpPr txBox="1">
+            <a:spLocks/>
+          </p:cNvSpPr>
+          <p:nvPr/>
+        </p:nvSpPr>
+        <p:spPr>
+          <a:xfrm>
+            <a:off x="2654710" y="624110"/>
+            <a:ext cx="7659330" cy="1280890"/>
+          </a:xfrm>
+          <a:prstGeom prst="rect">
+            <a:avLst/>
+          </a:prstGeom>
+        </p:spPr>
+        <p:txBody>
+          <a:bodyPr vert="horz" lIns="91440" tIns="45720" rIns="91440" bIns="45720" rtlCol="0" anchor="t">
+            <a:normAutofit/>
+          </a:bodyPr>
+          <a:lstStyle>
+            <a:lvl1pPr algn="l" defTabSz="457200" rtl="0" eaLnBrk="1" latinLnBrk="0" hangingPunct="1">
+              <a:spcBef>
+                <a:spcPct val="0"/>
+              </a:spcBef>
+              <a:buNone/>
+              <a:defRPr sz="3600" kern="1200">
+                <a:solidFill>
+                  <a:schemeClr val="tx1">
+                    <a:lumMod val="85000"/>
+                    <a:lumOff val="15000"/>
+                  </a:schemeClr>
+                </a:solidFill>
+                <a:latin typeface="+mj-lt"/>
+                <a:ea typeface="+mj-ea"/>
+                <a:cs typeface="+mj-cs"/>
+              </a:defRPr>
+            </a:lvl1pPr>
+            <a:lvl2pPr eaLnBrk="1" hangingPunct="1">
+              <a:defRPr>
+                <a:solidFill>
+                  <a:schemeClr val="tx2"/>
+                </a:solidFill>
+              </a:defRPr>
+            </a:lvl2pPr>
+            <a:lvl3pPr eaLnBrk="1" hangingPunct="1">
+              <a:defRPr>
+                <a:solidFill>
+                  <a:schemeClr val="tx2"/>
+                </a:solidFill>
+              </a:defRPr>
+            </a:lvl3pPr>
+            <a:lvl4pPr eaLnBrk="1" hangingPunct="1">
+              <a:defRPr>
+                <a:solidFill>
+                  <a:schemeClr val="tx2"/>
+                </a:solidFill>
+              </a:defRPr>
+            </a:lvl4pPr>
+            <a:lvl5pPr eaLnBrk="1" hangingPunct="1">
+              <a:defRPr>
+                <a:solidFill>
+                  <a:schemeClr val="tx2"/>
+                </a:solidFill>
+              </a:defRPr>
+            </a:lvl5pPr>
+            <a:lvl6pPr eaLnBrk="1" hangingPunct="1">
+              <a:defRPr>
+                <a:solidFill>
+                  <a:schemeClr val="tx2"/>
+                </a:solidFill>
+              </a:defRPr>
+            </a:lvl6pPr>
+            <a:lvl7pPr eaLnBrk="1" hangingPunct="1">
+              <a:defRPr>
+                <a:solidFill>
+                  <a:schemeClr val="tx2"/>
+                </a:solidFill>
+              </a:defRPr>
+            </a:lvl7pPr>
+            <a:lvl8pPr eaLnBrk="1" hangingPunct="1">
+              <a:defRPr>
+                <a:solidFill>
+                  <a:schemeClr val="tx2"/>
+                </a:solidFill>
+              </a:defRPr>
+            </a:lvl8pPr>
+            <a:lvl9pPr eaLnBrk="1" hangingPunct="1">
+              <a:defRPr>
+                <a:solidFill>
+                  <a:schemeClr val="tx2"/>
+                </a:solidFill>
+              </a:defRPr>
+            </a:lvl9pPr>
+          </a:lstStyle>
+          <a:p>
+            <a:pPr algn="ctr"/>
+            <a:r>
+              <a:rPr lang="fr-FR" dirty="0"/>
+              <a:t>Variation du paramètre de la distance minimum</a:t>
+            </a:r>
+          </a:p>
+        </p:txBody>
+      </p:sp>
+    </p:spTree>
+    <p:extLst>
+      <p:ext uri="{BB962C8B-B14F-4D97-AF65-F5344CB8AC3E}">
+        <p14:creationId xmlns:p14="http://schemas.microsoft.com/office/powerpoint/2010/main" val="3023017620"/>
+      </p:ext>
+    </p:extLst>
+  </p:cSld>
+  <p:clrMapOvr>
+    <a:masterClrMapping/>
+  </p:clrMapOvr>
+</p:sld>
+</file>
+
+<file path=ppt/slides/slide14.xml><?xml version="1.0" encoding="utf-8"?>
+<p:sld xmlns:a="http://schemas.openxmlformats.org/drawingml/2006/main" xmlns:r="http://schemas.openxmlformats.org/officeDocument/2006/relationships" xmlns:p="http://schemas.openxmlformats.org/presentationml/2006/main">
+  <p:cSld>
+    <p:spTree>
+      <p:nvGrpSpPr>
+        <p:cNvPr id="1" name=""/>
+        <p:cNvGrpSpPr/>
+        <p:nvPr/>
+      </p:nvGrpSpPr>
+      <p:grpSpPr>
+        <a:xfrm>
+          <a:off x="0" y="0"/>
+          <a:ext cx="0" cy="0"/>
+          <a:chOff x="0" y="0"/>
+          <a:chExt cx="0" cy="0"/>
+        </a:xfrm>
+      </p:grpSpPr>
+      <p:sp>
+        <p:nvSpPr>
+          <p:cNvPr id="2" name="Titre 1">
+            <a:extLst>
+              <a:ext uri="{FF2B5EF4-FFF2-40B4-BE49-F238E27FC236}">
+                <a16:creationId xmlns:a16="http://schemas.microsoft.com/office/drawing/2014/main" id="{BFE1811E-29E6-411E-B17C-E10A82DF4F73}"/>
+              </a:ext>
+            </a:extLst>
+          </p:cNvPr>
+          <p:cNvSpPr>
+            <a:spLocks noGrp="1"/>
+          </p:cNvSpPr>
+          <p:nvPr>
+            <p:ph type="title"/>
+          </p:nvPr>
+        </p:nvSpPr>
+        <p:spPr/>
+        <p:txBody>
+          <a:bodyPr/>
+          <a:lstStyle/>
+          <a:p>
+            <a:r>
+              <a:rPr lang="fr-FR" dirty="0"/>
+              <a:t>Choix final des paramètres </a:t>
+            </a:r>
+          </a:p>
+        </p:txBody>
+      </p:sp>
+      <p:pic>
+        <p:nvPicPr>
+          <p:cNvPr id="6146" name="Picture 2">
+            <a:extLst>
+              <a:ext uri="{FF2B5EF4-FFF2-40B4-BE49-F238E27FC236}">
+                <a16:creationId xmlns:a16="http://schemas.microsoft.com/office/drawing/2014/main" id="{E271B24B-DC17-4A79-AA82-76341E30E2A4}"/>
+              </a:ext>
+            </a:extLst>
+          </p:cNvPr>
+          <p:cNvPicPr>
+            <a:picLocks noChangeAspect="1" noChangeArrowheads="1"/>
+          </p:cNvPicPr>
+          <p:nvPr/>
+        </p:nvPicPr>
+        <p:blipFill>
+          <a:blip r:embed="rId2">
+            <a:extLst>
+              <a:ext uri="{28A0092B-C50C-407E-A947-70E740481C1C}">
+                <a14:useLocalDpi xmlns:a14="http://schemas.microsoft.com/office/drawing/2010/main" val="0"/>
+              </a:ext>
+            </a:extLst>
+          </a:blip>
+          <a:srcRect/>
+          <a:stretch>
+            <a:fillRect/>
+          </a:stretch>
+        </p:blipFill>
+        <p:spPr bwMode="auto">
+          <a:xfrm>
+            <a:off x="127820" y="1858296"/>
+            <a:ext cx="9134178" cy="4714568"/>
+          </a:xfrm>
+          <a:prstGeom prst="rect">
+            <a:avLst/>
+          </a:prstGeom>
+          <a:noFill/>
+          <a:extLst>
+            <a:ext uri="{909E8E84-426E-40DD-AFC4-6F175D3DCCD1}">
+              <a14:hiddenFill xmlns:a14="http://schemas.microsoft.com/office/drawing/2010/main">
+                <a:solidFill>
+                  <a:srgbClr val="FFFFFF"/>
+                </a:solidFill>
+              </a14:hiddenFill>
+            </a:ext>
+          </a:extLst>
+        </p:spPr>
+      </p:pic>
+      <p:sp>
+        <p:nvSpPr>
+          <p:cNvPr id="6" name="ZoneTexte 5">
+            <a:extLst>
+              <a:ext uri="{FF2B5EF4-FFF2-40B4-BE49-F238E27FC236}">
+                <a16:creationId xmlns:a16="http://schemas.microsoft.com/office/drawing/2014/main" id="{C006F509-7F44-4F15-983E-747718716754}"/>
+              </a:ext>
+            </a:extLst>
+          </p:cNvPr>
+          <p:cNvSpPr txBox="1"/>
+          <p:nvPr/>
+        </p:nvSpPr>
+        <p:spPr>
+          <a:xfrm>
+            <a:off x="9261998" y="3350342"/>
+            <a:ext cx="3087325" cy="1477328"/>
+          </a:xfrm>
+          <a:prstGeom prst="rect">
+            <a:avLst/>
+          </a:prstGeom>
+          <a:noFill/>
+        </p:spPr>
+        <p:txBody>
+          <a:bodyPr wrap="square" rtlCol="0">
+            <a:spAutoFit/>
+          </a:bodyPr>
+          <a:lstStyle/>
+          <a:p>
+            <a:r>
+              <a:rPr lang="fr-FR" u="sng" dirty="0"/>
+              <a:t>Paramètres choisis :</a:t>
+            </a:r>
+          </a:p>
+          <a:p>
+            <a:endParaRPr lang="fr-FR" u="sng" dirty="0"/>
+          </a:p>
+          <a:p>
+            <a:pPr marL="285750" indent="-285750">
+              <a:buFont typeface="Arial" panose="020B0604020202020204" pitchFamily="34" charset="0"/>
+              <a:buChar char="•"/>
+            </a:pPr>
+            <a:r>
+              <a:rPr lang="fr-FR" dirty="0"/>
+              <a:t>5 </a:t>
+            </a:r>
+            <a:r>
+              <a:rPr lang="fr-FR" dirty="0" err="1"/>
+              <a:t>ppv</a:t>
+            </a:r>
+            <a:endParaRPr lang="fr-FR" dirty="0"/>
+          </a:p>
+          <a:p>
+            <a:pPr marL="285750" indent="-285750">
+              <a:buFont typeface="Arial" panose="020B0604020202020204" pitchFamily="34" charset="0"/>
+              <a:buChar char="•"/>
+            </a:pPr>
+            <a:r>
+              <a:rPr lang="fr-FR" dirty="0"/>
+              <a:t>Métrique euclidienne</a:t>
+            </a:r>
+          </a:p>
+          <a:p>
+            <a:pPr marL="285750" indent="-285750">
+              <a:buFont typeface="Arial" panose="020B0604020202020204" pitchFamily="34" charset="0"/>
+              <a:buChar char="•"/>
+            </a:pPr>
+            <a:r>
+              <a:rPr lang="fr-FR" dirty="0"/>
+              <a:t>Distance minimum 0,1</a:t>
+            </a:r>
+          </a:p>
+        </p:txBody>
+      </p:sp>
+    </p:spTree>
+    <p:extLst>
+      <p:ext uri="{BB962C8B-B14F-4D97-AF65-F5344CB8AC3E}">
+        <p14:creationId xmlns:p14="http://schemas.microsoft.com/office/powerpoint/2010/main" val="2501658695"/>
+      </p:ext>
+    </p:extLst>
+  </p:cSld>
+  <p:clrMapOvr>
+    <a:masterClrMapping/>
+  </p:clrMapOvr>
+</p:sld>
+</file>
+
+<file path=ppt/slides/slide15.xml><?xml version="1.0" encoding="utf-8"?>
 <p:sld xmlns:a="http://schemas.openxmlformats.org/drawingml/2006/main" xmlns:r="http://schemas.openxmlformats.org/officeDocument/2006/relationships" xmlns:p="http://schemas.openxmlformats.org/presentationml/2006/main">
   <p:cSld>
     <p:bg>
@@ -11029,8 +11090,8 @@
         </p:nvSpPr>
         <p:spPr>
           <a:xfrm>
-            <a:off x="5049062" y="942108"/>
-            <a:ext cx="6455549" cy="4969114"/>
+            <a:off x="5565058" y="942108"/>
+            <a:ext cx="5015051" cy="4969114"/>
           </a:xfrm>
         </p:spPr>
         <p:txBody>
@@ -11039,7 +11100,10 @@
           </a:bodyPr>
           <a:lstStyle/>
           <a:p>
-            <a:endParaRPr lang="fr-FR">
+            <a:pPr marL="0" indent="0">
+              <a:buNone/>
+            </a:pPr>
+            <a:endParaRPr lang="fr-FR" dirty="0">
               <a:solidFill>
                 <a:schemeClr val="tx2">
                   <a:lumMod val="75000"/>
@@ -11048,34 +11112,106 @@
             </a:endParaRPr>
           </a:p>
           <a:p>
-            <a:endParaRPr lang="fr-FR">
+            <a:pPr marL="0" indent="0">
+              <a:buNone/>
+            </a:pPr>
+            <a:r>
+              <a:rPr lang="fr-FR" dirty="0">
+                <a:solidFill>
+                  <a:schemeClr val="tx1"/>
+                </a:solidFill>
+              </a:rPr>
+              <a:t>Aucun effet dû à la zone n’est observé, que ce soit avec l’ACP ou UMAP</a:t>
+            </a:r>
+          </a:p>
+          <a:p>
+            <a:pPr marL="0" indent="0">
+              <a:buNone/>
+            </a:pPr>
+            <a:endParaRPr lang="fr-FR" dirty="0">
               <a:solidFill>
-                <a:schemeClr val="tx2">
-                  <a:lumMod val="75000"/>
-                </a:schemeClr>
+                <a:schemeClr val="tx1"/>
               </a:solidFill>
             </a:endParaRPr>
           </a:p>
           <a:p>
-            <a:endParaRPr lang="fr-FR">
+            <a:pPr marL="0" indent="0">
+              <a:buNone/>
+            </a:pPr>
+            <a:r>
+              <a:rPr lang="fr-FR" dirty="0">
+                <a:solidFill>
+                  <a:schemeClr val="tx1"/>
+                </a:solidFill>
+              </a:rPr>
+              <a:t>Récent ?</a:t>
+            </a:r>
+          </a:p>
+          <a:p>
+            <a:pPr marL="0" indent="0">
+              <a:buNone/>
+            </a:pPr>
+            <a:endParaRPr lang="fr-FR" dirty="0">
               <a:solidFill>
-                <a:schemeClr val="tx2">
-                  <a:lumMod val="75000"/>
-                </a:schemeClr>
+                <a:schemeClr val="tx1"/>
               </a:solidFill>
             </a:endParaRPr>
           </a:p>
           <a:p>
-            <a:r>
-              <a:rPr lang="fr-FR">
+            <a:pPr marL="0" indent="0">
+              <a:buNone/>
+            </a:pPr>
+            <a:r>
+              <a:rPr lang="fr-FR" dirty="0">
                 <a:solidFill>
-                  <a:schemeClr val="tx2">
-                    <a:lumMod val="75000"/>
-                  </a:schemeClr>
+                  <a:schemeClr val="tx1"/>
                 </a:solidFill>
               </a:rPr>
-              <a:t>Aucun effet dû au banc ou à la zone n’est observé avec l’ACP et UMAP</a:t>
-            </a:r>
+              <a:t>Créateurs ?</a:t>
+            </a:r>
+          </a:p>
+          <a:p>
+            <a:pPr marL="0" indent="0">
+              <a:buNone/>
+            </a:pPr>
+            <a:endParaRPr lang="fr-FR" dirty="0">
+              <a:solidFill>
+                <a:schemeClr val="tx1"/>
+              </a:solidFill>
+            </a:endParaRPr>
+          </a:p>
+          <a:p>
+            <a:pPr marL="0" indent="0">
+              <a:buNone/>
+            </a:pPr>
+            <a:r>
+              <a:rPr lang="fr-FR" dirty="0">
+                <a:solidFill>
+                  <a:schemeClr val="tx1"/>
+                </a:solidFill>
+              </a:rPr>
+              <a:t>Avantages ?</a:t>
+            </a:r>
+          </a:p>
+          <a:p>
+            <a:pPr marL="0" indent="0">
+              <a:buNone/>
+            </a:pPr>
+            <a:endParaRPr lang="fr-FR" dirty="0">
+              <a:solidFill>
+                <a:schemeClr val="tx1"/>
+              </a:solidFill>
+            </a:endParaRPr>
+          </a:p>
+          <a:p>
+            <a:pPr marL="0" indent="0">
+              <a:buNone/>
+            </a:pPr>
+            <a:endParaRPr lang="fr-FR" dirty="0">
+              <a:solidFill>
+                <a:schemeClr val="tx1"/>
+              </a:solidFill>
+            </a:endParaRPr>
           </a:p>
         </p:txBody>
       </p:sp>
@@ -11083,6 +11219,1311 @@
     <p:extLst>
       <p:ext uri="{BB962C8B-B14F-4D97-AF65-F5344CB8AC3E}">
         <p14:creationId xmlns:p14="http://schemas.microsoft.com/office/powerpoint/2010/main" val="1058375661"/>
+      </p:ext>
+    </p:extLst>
+  </p:cSld>
+  <p:clrMapOvr>
+    <a:masterClrMapping/>
+  </p:clrMapOvr>
+</p:sld>
+</file>
+
+<file path=ppt/slides/slide2.xml><?xml version="1.0" encoding="utf-8"?>
+<p:sld xmlns:a="http://schemas.openxmlformats.org/drawingml/2006/main" xmlns:r="http://schemas.openxmlformats.org/officeDocument/2006/relationships" xmlns:p="http://schemas.openxmlformats.org/presentationml/2006/main">
+  <p:cSld>
+    <p:spTree>
+      <p:nvGrpSpPr>
+        <p:cNvPr id="1" name=""/>
+        <p:cNvGrpSpPr/>
+        <p:nvPr/>
+      </p:nvGrpSpPr>
+      <p:grpSpPr>
+        <a:xfrm>
+          <a:off x="0" y="0"/>
+          <a:ext cx="0" cy="0"/>
+          <a:chOff x="0" y="0"/>
+          <a:chExt cx="0" cy="0"/>
+        </a:xfrm>
+      </p:grpSpPr>
+      <p:sp>
+        <p:nvSpPr>
+          <p:cNvPr id="2" name="Titre 1">
+            <a:extLst>
+              <a:ext uri="{FF2B5EF4-FFF2-40B4-BE49-F238E27FC236}">
+                <a16:creationId xmlns:a16="http://schemas.microsoft.com/office/drawing/2014/main" id="{DCE443D8-09EB-4B1B-AFDB-5E93A39D4403}"/>
+              </a:ext>
+            </a:extLst>
+          </p:cNvPr>
+          <p:cNvSpPr>
+            <a:spLocks noGrp="1"/>
+          </p:cNvSpPr>
+          <p:nvPr>
+            <p:ph type="title"/>
+          </p:nvPr>
+        </p:nvSpPr>
+        <p:spPr/>
+        <p:txBody>
+          <a:bodyPr/>
+          <a:lstStyle/>
+          <a:p>
+            <a:r>
+              <a:rPr lang="fr-FR" dirty="0"/>
+              <a:t>Théorie UMAP</a:t>
+            </a:r>
+          </a:p>
+        </p:txBody>
+      </p:sp>
+      <p:sp>
+        <p:nvSpPr>
+          <p:cNvPr id="3" name="Espace réservé du contenu 2">
+            <a:extLst>
+              <a:ext uri="{FF2B5EF4-FFF2-40B4-BE49-F238E27FC236}">
+                <a16:creationId xmlns:a16="http://schemas.microsoft.com/office/drawing/2014/main" id="{6DCEA7C5-34DD-4A8B-95A4-DFBB53A69EAC}"/>
+              </a:ext>
+            </a:extLst>
+          </p:cNvPr>
+          <p:cNvSpPr>
+            <a:spLocks noGrp="1"/>
+          </p:cNvSpPr>
+          <p:nvPr>
+            <p:ph idx="1"/>
+          </p:nvPr>
+        </p:nvSpPr>
+        <p:spPr>
+          <a:xfrm>
+            <a:off x="957057" y="1759973"/>
+            <a:ext cx="8915400" cy="3557837"/>
+          </a:xfrm>
+        </p:spPr>
+        <p:txBody>
+          <a:bodyPr>
+            <a:normAutofit fontScale="85000" lnSpcReduction="20000"/>
+          </a:bodyPr>
+          <a:lstStyle/>
+          <a:p>
+            <a:r>
+              <a:rPr lang="fr-FR" dirty="0"/>
+              <a:t>UMAP (Uniform Manifold Approximation and Projection) est une technique de réduction de dimension qui peut être utilisée pour la visualisation de données de manière similaire à la t-SNE. Cette technique peut aussi être utilisée pour de la réduction de dimension non linéaire. L’algorithme de cette technique est basé sur 3 hypothèses faites sur les données : </a:t>
+            </a:r>
+          </a:p>
+          <a:p>
+            <a:pPr lvl="0"/>
+            <a:r>
+              <a:rPr lang="fr-FR" dirty="0"/>
+              <a:t>Les données sont distribuées de manière uniforme sur une variété Riemannienne</a:t>
+            </a:r>
+          </a:p>
+          <a:p>
+            <a:pPr lvl="0"/>
+            <a:r>
+              <a:rPr lang="fr-FR" dirty="0"/>
+              <a:t>La métrique de Riemann est localement constante (ou peut être approximée comme tel)</a:t>
+            </a:r>
+          </a:p>
+          <a:p>
+            <a:pPr lvl="0"/>
+            <a:r>
+              <a:rPr lang="fr-FR" dirty="0"/>
+              <a:t>Les « points » sont localement connecté dans l’espace, il n’y a pas de « points » isolés</a:t>
+            </a:r>
+          </a:p>
+          <a:p>
+            <a:r>
+              <a:rPr lang="fr-FR" dirty="0"/>
+              <a:t>De ces 3 hypothèses il est possible de modéliser les données avec une structure topologique floue (</a:t>
+            </a:r>
+            <a:r>
+              <a:rPr lang="fr-FR" dirty="0" err="1"/>
+              <a:t>fuzzy</a:t>
+            </a:r>
+            <a:r>
+              <a:rPr lang="fr-FR" dirty="0"/>
+              <a:t> </a:t>
+            </a:r>
+            <a:r>
+              <a:rPr lang="fr-FR" dirty="0" err="1"/>
+              <a:t>topological</a:t>
+            </a:r>
+            <a:r>
+              <a:rPr lang="fr-FR" dirty="0"/>
+              <a:t> structure) (avant projection). La représentation (simple) des données est trouvée en cherchant une projection (des données) sur un espace de faible dimension qui a une structure la plus proche possible de la structure topologique de départ.</a:t>
+            </a:r>
+          </a:p>
+          <a:p>
+            <a:r>
+              <a:rPr lang="fr-FR" dirty="0"/>
+              <a:t>Domaines mathématiques derrière la méthode : algèbre topologique, Géométrie de Riemann, « logique flou » </a:t>
+            </a:r>
+          </a:p>
+          <a:p>
+            <a:endParaRPr lang="fr-FR" dirty="0"/>
+          </a:p>
+        </p:txBody>
+      </p:sp>
+    </p:spTree>
+    <p:extLst>
+      <p:ext uri="{BB962C8B-B14F-4D97-AF65-F5344CB8AC3E}">
+        <p14:creationId xmlns:p14="http://schemas.microsoft.com/office/powerpoint/2010/main" val="3893685818"/>
+      </p:ext>
+    </p:extLst>
+  </p:cSld>
+  <p:clrMapOvr>
+    <a:masterClrMapping/>
+  </p:clrMapOvr>
+</p:sld>
+</file>
+
+<file path=ppt/slides/slide3.xml><?xml version="1.0" encoding="utf-8"?>
+<p:sld xmlns:a="http://schemas.openxmlformats.org/drawingml/2006/main" xmlns:r="http://schemas.openxmlformats.org/officeDocument/2006/relationships" xmlns:p="http://schemas.openxmlformats.org/presentationml/2006/main">
+  <p:cSld>
+    <p:spTree>
+      <p:nvGrpSpPr>
+        <p:cNvPr id="1" name=""/>
+        <p:cNvGrpSpPr/>
+        <p:nvPr/>
+      </p:nvGrpSpPr>
+      <p:grpSpPr>
+        <a:xfrm>
+          <a:off x="0" y="0"/>
+          <a:ext cx="0" cy="0"/>
+          <a:chOff x="0" y="0"/>
+          <a:chExt cx="0" cy="0"/>
+        </a:xfrm>
+      </p:grpSpPr>
+      <p:sp>
+        <p:nvSpPr>
+          <p:cNvPr id="2" name="Titre 1">
+            <a:extLst>
+              <a:ext uri="{FF2B5EF4-FFF2-40B4-BE49-F238E27FC236}">
+                <a16:creationId xmlns:a16="http://schemas.microsoft.com/office/drawing/2014/main" id="{906B3FF4-244D-4945-8ED3-433A6DD80536}"/>
+              </a:ext>
+            </a:extLst>
+          </p:cNvPr>
+          <p:cNvSpPr>
+            <a:spLocks noGrp="1"/>
+          </p:cNvSpPr>
+          <p:nvPr>
+            <p:ph type="title"/>
+          </p:nvPr>
+        </p:nvSpPr>
+        <p:spPr/>
+        <p:txBody>
+          <a:bodyPr/>
+          <a:lstStyle/>
+          <a:p>
+            <a:r>
+              <a:rPr lang="fr-FR" dirty="0"/>
+              <a:t>Au niveau mathématique</a:t>
+            </a:r>
+          </a:p>
+        </p:txBody>
+      </p:sp>
+      <p:sp>
+        <p:nvSpPr>
+          <p:cNvPr id="3" name="Espace réservé du contenu 2">
+            <a:extLst>
+              <a:ext uri="{FF2B5EF4-FFF2-40B4-BE49-F238E27FC236}">
+                <a16:creationId xmlns:a16="http://schemas.microsoft.com/office/drawing/2014/main" id="{6FE95A7B-34A7-4C59-BCF1-9FEABDF58E52}"/>
+              </a:ext>
+            </a:extLst>
+          </p:cNvPr>
+          <p:cNvSpPr>
+            <a:spLocks noGrp="1"/>
+          </p:cNvSpPr>
+          <p:nvPr>
+            <p:ph idx="1"/>
+          </p:nvPr>
+        </p:nvSpPr>
+        <p:spPr>
+          <a:xfrm>
+            <a:off x="1379307" y="2244874"/>
+            <a:ext cx="9518496" cy="4006222"/>
+          </a:xfrm>
+        </p:spPr>
+        <p:txBody>
+          <a:bodyPr/>
+          <a:lstStyle/>
+          <a:p>
+            <a:pPr lvl="0"/>
+            <a:r>
+              <a:rPr lang="fr-FR" dirty="0"/>
+              <a:t>Analyse de données topologiques : Il est possible en construisant d’une certaine manière des </a:t>
+            </a:r>
+            <a:br>
+              <a:rPr lang="fr-FR" dirty="0"/>
+            </a:br>
+            <a:r>
+              <a:rPr lang="fr-FR" dirty="0"/>
+              <a:t>complexes simpliciaux dans un espace topologique de les reconstruire de manière combinatoire sans perdre d’information (on réussit à recouvrir toute l’information importante sur la topologie de l’espace de départ). Ce qui est plus simple à manipuler.</a:t>
+            </a:r>
+          </a:p>
+          <a:p>
+            <a:pPr lvl="0"/>
+            <a:r>
+              <a:rPr lang="fr-FR" dirty="0"/>
+              <a:t>Hypothèse de distribution uniforme : Si les données ne sont pas uniformément distribuées sur la variété, on peut définir une métrique Riemannienne pour faire en sorte que l’hypothèse soit vérifiée, en faisant varier la notion de distance pour chaque type de données.</a:t>
+            </a:r>
+          </a:p>
+          <a:p>
+            <a:endParaRPr lang="fr-FR" dirty="0"/>
+          </a:p>
+        </p:txBody>
+      </p:sp>
+    </p:spTree>
+    <p:extLst>
+      <p:ext uri="{BB962C8B-B14F-4D97-AF65-F5344CB8AC3E}">
+        <p14:creationId xmlns:p14="http://schemas.microsoft.com/office/powerpoint/2010/main" val="4196430017"/>
+      </p:ext>
+    </p:extLst>
+  </p:cSld>
+  <p:clrMapOvr>
+    <a:masterClrMapping/>
+  </p:clrMapOvr>
+</p:sld>
+</file>
+
+<file path=ppt/slides/slide4.xml><?xml version="1.0" encoding="utf-8"?>
+<p:sld xmlns:a="http://schemas.openxmlformats.org/drawingml/2006/main" xmlns:r="http://schemas.openxmlformats.org/officeDocument/2006/relationships" xmlns:p="http://schemas.openxmlformats.org/presentationml/2006/main">
+  <p:cSld>
+    <p:spTree>
+      <p:nvGrpSpPr>
+        <p:cNvPr id="1" name=""/>
+        <p:cNvGrpSpPr/>
+        <p:nvPr/>
+      </p:nvGrpSpPr>
+      <p:grpSpPr>
+        <a:xfrm>
+          <a:off x="0" y="0"/>
+          <a:ext cx="0" cy="0"/>
+          <a:chOff x="0" y="0"/>
+          <a:chExt cx="0" cy="0"/>
+        </a:xfrm>
+      </p:grpSpPr>
+      <p:sp>
+        <p:nvSpPr>
+          <p:cNvPr id="2" name="Titre 1">
+            <a:extLst>
+              <a:ext uri="{FF2B5EF4-FFF2-40B4-BE49-F238E27FC236}">
+                <a16:creationId xmlns:a16="http://schemas.microsoft.com/office/drawing/2014/main" id="{9ACCDE0D-8AD8-4190-8D5B-D82DFF9DD107}"/>
+              </a:ext>
+            </a:extLst>
+          </p:cNvPr>
+          <p:cNvSpPr>
+            <a:spLocks noGrp="1"/>
+          </p:cNvSpPr>
+          <p:nvPr>
+            <p:ph type="title"/>
+          </p:nvPr>
+        </p:nvSpPr>
+        <p:spPr/>
+        <p:txBody>
+          <a:bodyPr/>
+          <a:lstStyle/>
+          <a:p>
+            <a:r>
+              <a:rPr lang="fr-FR" dirty="0"/>
+              <a:t>Exemple</a:t>
+            </a:r>
+          </a:p>
+        </p:txBody>
+      </p:sp>
+      <p:pic>
+        <p:nvPicPr>
+          <p:cNvPr id="4" name="Espace réservé du contenu 3">
+            <a:extLst>
+              <a:ext uri="{FF2B5EF4-FFF2-40B4-BE49-F238E27FC236}">
+                <a16:creationId xmlns:a16="http://schemas.microsoft.com/office/drawing/2014/main" id="{91BE7ABD-1079-40D9-AF1C-54325F1DD3D3}"/>
+              </a:ext>
+            </a:extLst>
+          </p:cNvPr>
+          <p:cNvPicPr>
+            <a:picLocks noGrp="1" noChangeAspect="1"/>
+          </p:cNvPicPr>
+          <p:nvPr>
+            <p:ph idx="1"/>
+          </p:nvPr>
+        </p:nvPicPr>
+        <p:blipFill rotWithShape="1">
+          <a:blip r:embed="rId2"/>
+          <a:srcRect l="24748" t="26764" r="23069" b="21165"/>
+          <a:stretch/>
+        </p:blipFill>
+        <p:spPr bwMode="auto">
+          <a:xfrm>
+            <a:off x="602105" y="2820161"/>
+            <a:ext cx="5493895" cy="3083606"/>
+          </a:xfrm>
+          <a:prstGeom prst="rect">
+            <a:avLst/>
+          </a:prstGeom>
+          <a:ln>
+            <a:noFill/>
+          </a:ln>
+          <a:extLst>
+            <a:ext uri="{53640926-AAD7-44D8-BBD7-CCE9431645EC}">
+              <a14:shadowObscured xmlns:a14="http://schemas.microsoft.com/office/drawing/2010/main"/>
+            </a:ext>
+          </a:extLst>
+        </p:spPr>
+      </p:pic>
+      <p:pic>
+        <p:nvPicPr>
+          <p:cNvPr id="5" name="Image 4">
+            <a:extLst>
+              <a:ext uri="{FF2B5EF4-FFF2-40B4-BE49-F238E27FC236}">
+                <a16:creationId xmlns:a16="http://schemas.microsoft.com/office/drawing/2014/main" id="{711B3907-2C33-43B2-989D-0EB56926C9B9}"/>
+              </a:ext>
+            </a:extLst>
+          </p:cNvPr>
+          <p:cNvPicPr>
+            <a:picLocks noChangeAspect="1"/>
+          </p:cNvPicPr>
+          <p:nvPr/>
+        </p:nvPicPr>
+        <p:blipFill rotWithShape="1">
+          <a:blip r:embed="rId3"/>
+          <a:srcRect l="25162" t="31897" r="23476" b="16028"/>
+          <a:stretch/>
+        </p:blipFill>
+        <p:spPr bwMode="auto">
+          <a:xfrm>
+            <a:off x="5960191" y="2820163"/>
+            <a:ext cx="5408419" cy="3083606"/>
+          </a:xfrm>
+          <a:prstGeom prst="rect">
+            <a:avLst/>
+          </a:prstGeom>
+          <a:ln>
+            <a:noFill/>
+          </a:ln>
+          <a:extLst>
+            <a:ext uri="{53640926-AAD7-44D8-BBD7-CCE9431645EC}">
+              <a14:shadowObscured xmlns:a14="http://schemas.microsoft.com/office/drawing/2010/main"/>
+            </a:ext>
+          </a:extLst>
+        </p:spPr>
+      </p:pic>
+      <p:sp>
+        <p:nvSpPr>
+          <p:cNvPr id="6" name="Rectangle 5">
+            <a:extLst>
+              <a:ext uri="{FF2B5EF4-FFF2-40B4-BE49-F238E27FC236}">
+                <a16:creationId xmlns:a16="http://schemas.microsoft.com/office/drawing/2014/main" id="{29225C86-A537-4D84-A6E9-86F913C5CE0D}"/>
+              </a:ext>
+            </a:extLst>
+          </p:cNvPr>
+          <p:cNvSpPr/>
+          <p:nvPr/>
+        </p:nvSpPr>
+        <p:spPr>
+          <a:xfrm>
+            <a:off x="1054572" y="1705658"/>
+            <a:ext cx="10314038" cy="923330"/>
+          </a:xfrm>
+          <a:prstGeom prst="rect">
+            <a:avLst/>
+          </a:prstGeom>
+        </p:spPr>
+        <p:txBody>
+          <a:bodyPr wrap="square">
+            <a:spAutoFit/>
+          </a:bodyPr>
+          <a:lstStyle/>
+          <a:p>
+            <a:pPr>
+              <a:spcAft>
+                <a:spcPts val="0"/>
+              </a:spcAft>
+            </a:pPr>
+            <a:r>
+              <a:rPr lang="fr-FR" dirty="0">
+                <a:latin typeface="Calibri" panose="020F0502020204030204" pitchFamily="34" charset="0"/>
+                <a:ea typeface="Malgun Gothic" panose="020B0503020000020004" pitchFamily="34" charset="-127"/>
+                <a:cs typeface="Times New Roman" panose="02020603050405020304" pitchFamily="18" charset="0"/>
+              </a:rPr>
+              <a:t>A droite, la même métrique a été appliquée pour tous les points. Toutes les sphères sont des sphères unités. A gauche, on a appliqué des métriques différentes. Les sphères sont également toutes des sphères unités mais en considérant chacune sa propre métrique.</a:t>
+            </a:r>
+          </a:p>
+        </p:txBody>
+      </p:sp>
+      <p:sp>
+        <p:nvSpPr>
+          <p:cNvPr id="7" name="Rectangle 6">
+            <a:extLst>
+              <a:ext uri="{FF2B5EF4-FFF2-40B4-BE49-F238E27FC236}">
+                <a16:creationId xmlns:a16="http://schemas.microsoft.com/office/drawing/2014/main" id="{7A779CD5-11EA-4523-A087-70B42F4D236F}"/>
+              </a:ext>
+            </a:extLst>
+          </p:cNvPr>
+          <p:cNvSpPr/>
+          <p:nvPr/>
+        </p:nvSpPr>
+        <p:spPr>
+          <a:xfrm>
+            <a:off x="2592925" y="6233890"/>
+            <a:ext cx="5730800" cy="326371"/>
+          </a:xfrm>
+          <a:prstGeom prst="rect">
+            <a:avLst/>
+          </a:prstGeom>
+        </p:spPr>
+        <p:txBody>
+          <a:bodyPr wrap="none">
+            <a:spAutoFit/>
+          </a:bodyPr>
+          <a:lstStyle/>
+          <a:p>
+            <a:pPr>
+              <a:lnSpc>
+                <a:spcPts val="1800"/>
+              </a:lnSpc>
+              <a:spcAft>
+                <a:spcPts val="1800"/>
+              </a:spcAft>
+            </a:pPr>
+            <a:r>
+              <a:rPr lang="en-GB" dirty="0">
+                <a:solidFill>
+                  <a:srgbClr val="404040"/>
+                </a:solidFill>
+                <a:latin typeface="Calibri" panose="020F0502020204030204" pitchFamily="34" charset="0"/>
+                <a:ea typeface="Malgun Gothic" panose="020B0503020000020004" pitchFamily="34" charset="-127"/>
+                <a:cs typeface="Calibri" panose="020F0502020204030204" pitchFamily="34" charset="0"/>
+              </a:rPr>
+              <a:t>Video </a:t>
+            </a:r>
+            <a:r>
+              <a:rPr lang="en-GB" u="sng" dirty="0">
+                <a:solidFill>
+                  <a:srgbClr val="000000"/>
+                </a:solidFill>
+                <a:latin typeface="Calibri" panose="020F0502020204030204" pitchFamily="34" charset="0"/>
+                <a:ea typeface="Malgun Gothic" panose="020B0503020000020004" pitchFamily="34" charset="-127"/>
+                <a:cs typeface="Calibri" panose="020F0502020204030204" pitchFamily="34" charset="0"/>
+                <a:hlinkClick r:id="rId4"/>
+              </a:rPr>
+              <a:t>https://www.youtube.com/watch?v=nq6iPZVUxZU</a:t>
+            </a:r>
+            <a:endParaRPr lang="fr-FR" dirty="0">
+              <a:latin typeface="Calibri" panose="020F0502020204030204" pitchFamily="34" charset="0"/>
+              <a:ea typeface="Malgun Gothic" panose="020B0503020000020004" pitchFamily="34" charset="-127"/>
+              <a:cs typeface="Times New Roman" panose="02020603050405020304" pitchFamily="18" charset="0"/>
+            </a:endParaRPr>
+          </a:p>
+        </p:txBody>
+      </p:sp>
+    </p:spTree>
+    <p:extLst>
+      <p:ext uri="{BB962C8B-B14F-4D97-AF65-F5344CB8AC3E}">
+        <p14:creationId xmlns:p14="http://schemas.microsoft.com/office/powerpoint/2010/main" val="1789584"/>
+      </p:ext>
+    </p:extLst>
+  </p:cSld>
+  <p:clrMapOvr>
+    <a:masterClrMapping/>
+  </p:clrMapOvr>
+</p:sld>
+</file>
+
+<file path=ppt/slides/slide5.xml><?xml version="1.0" encoding="utf-8"?>
+<p:sld xmlns:a="http://schemas.openxmlformats.org/drawingml/2006/main" xmlns:r="http://schemas.openxmlformats.org/officeDocument/2006/relationships" xmlns:p="http://schemas.openxmlformats.org/presentationml/2006/main">
+  <p:cSld>
+    <p:spTree>
+      <p:nvGrpSpPr>
+        <p:cNvPr id="1" name=""/>
+        <p:cNvGrpSpPr/>
+        <p:nvPr/>
+      </p:nvGrpSpPr>
+      <p:grpSpPr>
+        <a:xfrm>
+          <a:off x="0" y="0"/>
+          <a:ext cx="0" cy="0"/>
+          <a:chOff x="0" y="0"/>
+          <a:chExt cx="0" cy="0"/>
+        </a:xfrm>
+      </p:grpSpPr>
+      <p:sp>
+        <p:nvSpPr>
+          <p:cNvPr id="2" name="Titre 1">
+            <a:extLst>
+              <a:ext uri="{FF2B5EF4-FFF2-40B4-BE49-F238E27FC236}">
+                <a16:creationId xmlns:a16="http://schemas.microsoft.com/office/drawing/2014/main" id="{BDA36E46-4BE5-4BB2-B437-A05847BD4C74}"/>
+              </a:ext>
+            </a:extLst>
+          </p:cNvPr>
+          <p:cNvSpPr>
+            <a:spLocks noGrp="1"/>
+          </p:cNvSpPr>
+          <p:nvPr>
+            <p:ph type="title"/>
+          </p:nvPr>
+        </p:nvSpPr>
+        <p:spPr/>
+        <p:txBody>
+          <a:bodyPr/>
+          <a:lstStyle/>
+          <a:p>
+            <a:r>
+              <a:rPr lang="fr-FR" dirty="0"/>
+              <a:t>Au niveau algorithmique</a:t>
+            </a:r>
+          </a:p>
+        </p:txBody>
+      </p:sp>
+      <p:sp>
+        <p:nvSpPr>
+          <p:cNvPr id="3" name="Espace réservé du contenu 2">
+            <a:extLst>
+              <a:ext uri="{FF2B5EF4-FFF2-40B4-BE49-F238E27FC236}">
+                <a16:creationId xmlns:a16="http://schemas.microsoft.com/office/drawing/2014/main" id="{252AE744-8620-47D4-835C-E1C87EDE5684}"/>
+              </a:ext>
+            </a:extLst>
+          </p:cNvPr>
+          <p:cNvSpPr>
+            <a:spLocks noGrp="1"/>
+          </p:cNvSpPr>
+          <p:nvPr>
+            <p:ph idx="1"/>
+          </p:nvPr>
+        </p:nvSpPr>
+        <p:spPr>
+          <a:xfrm>
+            <a:off x="1209369" y="1730478"/>
+            <a:ext cx="10531218" cy="4151248"/>
+          </a:xfrm>
+        </p:spPr>
+        <p:txBody>
+          <a:bodyPr>
+            <a:normAutofit fontScale="85000" lnSpcReduction="10000"/>
+          </a:bodyPr>
+          <a:lstStyle/>
+          <a:p>
+            <a:pPr lvl="0"/>
+            <a:r>
+              <a:rPr lang="fr-FR" dirty="0"/>
+              <a:t>Quand on connait la dimension de l’espace sur lequel on projette les données (typiquement R² ou R3), on ne connait alors plus la bonne distance des voisions les plus proches. On a alors besoin de faire appel à l’entropie croisée pour déterminer les hyper paramètres. (Principe de l’entropie croisée : le premier terme permet de récupérer la structure locale des données (classes/groupes), le deuxième terme permet de récupérer la structure globale des données (écart entre les différentes classes/groupes)). Concrètement cela est implémenté à l’aide des RP-</a:t>
+            </a:r>
+            <a:r>
+              <a:rPr lang="fr-FR" dirty="0" err="1"/>
+              <a:t>trees</a:t>
+            </a:r>
+            <a:r>
+              <a:rPr lang="fr-FR" dirty="0"/>
+              <a:t> (Rare Pattern </a:t>
+            </a:r>
+            <a:r>
+              <a:rPr lang="fr-FR" dirty="0" err="1"/>
+              <a:t>Tree</a:t>
+            </a:r>
+            <a:r>
+              <a:rPr lang="fr-FR" dirty="0"/>
+              <a:t> Mining) et NN-</a:t>
+            </a:r>
+            <a:r>
+              <a:rPr lang="fr-FR" dirty="0" err="1"/>
+              <a:t>descent</a:t>
+            </a:r>
+            <a:r>
+              <a:rPr lang="fr-FR" dirty="0"/>
+              <a:t> (</a:t>
+            </a:r>
+            <a:r>
+              <a:rPr lang="fr-FR" dirty="0" err="1"/>
+              <a:t>Nearest</a:t>
+            </a:r>
+            <a:r>
+              <a:rPr lang="fr-FR" dirty="0"/>
+              <a:t> </a:t>
+            </a:r>
+            <a:r>
+              <a:rPr lang="fr-FR" dirty="0" err="1"/>
+              <a:t>Neighbor</a:t>
+            </a:r>
+            <a:r>
+              <a:rPr lang="fr-FR" dirty="0"/>
+              <a:t> </a:t>
+            </a:r>
+            <a:r>
+              <a:rPr lang="fr-FR" dirty="0" err="1"/>
+              <a:t>descent</a:t>
+            </a:r>
+            <a:r>
+              <a:rPr lang="fr-FR" dirty="0"/>
+              <a:t>).</a:t>
+            </a:r>
+          </a:p>
+          <a:p>
+            <a:pPr lvl="0"/>
+            <a:r>
+              <a:rPr lang="fr-FR" dirty="0"/>
+              <a:t>La rapidité de l’algorithme est assurée par SGD (Stochastique Gradient </a:t>
+            </a:r>
+            <a:r>
+              <a:rPr lang="fr-FR" dirty="0" err="1"/>
+              <a:t>Descent</a:t>
+            </a:r>
+            <a:r>
+              <a:rPr lang="fr-FR" dirty="0"/>
+              <a:t>) + </a:t>
+            </a:r>
+            <a:r>
+              <a:rPr lang="fr-FR" dirty="0" err="1"/>
+              <a:t>negative</a:t>
+            </a:r>
+            <a:r>
+              <a:rPr lang="fr-FR" dirty="0"/>
+              <a:t> sampling</a:t>
+            </a:r>
+          </a:p>
+          <a:p>
+            <a:pPr marL="0" indent="0">
+              <a:buNone/>
+            </a:pPr>
+            <a:endParaRPr lang="fr-FR" dirty="0"/>
+          </a:p>
+          <a:p>
+            <a:pPr marL="0" indent="0">
+              <a:buNone/>
+            </a:pPr>
+            <a:r>
+              <a:rPr lang="en-GB" sz="2800" dirty="0" err="1"/>
+              <a:t>Avantages</a:t>
+            </a:r>
+            <a:endParaRPr lang="fr-FR" dirty="0"/>
+          </a:p>
+          <a:p>
+            <a:pPr lvl="0"/>
+            <a:r>
+              <a:rPr lang="fr-FR" dirty="0"/>
+              <a:t>Algorithme bien plus rapide que la t-SNE (écart de plus en plus grand avec la taille des données)</a:t>
+            </a:r>
+          </a:p>
+          <a:p>
+            <a:pPr lvl="0"/>
+            <a:r>
+              <a:rPr lang="fr-FR" dirty="0"/>
+              <a:t>Peut prendre en charge plusieurs types de données en même temps, chacune ayant des métriques différentes.</a:t>
+            </a:r>
+          </a:p>
+          <a:p>
+            <a:pPr lvl="0"/>
+            <a:r>
+              <a:rPr lang="fr-FR" dirty="0"/>
+              <a:t>Peut faire de la classification supervisée comme non supervisée.</a:t>
+            </a:r>
+          </a:p>
+          <a:p>
+            <a:endParaRPr lang="fr-FR" dirty="0"/>
+          </a:p>
+        </p:txBody>
+      </p:sp>
+    </p:spTree>
+    <p:extLst>
+      <p:ext uri="{BB962C8B-B14F-4D97-AF65-F5344CB8AC3E}">
+        <p14:creationId xmlns:p14="http://schemas.microsoft.com/office/powerpoint/2010/main" val="4221893676"/>
+      </p:ext>
+    </p:extLst>
+  </p:cSld>
+  <p:clrMapOvr>
+    <a:masterClrMapping/>
+  </p:clrMapOvr>
+</p:sld>
+</file>
+
+<file path=ppt/slides/slide6.xml><?xml version="1.0" encoding="utf-8"?>
+<p:sld xmlns:a="http://schemas.openxmlformats.org/drawingml/2006/main" xmlns:r="http://schemas.openxmlformats.org/officeDocument/2006/relationships" xmlns:p="http://schemas.openxmlformats.org/presentationml/2006/main">
+  <p:cSld>
+    <p:spTree>
+      <p:nvGrpSpPr>
+        <p:cNvPr id="1" name=""/>
+        <p:cNvGrpSpPr/>
+        <p:nvPr/>
+      </p:nvGrpSpPr>
+      <p:grpSpPr>
+        <a:xfrm>
+          <a:off x="0" y="0"/>
+          <a:ext cx="0" cy="0"/>
+          <a:chOff x="0" y="0"/>
+          <a:chExt cx="0" cy="0"/>
+        </a:xfrm>
+      </p:grpSpPr>
+      <p:sp>
+        <p:nvSpPr>
+          <p:cNvPr id="2" name="Titre 1">
+            <a:extLst>
+              <a:ext uri="{FF2B5EF4-FFF2-40B4-BE49-F238E27FC236}">
+                <a16:creationId xmlns:a16="http://schemas.microsoft.com/office/drawing/2014/main" id="{4D17587A-B21D-4FBF-869E-0A8E478C2A90}"/>
+              </a:ext>
+            </a:extLst>
+          </p:cNvPr>
+          <p:cNvSpPr>
+            <a:spLocks noGrp="1"/>
+          </p:cNvSpPr>
+          <p:nvPr>
+            <p:ph type="title"/>
+          </p:nvPr>
+        </p:nvSpPr>
+        <p:spPr/>
+        <p:txBody>
+          <a:bodyPr/>
+          <a:lstStyle/>
+          <a:p>
+            <a:r>
+              <a:rPr lang="fr-FR" dirty="0"/>
+              <a:t>Exemple MNIST</a:t>
+            </a:r>
+          </a:p>
+        </p:txBody>
+      </p:sp>
+      <p:pic>
+        <p:nvPicPr>
+          <p:cNvPr id="4" name="Espace réservé du contenu 3">
+            <a:extLst>
+              <a:ext uri="{FF2B5EF4-FFF2-40B4-BE49-F238E27FC236}">
+                <a16:creationId xmlns:a16="http://schemas.microsoft.com/office/drawing/2014/main" id="{CE74926E-6B38-44CC-A146-2F98A07084A0}"/>
+              </a:ext>
+            </a:extLst>
+          </p:cNvPr>
+          <p:cNvPicPr>
+            <a:picLocks noGrp="1"/>
+          </p:cNvPicPr>
+          <p:nvPr>
+            <p:ph idx="1"/>
+          </p:nvPr>
+        </p:nvPicPr>
+        <p:blipFill rotWithShape="1">
+          <a:blip r:embed="rId2"/>
+          <a:srcRect l="24327" t="16498" r="22673" b="14567"/>
+          <a:stretch/>
+        </p:blipFill>
+        <p:spPr bwMode="auto">
+          <a:xfrm>
+            <a:off x="560138" y="1799304"/>
+            <a:ext cx="5166736" cy="3778250"/>
+          </a:xfrm>
+          <a:prstGeom prst="rect">
+            <a:avLst/>
+          </a:prstGeom>
+          <a:ln>
+            <a:noFill/>
+          </a:ln>
+          <a:extLst>
+            <a:ext uri="{53640926-AAD7-44D8-BBD7-CCE9431645EC}">
+              <a14:shadowObscured xmlns:a14="http://schemas.microsoft.com/office/drawing/2010/main"/>
+            </a:ext>
+          </a:extLst>
+        </p:spPr>
+      </p:pic>
+      <p:pic>
+        <p:nvPicPr>
+          <p:cNvPr id="5" name="Image 4">
+            <a:extLst>
+              <a:ext uri="{FF2B5EF4-FFF2-40B4-BE49-F238E27FC236}">
+                <a16:creationId xmlns:a16="http://schemas.microsoft.com/office/drawing/2014/main" id="{F12E06E6-DE73-471F-8187-12BCD37B8A24}"/>
+              </a:ext>
+            </a:extLst>
+          </p:cNvPr>
+          <p:cNvPicPr/>
+          <p:nvPr/>
+        </p:nvPicPr>
+        <p:blipFill rotWithShape="1">
+          <a:blip r:embed="rId3"/>
+          <a:srcRect l="11340" t="9532" r="39369" b="16390"/>
+          <a:stretch/>
+        </p:blipFill>
+        <p:spPr bwMode="auto">
+          <a:xfrm>
+            <a:off x="5968181" y="1493377"/>
+            <a:ext cx="4945625" cy="4084177"/>
+          </a:xfrm>
+          <a:prstGeom prst="rect">
+            <a:avLst/>
+          </a:prstGeom>
+          <a:ln>
+            <a:noFill/>
+          </a:ln>
+          <a:extLst>
+            <a:ext uri="{53640926-AAD7-44D8-BBD7-CCE9431645EC}">
+              <a14:shadowObscured xmlns:a14="http://schemas.microsoft.com/office/drawing/2010/main"/>
+            </a:ext>
+          </a:extLst>
+        </p:spPr>
+      </p:pic>
+      <p:sp>
+        <p:nvSpPr>
+          <p:cNvPr id="6" name="Rectangle 5">
+            <a:extLst>
+              <a:ext uri="{FF2B5EF4-FFF2-40B4-BE49-F238E27FC236}">
+                <a16:creationId xmlns:a16="http://schemas.microsoft.com/office/drawing/2014/main" id="{F5EBDEB2-3317-43AA-9B44-7458578D6676}"/>
+              </a:ext>
+            </a:extLst>
+          </p:cNvPr>
+          <p:cNvSpPr/>
+          <p:nvPr/>
+        </p:nvSpPr>
+        <p:spPr>
+          <a:xfrm>
+            <a:off x="1483801" y="5772225"/>
+            <a:ext cx="10708199" cy="784830"/>
+          </a:xfrm>
+          <a:prstGeom prst="rect">
+            <a:avLst/>
+          </a:prstGeom>
+        </p:spPr>
+        <p:txBody>
+          <a:bodyPr wrap="square">
+            <a:spAutoFit/>
+          </a:bodyPr>
+          <a:lstStyle/>
+          <a:p>
+            <a:pPr>
+              <a:spcAft>
+                <a:spcPts val="0"/>
+              </a:spcAft>
+            </a:pPr>
+            <a:r>
+              <a:rPr lang="fr-FR" sz="1500" dirty="0">
+                <a:ea typeface="Malgun Gothic" panose="020B0503020000020004" pitchFamily="34" charset="-127"/>
+                <a:cs typeface="Times New Roman" panose="02020603050405020304" pitchFamily="18" charset="0"/>
+              </a:rPr>
+              <a:t>On voit que les 2 techniques on réussies à séparer les groupes de manière distincte mais la technique UMAP également réussi à capter la structure des globales des données en rapprochant dans l’espace les bottes et les baskets par exemple, en les éloignant les T-shirts. (Données : fashion MNIST, graphiques extraits de la vidéo)</a:t>
+            </a:r>
+          </a:p>
+        </p:txBody>
+      </p:sp>
+    </p:spTree>
+    <p:extLst>
+      <p:ext uri="{BB962C8B-B14F-4D97-AF65-F5344CB8AC3E}">
+        <p14:creationId xmlns:p14="http://schemas.microsoft.com/office/powerpoint/2010/main" val="1327421082"/>
+      </p:ext>
+    </p:extLst>
+  </p:cSld>
+  <p:clrMapOvr>
+    <a:masterClrMapping/>
+  </p:clrMapOvr>
+</p:sld>
+</file>
+
+<file path=ppt/slides/slide7.xml><?xml version="1.0" encoding="utf-8"?>
+<p:sld xmlns:a="http://schemas.openxmlformats.org/drawingml/2006/main" xmlns:r="http://schemas.openxmlformats.org/officeDocument/2006/relationships" xmlns:p="http://schemas.openxmlformats.org/presentationml/2006/main">
+  <p:cSld>
+    <p:spTree>
+      <p:nvGrpSpPr>
+        <p:cNvPr id="1" name=""/>
+        <p:cNvGrpSpPr/>
+        <p:nvPr/>
+      </p:nvGrpSpPr>
+      <p:grpSpPr>
+        <a:xfrm>
+          <a:off x="0" y="0"/>
+          <a:ext cx="0" cy="0"/>
+          <a:chOff x="0" y="0"/>
+          <a:chExt cx="0" cy="0"/>
+        </a:xfrm>
+      </p:grpSpPr>
+      <p:sp>
+        <p:nvSpPr>
+          <p:cNvPr id="2" name="Titre 1">
+            <a:extLst>
+              <a:ext uri="{FF2B5EF4-FFF2-40B4-BE49-F238E27FC236}">
+                <a16:creationId xmlns:a16="http://schemas.microsoft.com/office/drawing/2014/main" id="{6AB5713C-8E4D-44E0-8165-58B8B9EC4756}"/>
+              </a:ext>
+            </a:extLst>
+          </p:cNvPr>
+          <p:cNvSpPr>
+            <a:spLocks noGrp="1"/>
+          </p:cNvSpPr>
+          <p:nvPr>
+            <p:ph type="title"/>
+          </p:nvPr>
+        </p:nvSpPr>
+        <p:spPr>
+          <a:xfrm>
+            <a:off x="2005781" y="638894"/>
+            <a:ext cx="9174367" cy="1280890"/>
+          </a:xfrm>
+        </p:spPr>
+        <p:txBody>
+          <a:bodyPr/>
+          <a:lstStyle/>
+          <a:p>
+            <a:r>
+              <a:rPr lang="fr-FR" dirty="0"/>
+              <a:t>Comparaison des algorithmes en image</a:t>
+            </a:r>
+          </a:p>
+        </p:txBody>
+      </p:sp>
+      <p:pic>
+        <p:nvPicPr>
+          <p:cNvPr id="5" name="Espace réservé du contenu 4" descr="Une image contenant carte&#10;&#10;Description générée automatiquement">
+            <a:extLst>
+              <a:ext uri="{FF2B5EF4-FFF2-40B4-BE49-F238E27FC236}">
+                <a16:creationId xmlns:a16="http://schemas.microsoft.com/office/drawing/2014/main" id="{A3554D0F-5583-43AE-9650-771BE2BFF7A2}"/>
+              </a:ext>
+            </a:extLst>
+          </p:cNvPr>
+          <p:cNvPicPr>
+            <a:picLocks noGrp="1" noChangeAspect="1"/>
+          </p:cNvPicPr>
+          <p:nvPr>
+            <p:ph idx="1"/>
+          </p:nvPr>
+        </p:nvPicPr>
+        <p:blipFill>
+          <a:blip r:embed="rId2">
+            <a:extLst>
+              <a:ext uri="{28A0092B-C50C-407E-A947-70E740481C1C}">
+                <a14:useLocalDpi xmlns:a14="http://schemas.microsoft.com/office/drawing/2010/main" val="0"/>
+              </a:ext>
+            </a:extLst>
+          </a:blip>
+          <a:stretch>
+            <a:fillRect/>
+          </a:stretch>
+        </p:blipFill>
+        <p:spPr>
+          <a:xfrm>
+            <a:off x="794326" y="1572778"/>
+            <a:ext cx="7321409" cy="4823517"/>
+          </a:xfrm>
+        </p:spPr>
+      </p:pic>
+      <p:pic>
+        <p:nvPicPr>
+          <p:cNvPr id="7" name="Image 6" descr="Une image contenant carte&#10;&#10;Description générée automatiquement">
+            <a:extLst>
+              <a:ext uri="{FF2B5EF4-FFF2-40B4-BE49-F238E27FC236}">
+                <a16:creationId xmlns:a16="http://schemas.microsoft.com/office/drawing/2014/main" id="{775090F4-DF78-479A-AF3E-E79222178515}"/>
+              </a:ext>
+            </a:extLst>
+          </p:cNvPr>
+          <p:cNvPicPr>
+            <a:picLocks noChangeAspect="1"/>
+          </p:cNvPicPr>
+          <p:nvPr/>
+        </p:nvPicPr>
+        <p:blipFill>
+          <a:blip r:embed="rId3">
+            <a:extLst>
+              <a:ext uri="{28A0092B-C50C-407E-A947-70E740481C1C}">
+                <a14:useLocalDpi xmlns:a14="http://schemas.microsoft.com/office/drawing/2010/main" val="0"/>
+              </a:ext>
+            </a:extLst>
+          </a:blip>
+          <a:stretch>
+            <a:fillRect/>
+          </a:stretch>
+        </p:blipFill>
+        <p:spPr>
+          <a:xfrm>
+            <a:off x="8060113" y="1572777"/>
+            <a:ext cx="3833034" cy="4823517"/>
+          </a:xfrm>
+          <a:prstGeom prst="rect">
+            <a:avLst/>
+          </a:prstGeom>
+        </p:spPr>
+      </p:pic>
+      <p:sp>
+        <p:nvSpPr>
+          <p:cNvPr id="8" name="ZoneTexte 7">
+            <a:extLst>
+              <a:ext uri="{FF2B5EF4-FFF2-40B4-BE49-F238E27FC236}">
+                <a16:creationId xmlns:a16="http://schemas.microsoft.com/office/drawing/2014/main" id="{4D6F34EA-A453-4EA6-92C1-4D157377D8D2}"/>
+              </a:ext>
+            </a:extLst>
+          </p:cNvPr>
+          <p:cNvSpPr txBox="1"/>
+          <p:nvPr/>
+        </p:nvSpPr>
+        <p:spPr>
+          <a:xfrm>
+            <a:off x="4375355" y="6381956"/>
+            <a:ext cx="1946787" cy="307777"/>
+          </a:xfrm>
+          <a:prstGeom prst="rect">
+            <a:avLst/>
+          </a:prstGeom>
+          <a:noFill/>
+        </p:spPr>
+        <p:txBody>
+          <a:bodyPr wrap="square" rtlCol="0">
+            <a:spAutoFit/>
+          </a:bodyPr>
+          <a:lstStyle/>
+          <a:p>
+            <a:r>
+              <a:rPr lang="fr-FR" sz="1400" dirty="0"/>
+              <a:t>time : 3min 22s</a:t>
+            </a:r>
+          </a:p>
+        </p:txBody>
+      </p:sp>
+    </p:spTree>
+    <p:extLst>
+      <p:ext uri="{BB962C8B-B14F-4D97-AF65-F5344CB8AC3E}">
+        <p14:creationId xmlns:p14="http://schemas.microsoft.com/office/powerpoint/2010/main" val="2977651194"/>
+      </p:ext>
+    </p:extLst>
+  </p:cSld>
+  <p:clrMapOvr>
+    <a:masterClrMapping/>
+  </p:clrMapOvr>
+</p:sld>
+</file>
+
+<file path=ppt/slides/slide8.xml><?xml version="1.0" encoding="utf-8"?>
+<p:sld xmlns:a="http://schemas.openxmlformats.org/drawingml/2006/main" xmlns:r="http://schemas.openxmlformats.org/officeDocument/2006/relationships" xmlns:p="http://schemas.openxmlformats.org/presentationml/2006/main">
+  <p:cSld>
+    <p:spTree>
+      <p:nvGrpSpPr>
+        <p:cNvPr id="1" name=""/>
+        <p:cNvGrpSpPr/>
+        <p:nvPr/>
+      </p:nvGrpSpPr>
+      <p:grpSpPr>
+        <a:xfrm>
+          <a:off x="0" y="0"/>
+          <a:ext cx="0" cy="0"/>
+          <a:chOff x="0" y="0"/>
+          <a:chExt cx="0" cy="0"/>
+        </a:xfrm>
+      </p:grpSpPr>
+      <p:sp>
+        <p:nvSpPr>
+          <p:cNvPr id="2" name="Titre 1">
+            <a:extLst>
+              <a:ext uri="{FF2B5EF4-FFF2-40B4-BE49-F238E27FC236}">
+                <a16:creationId xmlns:a16="http://schemas.microsoft.com/office/drawing/2014/main" id="{1920715E-A89C-48DD-BD35-88014B8DA96D}"/>
+              </a:ext>
+            </a:extLst>
+          </p:cNvPr>
+          <p:cNvSpPr>
+            <a:spLocks noGrp="1"/>
+          </p:cNvSpPr>
+          <p:nvPr>
+            <p:ph type="title"/>
+          </p:nvPr>
+        </p:nvSpPr>
+        <p:spPr/>
+        <p:txBody>
+          <a:bodyPr/>
+          <a:lstStyle/>
+          <a:p>
+            <a:r>
+              <a:rPr lang="fr-FR" dirty="0"/>
+              <a:t>Explication des données</a:t>
+            </a:r>
+          </a:p>
+        </p:txBody>
+      </p:sp>
+      <p:sp>
+        <p:nvSpPr>
+          <p:cNvPr id="3" name="Espace réservé du contenu 2">
+            <a:extLst>
+              <a:ext uri="{FF2B5EF4-FFF2-40B4-BE49-F238E27FC236}">
+                <a16:creationId xmlns:a16="http://schemas.microsoft.com/office/drawing/2014/main" id="{EEEA9601-33D6-41C0-9137-A06F87107F71}"/>
+              </a:ext>
+            </a:extLst>
+          </p:cNvPr>
+          <p:cNvSpPr>
+            <a:spLocks noGrp="1"/>
+          </p:cNvSpPr>
+          <p:nvPr>
+            <p:ph idx="1"/>
+          </p:nvPr>
+        </p:nvSpPr>
+        <p:spPr>
+          <a:xfrm>
+            <a:off x="1969779" y="2507227"/>
+            <a:ext cx="8915400" cy="2819401"/>
+          </a:xfrm>
+        </p:spPr>
+        <p:txBody>
+          <a:bodyPr>
+            <a:normAutofit/>
+          </a:bodyPr>
+          <a:lstStyle/>
+          <a:p>
+            <a:r>
+              <a:rPr lang="fr-FR" dirty="0"/>
+              <a:t>Suppression de la dernière colonne (T90) car trop peu de données (~30% manquantes)</a:t>
+            </a:r>
+          </a:p>
+          <a:p>
+            <a:endParaRPr lang="fr-FR" dirty="0"/>
+          </a:p>
+          <a:p>
+            <a:r>
+              <a:rPr lang="fr-FR" dirty="0"/>
+              <a:t>Suppression des individus ne pouvant pas être modifiés grâce à leur répétition</a:t>
+            </a:r>
+          </a:p>
+          <a:p>
+            <a:endParaRPr lang="fr-FR" dirty="0"/>
+          </a:p>
+          <a:p>
+            <a:r>
+              <a:rPr lang="fr-FR" dirty="0"/>
+              <a:t>Moyennisation des répétitions</a:t>
+            </a:r>
+          </a:p>
+        </p:txBody>
+      </p:sp>
+    </p:spTree>
+    <p:extLst>
+      <p:ext uri="{BB962C8B-B14F-4D97-AF65-F5344CB8AC3E}">
+        <p14:creationId xmlns:p14="http://schemas.microsoft.com/office/powerpoint/2010/main" val="1846395910"/>
+      </p:ext>
+    </p:extLst>
+  </p:cSld>
+  <p:clrMapOvr>
+    <a:masterClrMapping/>
+  </p:clrMapOvr>
+</p:sld>
+</file>
+
+<file path=ppt/slides/slide9.xml><?xml version="1.0" encoding="utf-8"?>
+<p:sld xmlns:a="http://schemas.openxmlformats.org/drawingml/2006/main" xmlns:r="http://schemas.openxmlformats.org/officeDocument/2006/relationships" xmlns:p="http://schemas.openxmlformats.org/presentationml/2006/main">
+  <p:cSld>
+    <p:spTree>
+      <p:nvGrpSpPr>
+        <p:cNvPr id="1" name=""/>
+        <p:cNvGrpSpPr/>
+        <p:nvPr/>
+      </p:nvGrpSpPr>
+      <p:grpSpPr>
+        <a:xfrm>
+          <a:off x="0" y="0"/>
+          <a:ext cx="0" cy="0"/>
+          <a:chOff x="0" y="0"/>
+          <a:chExt cx="0" cy="0"/>
+        </a:xfrm>
+      </p:grpSpPr>
+      <p:sp>
+        <p:nvSpPr>
+          <p:cNvPr id="2" name="Titre 1">
+            <a:extLst>
+              <a:ext uri="{FF2B5EF4-FFF2-40B4-BE49-F238E27FC236}">
+                <a16:creationId xmlns:a16="http://schemas.microsoft.com/office/drawing/2014/main" id="{42A6191B-EDEF-4368-8024-C8516E0CA788}"/>
+              </a:ext>
+            </a:extLst>
+          </p:cNvPr>
+          <p:cNvSpPr>
+            <a:spLocks noGrp="1"/>
+          </p:cNvSpPr>
+          <p:nvPr>
+            <p:ph type="title"/>
+          </p:nvPr>
+        </p:nvSpPr>
+        <p:spPr>
+          <a:xfrm>
+            <a:off x="2061112" y="624110"/>
+            <a:ext cx="8911687" cy="1280890"/>
+          </a:xfrm>
+        </p:spPr>
+        <p:txBody>
+          <a:bodyPr/>
+          <a:lstStyle/>
+          <a:p>
+            <a:r>
+              <a:rPr lang="fr-FR" dirty="0"/>
+              <a:t>Représentation simple des données</a:t>
+            </a:r>
+          </a:p>
+        </p:txBody>
+      </p:sp>
+      <p:sp>
+        <p:nvSpPr>
+          <p:cNvPr id="5" name="ZoneTexte 4">
+            <a:extLst>
+              <a:ext uri="{FF2B5EF4-FFF2-40B4-BE49-F238E27FC236}">
+                <a16:creationId xmlns:a16="http://schemas.microsoft.com/office/drawing/2014/main" id="{E63D24D8-54A0-4AD2-A4F0-4F8A3F7136CA}"/>
+              </a:ext>
+            </a:extLst>
+          </p:cNvPr>
+          <p:cNvSpPr txBox="1"/>
+          <p:nvPr/>
+        </p:nvSpPr>
+        <p:spPr>
+          <a:xfrm>
+            <a:off x="2722137" y="1535668"/>
+            <a:ext cx="7376988" cy="369332"/>
+          </a:xfrm>
+          <a:prstGeom prst="rect">
+            <a:avLst/>
+          </a:prstGeom>
+          <a:noFill/>
+        </p:spPr>
+        <p:txBody>
+          <a:bodyPr wrap="square" rtlCol="0">
+            <a:spAutoFit/>
+          </a:bodyPr>
+          <a:lstStyle/>
+          <a:p>
+            <a:r>
+              <a:rPr lang="fr-FR" dirty="0" err="1"/>
+              <a:t>Boxplot</a:t>
+            </a:r>
+            <a:r>
+              <a:rPr lang="fr-FR" dirty="0"/>
+              <a:t> des vitesses de germination en fonction de la zone</a:t>
+            </a:r>
+          </a:p>
+        </p:txBody>
+      </p:sp>
+      <p:pic>
+        <p:nvPicPr>
+          <p:cNvPr id="1026" name="Picture 2">
+            <a:extLst>
+              <a:ext uri="{FF2B5EF4-FFF2-40B4-BE49-F238E27FC236}">
+                <a16:creationId xmlns:a16="http://schemas.microsoft.com/office/drawing/2014/main" id="{FA0DE3E3-BAF2-426B-881F-8D193E9B5797}"/>
+              </a:ext>
+            </a:extLst>
+          </p:cNvPr>
+          <p:cNvPicPr>
+            <a:picLocks noChangeAspect="1" noChangeArrowheads="1"/>
+          </p:cNvPicPr>
+          <p:nvPr/>
+        </p:nvPicPr>
+        <p:blipFill>
+          <a:blip r:embed="rId2">
+            <a:extLst>
+              <a:ext uri="{28A0092B-C50C-407E-A947-70E740481C1C}">
+                <a14:useLocalDpi xmlns:a14="http://schemas.microsoft.com/office/drawing/2010/main" val="0"/>
+              </a:ext>
+            </a:extLst>
+          </a:blip>
+          <a:srcRect/>
+          <a:stretch>
+            <a:fillRect/>
+          </a:stretch>
+        </p:blipFill>
+        <p:spPr bwMode="auto">
+          <a:xfrm>
+            <a:off x="1828799" y="2000250"/>
+            <a:ext cx="9144000" cy="4857750"/>
+          </a:xfrm>
+          <a:prstGeom prst="rect">
+            <a:avLst/>
+          </a:prstGeom>
+          <a:noFill/>
+          <a:extLst>
+            <a:ext uri="{909E8E84-426E-40DD-AFC4-6F175D3DCCD1}">
+              <a14:hiddenFill xmlns:a14="http://schemas.microsoft.com/office/drawing/2010/main">
+                <a:solidFill>
+                  <a:srgbClr val="FFFFFF"/>
+                </a:solidFill>
+              </a14:hiddenFill>
+            </a:ext>
+          </a:extLst>
+        </p:spPr>
+      </p:pic>
+    </p:spTree>
+    <p:extLst>
+      <p:ext uri="{BB962C8B-B14F-4D97-AF65-F5344CB8AC3E}">
+        <p14:creationId xmlns:p14="http://schemas.microsoft.com/office/powerpoint/2010/main" val="2123986381"/>
       </p:ext>
     </p:extLst>
   </p:cSld>

--- a/diapo.pptx
+++ b/diapo.pptx
@@ -11292,12 +11292,12 @@
         <p:spPr>
           <a:xfrm>
             <a:off x="957057" y="1759973"/>
-            <a:ext cx="8915400" cy="3557837"/>
+            <a:ext cx="8915400" cy="4975124"/>
           </a:xfrm>
         </p:spPr>
         <p:txBody>
           <a:bodyPr>
-            <a:normAutofit fontScale="85000" lnSpcReduction="20000"/>
+            <a:normAutofit fontScale="85000" lnSpcReduction="10000"/>
           </a:bodyPr>
           <a:lstStyle/>
           <a:p>
@@ -11356,6 +11356,20 @@
             </a:r>
           </a:p>
           <a:p>
+            <a:endParaRPr lang="fr-FR" dirty="0"/>
+          </a:p>
+          <a:p>
+            <a:endParaRPr lang="fr-FR" dirty="0"/>
+          </a:p>
+          <a:p>
+            <a:r>
+              <a:rPr lang="fr-FR" dirty="0"/>
+              <a:t>Créateurs : Leland McInnes, John Healy, James </a:t>
+            </a:r>
+            <a:r>
+              <a:rPr lang="fr-FR" dirty="0" err="1"/>
+              <a:t>Meville</a:t>
+            </a:r>
             <a:endParaRPr lang="fr-FR" dirty="0"/>
           </a:p>
         </p:txBody>

--- a/diapo.pptx
+++ b/diapo.pptx
@@ -9204,12 +9204,85 @@
           </a:p>
         </p:txBody>
       </p:sp>
+      <p:sp>
+        <p:nvSpPr>
+          <p:cNvPr id="6" name="ZoneTexte 5">
+            <a:extLst>
+              <a:ext uri="{FF2B5EF4-FFF2-40B4-BE49-F238E27FC236}">
+                <a16:creationId xmlns:a16="http://schemas.microsoft.com/office/drawing/2014/main" id="{5D0D859E-A07F-4FE9-8658-673D21906FDE}"/>
+              </a:ext>
+            </a:extLst>
+          </p:cNvPr>
+          <p:cNvSpPr txBox="1"/>
+          <p:nvPr/>
+        </p:nvSpPr>
+        <p:spPr>
+          <a:xfrm>
+            <a:off x="9104674" y="3429001"/>
+            <a:ext cx="3087325" cy="1477328"/>
+          </a:xfrm>
+          <a:prstGeom prst="rect">
+            <a:avLst/>
+          </a:prstGeom>
+          <a:noFill/>
+        </p:spPr>
+        <p:txBody>
+          <a:bodyPr wrap="square" rtlCol="0">
+            <a:spAutoFit/>
+          </a:bodyPr>
+          <a:lstStyle/>
+          <a:p>
+            <a:r>
+              <a:rPr lang="fr-FR" u="sng" dirty="0"/>
+              <a:t>Paramètres par défaut :</a:t>
+            </a:r>
+          </a:p>
+          <a:p>
+            <a:endParaRPr lang="fr-FR" u="sng" dirty="0"/>
+          </a:p>
+          <a:p>
+            <a:pPr marL="285750" indent="-285750">
+              <a:buFont typeface="Arial" panose="020B0604020202020204" pitchFamily="34" charset="0"/>
+              <a:buChar char="•"/>
+            </a:pPr>
+            <a:r>
+              <a:rPr lang="fr-FR" dirty="0"/>
+              <a:t>15 </a:t>
+            </a:r>
+            <a:r>
+              <a:rPr lang="fr-FR" dirty="0" err="1"/>
+              <a:t>ppv</a:t>
+            </a:r>
+            <a:endParaRPr lang="fr-FR" dirty="0"/>
+          </a:p>
+          <a:p>
+            <a:pPr marL="285750" indent="-285750">
+              <a:buFont typeface="Arial" panose="020B0604020202020204" pitchFamily="34" charset="0"/>
+              <a:buChar char="•"/>
+            </a:pPr>
+            <a:r>
+              <a:rPr lang="fr-FR" dirty="0"/>
+              <a:t>Métrique euclidienne</a:t>
+            </a:r>
+          </a:p>
+          <a:p>
+            <a:pPr marL="285750" indent="-285750">
+              <a:buFont typeface="Arial" panose="020B0604020202020204" pitchFamily="34" charset="0"/>
+              <a:buChar char="•"/>
+            </a:pPr>
+            <a:r>
+              <a:rPr lang="fr-FR" dirty="0"/>
+              <a:t>Distance minimum 0,1</a:t>
+            </a:r>
+          </a:p>
+        </p:txBody>
+      </p:sp>
       <p:pic>
         <p:nvPicPr>
-          <p:cNvPr id="3074" name="Picture 2">
+          <p:cNvPr id="1026" name="Picture 2">
             <a:extLst>
               <a:ext uri="{FF2B5EF4-FFF2-40B4-BE49-F238E27FC236}">
-                <a16:creationId xmlns:a16="http://schemas.microsoft.com/office/drawing/2014/main" id="{5C4BAA89-605F-42D7-93C1-4F9F0753AB9B}"/>
+                <a16:creationId xmlns:a16="http://schemas.microsoft.com/office/drawing/2014/main" id="{284DF08C-6467-46B9-9864-D9545F4EC672}"/>
               </a:ext>
             </a:extLst>
           </p:cNvPr>
@@ -9233,8 +9306,8 @@
         </p:blipFill>
         <p:spPr bwMode="auto">
           <a:xfrm>
-            <a:off x="192986" y="1979900"/>
-            <a:ext cx="8911688" cy="4599731"/>
+            <a:off x="9821" y="1899230"/>
+            <a:ext cx="9193174" cy="4745019"/>
           </a:xfrm>
           <a:prstGeom prst="rect">
             <a:avLst/>
@@ -9251,79 +9324,6 @@
           </a:extLst>
         </p:spPr>
       </p:pic>
-      <p:sp>
-        <p:nvSpPr>
-          <p:cNvPr id="6" name="ZoneTexte 5">
-            <a:extLst>
-              <a:ext uri="{FF2B5EF4-FFF2-40B4-BE49-F238E27FC236}">
-                <a16:creationId xmlns:a16="http://schemas.microsoft.com/office/drawing/2014/main" id="{5D0D859E-A07F-4FE9-8658-673D21906FDE}"/>
-              </a:ext>
-            </a:extLst>
-          </p:cNvPr>
-          <p:cNvSpPr txBox="1"/>
-          <p:nvPr/>
-        </p:nvSpPr>
-        <p:spPr>
-          <a:xfrm>
-            <a:off x="9104674" y="3429001"/>
-            <a:ext cx="3087325" cy="1477328"/>
-          </a:xfrm>
-          <a:prstGeom prst="rect">
-            <a:avLst/>
-          </a:prstGeom>
-          <a:noFill/>
-        </p:spPr>
-        <p:txBody>
-          <a:bodyPr wrap="square" rtlCol="0">
-            <a:spAutoFit/>
-          </a:bodyPr>
-          <a:lstStyle/>
-          <a:p>
-            <a:r>
-              <a:rPr lang="fr-FR" u="sng" dirty="0"/>
-              <a:t>Paramètres par défaut :</a:t>
-            </a:r>
-          </a:p>
-          <a:p>
-            <a:endParaRPr lang="fr-FR" u="sng" dirty="0"/>
-          </a:p>
-          <a:p>
-            <a:pPr marL="285750" indent="-285750">
-              <a:buFont typeface="Arial" panose="020B0604020202020204" pitchFamily="34" charset="0"/>
-              <a:buChar char="•"/>
-            </a:pPr>
-            <a:r>
-              <a:rPr lang="fr-FR" dirty="0"/>
-              <a:t>15 </a:t>
-            </a:r>
-            <a:r>
-              <a:rPr lang="fr-FR" dirty="0" err="1"/>
-              <a:t>ppv</a:t>
-            </a:r>
-            <a:endParaRPr lang="fr-FR" dirty="0"/>
-          </a:p>
-          <a:p>
-            <a:pPr marL="285750" indent="-285750">
-              <a:buFont typeface="Arial" panose="020B0604020202020204" pitchFamily="34" charset="0"/>
-              <a:buChar char="•"/>
-            </a:pPr>
-            <a:r>
-              <a:rPr lang="fr-FR" dirty="0"/>
-              <a:t>Métrique euclidienne</a:t>
-            </a:r>
-          </a:p>
-          <a:p>
-            <a:pPr marL="285750" indent="-285750">
-              <a:buFont typeface="Arial" panose="020B0604020202020204" pitchFamily="34" charset="0"/>
-              <a:buChar char="•"/>
-            </a:pPr>
-            <a:r>
-              <a:rPr lang="fr-FR" dirty="0"/>
-              <a:t>Distance minimum 0,1</a:t>
-            </a:r>
-          </a:p>
-        </p:txBody>
-      </p:sp>
     </p:spTree>
     <p:extLst>
       <p:ext uri="{BB962C8B-B14F-4D97-AF65-F5344CB8AC3E}">
@@ -9372,7 +9372,7 @@
         </p:nvSpPr>
         <p:spPr>
           <a:xfrm>
-            <a:off x="2654710" y="624110"/>
+            <a:off x="2654710" y="309478"/>
             <a:ext cx="7659330" cy="1280890"/>
           </a:xfrm>
         </p:spPr>
@@ -9383,17 +9383,17 @@
             <a:pPr algn="ctr"/>
             <a:r>
               <a:rPr lang="fr-FR" dirty="0"/>
-              <a:t>Variation du paramètre des plus proches voisins</a:t>
+              <a:t>Variation du paramètre du nombre de plus proches voisins</a:t>
             </a:r>
           </a:p>
         </p:txBody>
       </p:sp>
       <p:pic>
         <p:nvPicPr>
-          <p:cNvPr id="4098" name="Picture 2">
+          <p:cNvPr id="2050" name="Picture 2">
             <a:extLst>
               <a:ext uri="{FF2B5EF4-FFF2-40B4-BE49-F238E27FC236}">
-                <a16:creationId xmlns:a16="http://schemas.microsoft.com/office/drawing/2014/main" id="{6A79BBBA-9026-4203-ADBE-7AC95E95CF32}"/>
+                <a16:creationId xmlns:a16="http://schemas.microsoft.com/office/drawing/2014/main" id="{41F6E9F5-4D18-4ED9-98BC-139EF38BFCFF}"/>
               </a:ext>
             </a:extLst>
           </p:cNvPr>
@@ -9417,8 +9417,8 @@
         </p:blipFill>
         <p:spPr bwMode="auto">
           <a:xfrm>
-            <a:off x="1448430" y="1779639"/>
-            <a:ext cx="9839003" cy="5078361"/>
+            <a:off x="1125353" y="1474839"/>
+            <a:ext cx="10429536" cy="5383161"/>
           </a:xfrm>
           <a:prstGeom prst="rect">
             <a:avLst/>
@@ -9465,53 +9465,6 @@
           <a:chExt cx="0" cy="0"/>
         </a:xfrm>
       </p:grpSpPr>
-      <p:pic>
-        <p:nvPicPr>
-          <p:cNvPr id="5122" name="Picture 2">
-            <a:extLst>
-              <a:ext uri="{FF2B5EF4-FFF2-40B4-BE49-F238E27FC236}">
-                <a16:creationId xmlns:a16="http://schemas.microsoft.com/office/drawing/2014/main" id="{CC9BD67F-FF30-4285-B543-4624531917FA}"/>
-              </a:ext>
-            </a:extLst>
-          </p:cNvPr>
-          <p:cNvPicPr>
-            <a:picLocks noChangeAspect="1" noChangeArrowheads="1"/>
-          </p:cNvPicPr>
-          <p:nvPr/>
-        </p:nvPicPr>
-        <p:blipFill>
-          <a:blip r:embed="rId2">
-            <a:extLst>
-              <a:ext uri="{28A0092B-C50C-407E-A947-70E740481C1C}">
-                <a14:useLocalDpi xmlns:a14="http://schemas.microsoft.com/office/drawing/2010/main" val="0"/>
-              </a:ext>
-            </a:extLst>
-          </a:blip>
-          <a:srcRect/>
-          <a:stretch>
-            <a:fillRect/>
-          </a:stretch>
-        </p:blipFill>
-        <p:spPr bwMode="auto">
-          <a:xfrm>
-            <a:off x="1355642" y="1691148"/>
-            <a:ext cx="10010449" cy="5166852"/>
-          </a:xfrm>
-          <a:prstGeom prst="rect">
-            <a:avLst/>
-          </a:prstGeom>
-          <a:noFill/>
-          <a:extLst>
-            <a:ext uri="{909E8E84-426E-40DD-AFC4-6F175D3DCCD1}">
-              <a14:hiddenFill xmlns:a14="http://schemas.microsoft.com/office/drawing/2010/main">
-                <a:solidFill>
-                  <a:srgbClr val="FFFFFF"/>
-                </a:solidFill>
-              </a14:hiddenFill>
-            </a:ext>
-          </a:extLst>
-        </p:spPr>
-      </p:pic>
       <p:sp>
         <p:nvSpPr>
           <p:cNvPr id="5" name="Titre 1">
@@ -9528,7 +9481,7 @@
         </p:nvSpPr>
         <p:spPr>
           <a:xfrm>
-            <a:off x="2654710" y="624110"/>
+            <a:off x="2654710" y="260317"/>
             <a:ext cx="7659330" cy="1280890"/>
           </a:xfrm>
           <a:prstGeom prst="rect">
@@ -9623,6 +9576,53 @@
           </a:p>
         </p:txBody>
       </p:sp>
+      <p:pic>
+        <p:nvPicPr>
+          <p:cNvPr id="3074" name="Picture 2">
+            <a:extLst>
+              <a:ext uri="{FF2B5EF4-FFF2-40B4-BE49-F238E27FC236}">
+                <a16:creationId xmlns:a16="http://schemas.microsoft.com/office/drawing/2014/main" id="{BA041325-B2D4-4C63-83A7-DCDF38C91B62}"/>
+              </a:ext>
+            </a:extLst>
+          </p:cNvPr>
+          <p:cNvPicPr>
+            <a:picLocks noChangeAspect="1" noChangeArrowheads="1"/>
+          </p:cNvPicPr>
+          <p:nvPr/>
+        </p:nvPicPr>
+        <p:blipFill>
+          <a:blip r:embed="rId2">
+            <a:extLst>
+              <a:ext uri="{28A0092B-C50C-407E-A947-70E740481C1C}">
+                <a14:useLocalDpi xmlns:a14="http://schemas.microsoft.com/office/drawing/2010/main" val="0"/>
+              </a:ext>
+            </a:extLst>
+          </a:blip>
+          <a:srcRect/>
+          <a:stretch>
+            <a:fillRect/>
+          </a:stretch>
+        </p:blipFill>
+        <p:spPr bwMode="auto">
+          <a:xfrm>
+            <a:off x="1219199" y="1465006"/>
+            <a:ext cx="10448586" cy="5392994"/>
+          </a:xfrm>
+          <a:prstGeom prst="rect">
+            <a:avLst/>
+          </a:prstGeom>
+          <a:noFill/>
+          <a:extLst>
+            <a:ext uri="{909E8E84-426E-40DD-AFC4-6F175D3DCCD1}">
+              <a14:hiddenFill xmlns:a14="http://schemas.microsoft.com/office/drawing/2010/main">
+                <a:solidFill>
+                  <a:srgbClr val="FFFFFF"/>
+                </a:solidFill>
+              </a14:hiddenFill>
+            </a:ext>
+          </a:extLst>
+        </p:spPr>
+      </p:pic>
     </p:spTree>
     <p:extLst>
       <p:ext uri="{BB962C8B-B14F-4D97-AF65-F5344CB8AC3E}">

--- a/diapo.pptx
+++ b/diapo.pptx
@@ -314,7 +314,7 @@
           <a:p>
             <a:fld id="{3889262F-6D4F-4DC7-8418-D7BA862DDA13}" type="datetimeFigureOut">
               <a:rPr lang="fr-FR" smtClean="0"/>
-              <a:t>21/10/2020</a:t>
+              <a:t>22/10/2020</a:t>
             </a:fld>
             <a:endParaRPr lang="fr-FR"/>
           </a:p>
@@ -652,7 +652,7 @@
           <a:p>
             <a:fld id="{3889262F-6D4F-4DC7-8418-D7BA862DDA13}" type="datetimeFigureOut">
               <a:rPr lang="fr-FR" smtClean="0"/>
-              <a:t>21/10/2020</a:t>
+              <a:t>22/10/2020</a:t>
             </a:fld>
             <a:endParaRPr lang="fr-FR"/>
           </a:p>
@@ -1053,7 +1053,7 @@
           <a:p>
             <a:fld id="{3889262F-6D4F-4DC7-8418-D7BA862DDA13}" type="datetimeFigureOut">
               <a:rPr lang="fr-FR" smtClean="0"/>
-              <a:t>21/10/2020</a:t>
+              <a:t>22/10/2020</a:t>
             </a:fld>
             <a:endParaRPr lang="fr-FR"/>
           </a:p>
@@ -1389,7 +1389,7 @@
           <a:p>
             <a:fld id="{3889262F-6D4F-4DC7-8418-D7BA862DDA13}" type="datetimeFigureOut">
               <a:rPr lang="fr-FR" smtClean="0"/>
-              <a:t>21/10/2020</a:t>
+              <a:t>22/10/2020</a:t>
             </a:fld>
             <a:endParaRPr lang="fr-FR"/>
           </a:p>
@@ -1709,7 +1709,7 @@
           <a:p>
             <a:fld id="{3889262F-6D4F-4DC7-8418-D7BA862DDA13}" type="datetimeFigureOut">
               <a:rPr lang="fr-FR" smtClean="0"/>
-              <a:t>21/10/2020</a:t>
+              <a:t>22/10/2020</a:t>
             </a:fld>
             <a:endParaRPr lang="fr-FR"/>
           </a:p>
@@ -2105,7 +2105,7 @@
           <a:p>
             <a:fld id="{3889262F-6D4F-4DC7-8418-D7BA862DDA13}" type="datetimeFigureOut">
               <a:rPr lang="fr-FR" smtClean="0"/>
-              <a:t>21/10/2020</a:t>
+              <a:t>22/10/2020</a:t>
             </a:fld>
             <a:endParaRPr lang="fr-FR"/>
           </a:p>
@@ -2362,7 +2362,7 @@
           <a:p>
             <a:fld id="{3889262F-6D4F-4DC7-8418-D7BA862DDA13}" type="datetimeFigureOut">
               <a:rPr lang="fr-FR" smtClean="0"/>
-              <a:t>21/10/2020</a:t>
+              <a:t>22/10/2020</a:t>
             </a:fld>
             <a:endParaRPr lang="fr-FR"/>
           </a:p>
@@ -2624,7 +2624,7 @@
           <a:p>
             <a:fld id="{3889262F-6D4F-4DC7-8418-D7BA862DDA13}" type="datetimeFigureOut">
               <a:rPr lang="fr-FR" smtClean="0"/>
-              <a:t>21/10/2020</a:t>
+              <a:t>22/10/2020</a:t>
             </a:fld>
             <a:endParaRPr lang="fr-FR"/>
           </a:p>
@@ -2886,7 +2886,7 @@
           <a:p>
             <a:fld id="{3889262F-6D4F-4DC7-8418-D7BA862DDA13}" type="datetimeFigureOut">
               <a:rPr lang="fr-FR" smtClean="0"/>
-              <a:t>21/10/2020</a:t>
+              <a:t>22/10/2020</a:t>
             </a:fld>
             <a:endParaRPr lang="fr-FR"/>
           </a:p>
@@ -3215,7 +3215,7 @@
           <a:p>
             <a:fld id="{3889262F-6D4F-4DC7-8418-D7BA862DDA13}" type="datetimeFigureOut">
               <a:rPr lang="fr-FR" smtClean="0"/>
-              <a:t>21/10/2020</a:t>
+              <a:t>22/10/2020</a:t>
             </a:fld>
             <a:endParaRPr lang="fr-FR"/>
           </a:p>
@@ -3538,7 +3538,7 @@
           <a:p>
             <a:fld id="{3889262F-6D4F-4DC7-8418-D7BA862DDA13}" type="datetimeFigureOut">
               <a:rPr lang="fr-FR" smtClean="0"/>
-              <a:t>21/10/2020</a:t>
+              <a:t>22/10/2020</a:t>
             </a:fld>
             <a:endParaRPr lang="fr-FR"/>
           </a:p>
@@ -3995,7 +3995,7 @@
           <a:p>
             <a:fld id="{3889262F-6D4F-4DC7-8418-D7BA862DDA13}" type="datetimeFigureOut">
               <a:rPr lang="fr-FR" smtClean="0"/>
-              <a:t>21/10/2020</a:t>
+              <a:t>22/10/2020</a:t>
             </a:fld>
             <a:endParaRPr lang="fr-FR"/>
           </a:p>
@@ -4200,7 +4200,7 @@
           <a:p>
             <a:fld id="{3889262F-6D4F-4DC7-8418-D7BA862DDA13}" type="datetimeFigureOut">
               <a:rPr lang="fr-FR" smtClean="0"/>
-              <a:t>21/10/2020</a:t>
+              <a:t>22/10/2020</a:t>
             </a:fld>
             <a:endParaRPr lang="fr-FR"/>
           </a:p>
@@ -4377,7 +4377,7 @@
           <a:p>
             <a:fld id="{3889262F-6D4F-4DC7-8418-D7BA862DDA13}" type="datetimeFigureOut">
               <a:rPr lang="fr-FR" smtClean="0"/>
-              <a:t>21/10/2020</a:t>
+              <a:t>22/10/2020</a:t>
             </a:fld>
             <a:endParaRPr lang="fr-FR"/>
           </a:p>
@@ -4710,7 +4710,7 @@
           <a:p>
             <a:fld id="{3889262F-6D4F-4DC7-8418-D7BA862DDA13}" type="datetimeFigureOut">
               <a:rPr lang="fr-FR" smtClean="0"/>
-              <a:t>21/10/2020</a:t>
+              <a:t>22/10/2020</a:t>
             </a:fld>
             <a:endParaRPr lang="fr-FR"/>
           </a:p>
@@ -5055,7 +5055,7 @@
           <a:p>
             <a:fld id="{3889262F-6D4F-4DC7-8418-D7BA862DDA13}" type="datetimeFigureOut">
               <a:rPr lang="fr-FR" smtClean="0"/>
-              <a:t>21/10/2020</a:t>
+              <a:t>22/10/2020</a:t>
             </a:fld>
             <a:endParaRPr lang="fr-FR"/>
           </a:p>
@@ -7172,7 +7172,7 @@
           <a:p>
             <a:fld id="{3889262F-6D4F-4DC7-8418-D7BA862DDA13}" type="datetimeFigureOut">
               <a:rPr lang="fr-FR" smtClean="0"/>
-              <a:t>21/10/2020</a:t>
+              <a:t>22/10/2020</a:t>
             </a:fld>
             <a:endParaRPr lang="fr-FR"/>
           </a:p>
@@ -7721,10 +7721,10 @@
           <p:cNvPr id="26" name="Rectangle 6">
             <a:extLst>
               <a:ext uri="{FF2B5EF4-FFF2-40B4-BE49-F238E27FC236}">
-                <a16:creationId xmlns:a16="http://schemas.microsoft.com/office/drawing/2014/main" xmlns="" id="{57ABABA7-0420-4200-9B65-1C1967CE9373}"/>
+                <a16:creationId xmlns:a16="http://schemas.microsoft.com/office/drawing/2014/main" id="{57ABABA7-0420-4200-9B65-1C1967CE9373}"/>
               </a:ext>
               <a:ext uri="{C183D7F6-B498-43B3-948B-1728B52AA6E4}">
-                <adec:decorative xmlns:adec="http://schemas.microsoft.com/office/drawing/2017/decorative" xmlns="" val="1"/>
+                <adec:decorative xmlns:adec="http://schemas.microsoft.com/office/drawing/2017/decorative" val="1"/>
               </a:ext>
             </a:extLst>
           </p:cNvPr>
@@ -7734,7 +7734,7 @@
           <p:nvPr>
             <p:extLst>
               <p:ext uri="{386F3935-93C4-4BCD-93E2-E3B085C9AB24}">
-                <p16:designElem xmlns:p16="http://schemas.microsoft.com/office/powerpoint/2015/main" xmlns="" val="1"/>
+                <p16:designElem xmlns:p16="http://schemas.microsoft.com/office/powerpoint/2015/main" val="1"/>
               </p:ext>
             </p:extLst>
           </p:nvPr>
@@ -7781,10 +7781,10 @@
           <p:cNvPr id="27" name="Rectangle 8">
             <a:extLst>
               <a:ext uri="{FF2B5EF4-FFF2-40B4-BE49-F238E27FC236}">
-                <a16:creationId xmlns:a16="http://schemas.microsoft.com/office/drawing/2014/main" xmlns="" id="{A317EBE3-FF86-4DA1-BC9A-331F7F2144E9}"/>
+                <a16:creationId xmlns:a16="http://schemas.microsoft.com/office/drawing/2014/main" id="{A317EBE3-FF86-4DA1-BC9A-331F7F2144E9}"/>
               </a:ext>
               <a:ext uri="{C183D7F6-B498-43B3-948B-1728B52AA6E4}">
-                <adec:decorative xmlns:adec="http://schemas.microsoft.com/office/drawing/2017/decorative" xmlns="" val="1"/>
+                <adec:decorative xmlns:adec="http://schemas.microsoft.com/office/drawing/2017/decorative" val="1"/>
               </a:ext>
             </a:extLst>
           </p:cNvPr>
@@ -7794,7 +7794,7 @@
           <p:nvPr>
             <p:extLst>
               <p:ext uri="{386F3935-93C4-4BCD-93E2-E3B085C9AB24}">
-                <p16:designElem xmlns:p16="http://schemas.microsoft.com/office/powerpoint/2015/main" xmlns="" val="1"/>
+                <p16:designElem xmlns:p16="http://schemas.microsoft.com/office/powerpoint/2015/main" val="1"/>
               </p:ext>
             </p:extLst>
           </p:nvPr>
@@ -7835,10 +7835,10 @@
           <p:cNvPr id="11" name="Group 10">
             <a:extLst>
               <a:ext uri="{FF2B5EF4-FFF2-40B4-BE49-F238E27FC236}">
-                <a16:creationId xmlns:a16="http://schemas.microsoft.com/office/drawing/2014/main" xmlns="" id="{7A03E380-9CD1-4ABA-A763-9F9D252B8908}"/>
+                <a16:creationId xmlns:a16="http://schemas.microsoft.com/office/drawing/2014/main" id="{7A03E380-9CD1-4ABA-A763-9F9D252B8908}"/>
               </a:ext>
               <a:ext uri="{C183D7F6-B498-43B3-948B-1728B52AA6E4}">
-                <adec:decorative xmlns:adec="http://schemas.microsoft.com/office/drawing/2017/decorative" xmlns="" val="1"/>
+                <adec:decorative xmlns:adec="http://schemas.microsoft.com/office/drawing/2017/decorative" val="1"/>
               </a:ext>
             </a:extLst>
           </p:cNvPr>
@@ -7848,7 +7848,7 @@
           <p:nvPr>
             <p:extLst>
               <p:ext uri="{386F3935-93C4-4BCD-93E2-E3B085C9AB24}">
-                <p16:designElem xmlns:p16="http://schemas.microsoft.com/office/powerpoint/2015/main" xmlns="" val="1"/>
+                <p16:designElem xmlns:p16="http://schemas.microsoft.com/office/powerpoint/2015/main" val="1"/>
               </p:ext>
             </p:extLst>
           </p:nvPr>
@@ -7871,10 +7871,10 @@
             <p:cNvPr id="12" name="Freeform 11">
               <a:extLst>
                 <a:ext uri="{FF2B5EF4-FFF2-40B4-BE49-F238E27FC236}">
-                  <a16:creationId xmlns:a16="http://schemas.microsoft.com/office/drawing/2014/main" xmlns="" id="{66E01B84-4C2B-4DE5-90C8-9C4001A75B11}"/>
+                  <a16:creationId xmlns:a16="http://schemas.microsoft.com/office/drawing/2014/main" id="{66E01B84-4C2B-4DE5-90C8-9C4001A75B11}"/>
                 </a:ext>
                 <a:ext uri="{C183D7F6-B498-43B3-948B-1728B52AA6E4}">
-                  <adec:decorative xmlns:adec="http://schemas.microsoft.com/office/drawing/2017/decorative" xmlns="" val="1"/>
+                  <adec:decorative xmlns:adec="http://schemas.microsoft.com/office/drawing/2017/decorative" val="1"/>
                 </a:ext>
               </a:extLst>
             </p:cNvPr>
@@ -7882,7 +7882,7 @@
             <p:nvPr>
               <p:extLst>
                 <p:ext uri="{386F3935-93C4-4BCD-93E2-E3B085C9AB24}">
-                  <p16:designElem xmlns:p16="http://schemas.microsoft.com/office/powerpoint/2015/main" xmlns="" val="1"/>
+                  <p16:designElem xmlns:p16="http://schemas.microsoft.com/office/powerpoint/2015/main" val="1"/>
                 </p:ext>
               </p:extLst>
             </p:nvPr>
@@ -7943,10 +7943,10 @@
             <p:cNvPr id="13" name="Freeform 12">
               <a:extLst>
                 <a:ext uri="{FF2B5EF4-FFF2-40B4-BE49-F238E27FC236}">
-                  <a16:creationId xmlns:a16="http://schemas.microsoft.com/office/drawing/2014/main" xmlns="" id="{64CE5A7A-D5C5-4FE5-860C-0B5748FDEEDC}"/>
+                  <a16:creationId xmlns:a16="http://schemas.microsoft.com/office/drawing/2014/main" id="{64CE5A7A-D5C5-4FE5-860C-0B5748FDEEDC}"/>
                 </a:ext>
                 <a:ext uri="{C183D7F6-B498-43B3-948B-1728B52AA6E4}">
-                  <adec:decorative xmlns:adec="http://schemas.microsoft.com/office/drawing/2017/decorative" xmlns="" val="1"/>
+                  <adec:decorative xmlns:adec="http://schemas.microsoft.com/office/drawing/2017/decorative" val="1"/>
                 </a:ext>
               </a:extLst>
             </p:cNvPr>
@@ -7954,7 +7954,7 @@
             <p:nvPr>
               <p:extLst>
                 <p:ext uri="{386F3935-93C4-4BCD-93E2-E3B085C9AB24}">
-                  <p16:designElem xmlns:p16="http://schemas.microsoft.com/office/powerpoint/2015/main" xmlns="" val="1"/>
+                  <p16:designElem xmlns:p16="http://schemas.microsoft.com/office/powerpoint/2015/main" val="1"/>
                 </p:ext>
               </p:extLst>
             </p:nvPr>
@@ -8020,10 +8020,10 @@
             <p:cNvPr id="14" name="Freeform 13">
               <a:extLst>
                 <a:ext uri="{FF2B5EF4-FFF2-40B4-BE49-F238E27FC236}">
-                  <a16:creationId xmlns:a16="http://schemas.microsoft.com/office/drawing/2014/main" xmlns="" id="{016A7D2A-6EEA-47B8-A763-7D82E41B3CED}"/>
+                  <a16:creationId xmlns:a16="http://schemas.microsoft.com/office/drawing/2014/main" id="{016A7D2A-6EEA-47B8-A763-7D82E41B3CED}"/>
                 </a:ext>
                 <a:ext uri="{C183D7F6-B498-43B3-948B-1728B52AA6E4}">
-                  <adec:decorative xmlns:adec="http://schemas.microsoft.com/office/drawing/2017/decorative" xmlns="" val="1"/>
+                  <adec:decorative xmlns:adec="http://schemas.microsoft.com/office/drawing/2017/decorative" val="1"/>
                 </a:ext>
               </a:extLst>
             </p:cNvPr>
@@ -8031,7 +8031,7 @@
             <p:nvPr>
               <p:extLst>
                 <p:ext uri="{386F3935-93C4-4BCD-93E2-E3B085C9AB24}">
-                  <p16:designElem xmlns:p16="http://schemas.microsoft.com/office/powerpoint/2015/main" xmlns="" val="1"/>
+                  <p16:designElem xmlns:p16="http://schemas.microsoft.com/office/powerpoint/2015/main" val="1"/>
                 </p:ext>
               </p:extLst>
             </p:nvPr>
@@ -8102,10 +8102,10 @@
             <p:cNvPr id="15" name="Freeform 14">
               <a:extLst>
                 <a:ext uri="{FF2B5EF4-FFF2-40B4-BE49-F238E27FC236}">
-                  <a16:creationId xmlns:a16="http://schemas.microsoft.com/office/drawing/2014/main" xmlns="" id="{E758F6E7-6DEC-48D0-ACB1-E5E26B13E6C3}"/>
+                  <a16:creationId xmlns:a16="http://schemas.microsoft.com/office/drawing/2014/main" id="{E758F6E7-6DEC-48D0-ACB1-E5E26B13E6C3}"/>
                 </a:ext>
                 <a:ext uri="{C183D7F6-B498-43B3-948B-1728B52AA6E4}">
-                  <adec:decorative xmlns:adec="http://schemas.microsoft.com/office/drawing/2017/decorative" xmlns="" val="1"/>
+                  <adec:decorative xmlns:adec="http://schemas.microsoft.com/office/drawing/2017/decorative" val="1"/>
                 </a:ext>
               </a:extLst>
             </p:cNvPr>
@@ -8113,7 +8113,7 @@
             <p:nvPr>
               <p:extLst>
                 <p:ext uri="{386F3935-93C4-4BCD-93E2-E3B085C9AB24}">
-                  <p16:designElem xmlns:p16="http://schemas.microsoft.com/office/powerpoint/2015/main" xmlns="" val="1"/>
+                  <p16:designElem xmlns:p16="http://schemas.microsoft.com/office/powerpoint/2015/main" val="1"/>
                 </p:ext>
               </p:extLst>
             </p:nvPr>
@@ -8164,10 +8164,10 @@
             <p:cNvPr id="16" name="Freeform 15">
               <a:extLst>
                 <a:ext uri="{FF2B5EF4-FFF2-40B4-BE49-F238E27FC236}">
-                  <a16:creationId xmlns:a16="http://schemas.microsoft.com/office/drawing/2014/main" xmlns="" id="{B56657FF-C027-42E7-859B-902929B6FA1C}"/>
+                  <a16:creationId xmlns:a16="http://schemas.microsoft.com/office/drawing/2014/main" id="{B56657FF-C027-42E7-859B-902929B6FA1C}"/>
                 </a:ext>
                 <a:ext uri="{C183D7F6-B498-43B3-948B-1728B52AA6E4}">
-                  <adec:decorative xmlns:adec="http://schemas.microsoft.com/office/drawing/2017/decorative" xmlns="" val="1"/>
+                  <adec:decorative xmlns:adec="http://schemas.microsoft.com/office/drawing/2017/decorative" val="1"/>
                 </a:ext>
               </a:extLst>
             </p:cNvPr>
@@ -8175,7 +8175,7 @@
             <p:nvPr>
               <p:extLst>
                 <p:ext uri="{386F3935-93C4-4BCD-93E2-E3B085C9AB24}">
-                  <p16:designElem xmlns:p16="http://schemas.microsoft.com/office/powerpoint/2015/main" xmlns="" val="1"/>
+                  <p16:designElem xmlns:p16="http://schemas.microsoft.com/office/powerpoint/2015/main" val="1"/>
                 </p:ext>
               </p:extLst>
             </p:nvPr>
@@ -8261,10 +8261,10 @@
             <p:cNvPr id="17" name="Freeform 16">
               <a:extLst>
                 <a:ext uri="{FF2B5EF4-FFF2-40B4-BE49-F238E27FC236}">
-                  <a16:creationId xmlns:a16="http://schemas.microsoft.com/office/drawing/2014/main" xmlns="" id="{79047F2A-5978-46C6-B3A2-54AAC2136B15}"/>
+                  <a16:creationId xmlns:a16="http://schemas.microsoft.com/office/drawing/2014/main" id="{79047F2A-5978-46C6-B3A2-54AAC2136B15}"/>
                 </a:ext>
                 <a:ext uri="{C183D7F6-B498-43B3-948B-1728B52AA6E4}">
-                  <adec:decorative xmlns:adec="http://schemas.microsoft.com/office/drawing/2017/decorative" xmlns="" val="1"/>
+                  <adec:decorative xmlns:adec="http://schemas.microsoft.com/office/drawing/2017/decorative" val="1"/>
                 </a:ext>
               </a:extLst>
             </p:cNvPr>
@@ -8272,7 +8272,7 @@
             <p:nvPr>
               <p:extLst>
                 <p:ext uri="{386F3935-93C4-4BCD-93E2-E3B085C9AB24}">
-                  <p16:designElem xmlns:p16="http://schemas.microsoft.com/office/powerpoint/2015/main" xmlns="" val="1"/>
+                  <p16:designElem xmlns:p16="http://schemas.microsoft.com/office/powerpoint/2015/main" val="1"/>
                 </p:ext>
               </p:extLst>
             </p:nvPr>
@@ -8353,10 +8353,10 @@
             <p:cNvPr id="18" name="Freeform 17">
               <a:extLst>
                 <a:ext uri="{FF2B5EF4-FFF2-40B4-BE49-F238E27FC236}">
-                  <a16:creationId xmlns:a16="http://schemas.microsoft.com/office/drawing/2014/main" xmlns="" id="{F3BE8FD1-0A72-4640-AC7A-2E057273F87D}"/>
+                  <a16:creationId xmlns:a16="http://schemas.microsoft.com/office/drawing/2014/main" id="{F3BE8FD1-0A72-4640-AC7A-2E057273F87D}"/>
                 </a:ext>
                 <a:ext uri="{C183D7F6-B498-43B3-948B-1728B52AA6E4}">
-                  <adec:decorative xmlns:adec="http://schemas.microsoft.com/office/drawing/2017/decorative" xmlns="" val="1"/>
+                  <adec:decorative xmlns:adec="http://schemas.microsoft.com/office/drawing/2017/decorative" val="1"/>
                 </a:ext>
               </a:extLst>
             </p:cNvPr>
@@ -8364,7 +8364,7 @@
             <p:nvPr>
               <p:extLst>
                 <p:ext uri="{386F3935-93C4-4BCD-93E2-E3B085C9AB24}">
-                  <p16:designElem xmlns:p16="http://schemas.microsoft.com/office/powerpoint/2015/main" xmlns="" val="1"/>
+                  <p16:designElem xmlns:p16="http://schemas.microsoft.com/office/powerpoint/2015/main" val="1"/>
                 </p:ext>
               </p:extLst>
             </p:nvPr>
@@ -8425,10 +8425,10 @@
             <p:cNvPr id="19" name="Freeform 18">
               <a:extLst>
                 <a:ext uri="{FF2B5EF4-FFF2-40B4-BE49-F238E27FC236}">
-                  <a16:creationId xmlns:a16="http://schemas.microsoft.com/office/drawing/2014/main" xmlns="" id="{752FC782-A372-4D11-B20D-958955E5641F}"/>
+                  <a16:creationId xmlns:a16="http://schemas.microsoft.com/office/drawing/2014/main" id="{752FC782-A372-4D11-B20D-958955E5641F}"/>
                 </a:ext>
                 <a:ext uri="{C183D7F6-B498-43B3-948B-1728B52AA6E4}">
-                  <adec:decorative xmlns:adec="http://schemas.microsoft.com/office/drawing/2017/decorative" xmlns="" val="1"/>
+                  <adec:decorative xmlns:adec="http://schemas.microsoft.com/office/drawing/2017/decorative" val="1"/>
                 </a:ext>
               </a:extLst>
             </p:cNvPr>
@@ -8436,7 +8436,7 @@
             <p:nvPr>
               <p:extLst>
                 <p:ext uri="{386F3935-93C4-4BCD-93E2-E3B085C9AB24}">
-                  <p16:designElem xmlns:p16="http://schemas.microsoft.com/office/powerpoint/2015/main" xmlns="" val="1"/>
+                  <p16:designElem xmlns:p16="http://schemas.microsoft.com/office/powerpoint/2015/main" val="1"/>
                 </p:ext>
               </p:extLst>
             </p:nvPr>
@@ -8517,10 +8517,10 @@
             <p:cNvPr id="20" name="Freeform 19">
               <a:extLst>
                 <a:ext uri="{FF2B5EF4-FFF2-40B4-BE49-F238E27FC236}">
-                  <a16:creationId xmlns:a16="http://schemas.microsoft.com/office/drawing/2014/main" xmlns="" id="{AA00B2F1-BEE2-444A-8249-C8E3212CA1A8}"/>
+                  <a16:creationId xmlns:a16="http://schemas.microsoft.com/office/drawing/2014/main" id="{AA00B2F1-BEE2-444A-8249-C8E3212CA1A8}"/>
                 </a:ext>
                 <a:ext uri="{C183D7F6-B498-43B3-948B-1728B52AA6E4}">
-                  <adec:decorative xmlns:adec="http://schemas.microsoft.com/office/drawing/2017/decorative" xmlns="" val="1"/>
+                  <adec:decorative xmlns:adec="http://schemas.microsoft.com/office/drawing/2017/decorative" val="1"/>
                 </a:ext>
               </a:extLst>
             </p:cNvPr>
@@ -8528,7 +8528,7 @@
             <p:nvPr>
               <p:extLst>
                 <p:ext uri="{386F3935-93C4-4BCD-93E2-E3B085C9AB24}">
-                  <p16:designElem xmlns:p16="http://schemas.microsoft.com/office/powerpoint/2015/main" xmlns="" val="1"/>
+                  <p16:designElem xmlns:p16="http://schemas.microsoft.com/office/powerpoint/2015/main" val="1"/>
                 </p:ext>
               </p:extLst>
             </p:nvPr>
@@ -8644,10 +8644,10 @@
             <p:cNvPr id="21" name="Freeform 20">
               <a:extLst>
                 <a:ext uri="{FF2B5EF4-FFF2-40B4-BE49-F238E27FC236}">
-                  <a16:creationId xmlns:a16="http://schemas.microsoft.com/office/drawing/2014/main" xmlns="" id="{E7F5747E-514B-4CF7-B6B0-DAD714909789}"/>
+                  <a16:creationId xmlns:a16="http://schemas.microsoft.com/office/drawing/2014/main" id="{E7F5747E-514B-4CF7-B6B0-DAD714909789}"/>
                 </a:ext>
                 <a:ext uri="{C183D7F6-B498-43B3-948B-1728B52AA6E4}">
-                  <adec:decorative xmlns:adec="http://schemas.microsoft.com/office/drawing/2017/decorative" xmlns="" val="1"/>
+                  <adec:decorative xmlns:adec="http://schemas.microsoft.com/office/drawing/2017/decorative" val="1"/>
                 </a:ext>
               </a:extLst>
             </p:cNvPr>
@@ -8655,7 +8655,7 @@
             <p:nvPr>
               <p:extLst>
                 <p:ext uri="{386F3935-93C4-4BCD-93E2-E3B085C9AB24}">
-                  <p16:designElem xmlns:p16="http://schemas.microsoft.com/office/powerpoint/2015/main" xmlns="" val="1"/>
+                  <p16:designElem xmlns:p16="http://schemas.microsoft.com/office/powerpoint/2015/main" val="1"/>
                 </p:ext>
               </p:extLst>
             </p:nvPr>
@@ -8706,10 +8706,10 @@
             <p:cNvPr id="22" name="Freeform 21">
               <a:extLst>
                 <a:ext uri="{FF2B5EF4-FFF2-40B4-BE49-F238E27FC236}">
-                  <a16:creationId xmlns:a16="http://schemas.microsoft.com/office/drawing/2014/main" xmlns="" id="{931614BB-1593-40ED-8113-2BD11870556B}"/>
+                  <a16:creationId xmlns:a16="http://schemas.microsoft.com/office/drawing/2014/main" id="{931614BB-1593-40ED-8113-2BD11870556B}"/>
                 </a:ext>
                 <a:ext uri="{C183D7F6-B498-43B3-948B-1728B52AA6E4}">
-                  <adec:decorative xmlns:adec="http://schemas.microsoft.com/office/drawing/2017/decorative" xmlns="" val="1"/>
+                  <adec:decorative xmlns:adec="http://schemas.microsoft.com/office/drawing/2017/decorative" val="1"/>
                 </a:ext>
               </a:extLst>
             </p:cNvPr>
@@ -8717,7 +8717,7 @@
             <p:nvPr>
               <p:extLst>
                 <p:ext uri="{386F3935-93C4-4BCD-93E2-E3B085C9AB24}">
-                  <p16:designElem xmlns:p16="http://schemas.microsoft.com/office/powerpoint/2015/main" xmlns="" val="1"/>
+                  <p16:designElem xmlns:p16="http://schemas.microsoft.com/office/powerpoint/2015/main" val="1"/>
                 </p:ext>
               </p:extLst>
             </p:nvPr>
@@ -8778,10 +8778,10 @@
             <p:cNvPr id="28" name="Freeform 22">
               <a:extLst>
                 <a:ext uri="{FF2B5EF4-FFF2-40B4-BE49-F238E27FC236}">
-                  <a16:creationId xmlns:a16="http://schemas.microsoft.com/office/drawing/2014/main" xmlns="" id="{2691871F-F15C-4E19-BC9C-78E5748D744E}"/>
+                  <a16:creationId xmlns:a16="http://schemas.microsoft.com/office/drawing/2014/main" id="{2691871F-F15C-4E19-BC9C-78E5748D744E}"/>
                 </a:ext>
                 <a:ext uri="{C183D7F6-B498-43B3-948B-1728B52AA6E4}">
-                  <adec:decorative xmlns:adec="http://schemas.microsoft.com/office/drawing/2017/decorative" xmlns="" val="1"/>
+                  <adec:decorative xmlns:adec="http://schemas.microsoft.com/office/drawing/2017/decorative" val="1"/>
                 </a:ext>
               </a:extLst>
             </p:cNvPr>
@@ -8789,7 +8789,7 @@
             <p:nvPr>
               <p:extLst>
                 <p:ext uri="{386F3935-93C4-4BCD-93E2-E3B085C9AB24}">
-                  <p16:designElem xmlns:p16="http://schemas.microsoft.com/office/powerpoint/2015/main" xmlns="" val="1"/>
+                  <p16:designElem xmlns:p16="http://schemas.microsoft.com/office/powerpoint/2015/main" val="1"/>
                 </p:ext>
               </p:extLst>
             </p:nvPr>
@@ -8861,7 +8861,7 @@
           <p:cNvPr id="2" name="Titre 1">
             <a:extLst>
               <a:ext uri="{FF2B5EF4-FFF2-40B4-BE49-F238E27FC236}">
-                <a16:creationId xmlns:a16="http://schemas.microsoft.com/office/drawing/2014/main" xmlns="" id="{100A3E18-C8CE-4BA9-99EE-9CF81363CDA7}"/>
+                <a16:creationId xmlns:a16="http://schemas.microsoft.com/office/drawing/2014/main" id="{100A3E18-C8CE-4BA9-99EE-9CF81363CDA7}"/>
               </a:ext>
             </a:extLst>
           </p:cNvPr>
@@ -8903,10 +8903,10 @@
           <p:cNvPr id="25" name="Straight Connector 24">
             <a:extLst>
               <a:ext uri="{FF2B5EF4-FFF2-40B4-BE49-F238E27FC236}">
-                <a16:creationId xmlns:a16="http://schemas.microsoft.com/office/drawing/2014/main" xmlns="" id="{34D43EC1-35FA-4FC3-8526-F655CEB09D9C}"/>
+                <a16:creationId xmlns:a16="http://schemas.microsoft.com/office/drawing/2014/main" id="{34D43EC1-35FA-4FC3-8526-F655CEB09D9C}"/>
               </a:ext>
               <a:ext uri="{C183D7F6-B498-43B3-948B-1728B52AA6E4}">
-                <adec:decorative xmlns:adec="http://schemas.microsoft.com/office/drawing/2017/decorative" xmlns="" val="1"/>
+                <adec:decorative xmlns:adec="http://schemas.microsoft.com/office/drawing/2017/decorative" val="1"/>
               </a:ext>
             </a:extLst>
           </p:cNvPr>
@@ -8916,7 +8916,7 @@
           <p:nvPr>
             <p:extLst>
               <p:ext uri="{386F3935-93C4-4BCD-93E2-E3B085C9AB24}">
-                <p16:designElem xmlns:p16="http://schemas.microsoft.com/office/powerpoint/2015/main" xmlns="" val="1"/>
+                <p16:designElem xmlns:p16="http://schemas.microsoft.com/office/powerpoint/2015/main" val="1"/>
               </p:ext>
             </p:extLst>
           </p:nvPr>
@@ -8985,7 +8985,7 @@
           <p:cNvPr id="2" name="Titre 1">
             <a:extLst>
               <a:ext uri="{FF2B5EF4-FFF2-40B4-BE49-F238E27FC236}">
-                <a16:creationId xmlns:a16="http://schemas.microsoft.com/office/drawing/2014/main" xmlns="" id="{5A62E94B-CF6C-4A71-8F0D-8EDF97F6F57B}"/>
+                <a16:creationId xmlns:a16="http://schemas.microsoft.com/office/drawing/2014/main" id="{5A62E94B-CF6C-4A71-8F0D-8EDF97F6F57B}"/>
               </a:ext>
             </a:extLst>
           </p:cNvPr>
@@ -9018,7 +9018,7 @@
           <p:cNvPr id="2050" name="Picture 2">
             <a:extLst>
               <a:ext uri="{FF2B5EF4-FFF2-40B4-BE49-F238E27FC236}">
-                <a16:creationId xmlns:a16="http://schemas.microsoft.com/office/drawing/2014/main" xmlns="" id="{D6569DB1-CFB2-4D16-8B9D-141F2A13192A}"/>
+                <a16:creationId xmlns:a16="http://schemas.microsoft.com/office/drawing/2014/main" id="{D6569DB1-CFB2-4D16-8B9D-141F2A13192A}"/>
               </a:ext>
             </a:extLst>
           </p:cNvPr>
@@ -9063,7 +9063,7 @@
           <p:cNvPr id="2052" name="Picture 4">
             <a:extLst>
               <a:ext uri="{FF2B5EF4-FFF2-40B4-BE49-F238E27FC236}">
-                <a16:creationId xmlns:a16="http://schemas.microsoft.com/office/drawing/2014/main" xmlns="" id="{0035AFAA-91FD-4359-B19B-60E333C010E7}"/>
+                <a16:creationId xmlns:a16="http://schemas.microsoft.com/office/drawing/2014/main" id="{0035AFAA-91FD-4359-B19B-60E333C010E7}"/>
               </a:ext>
             </a:extLst>
           </p:cNvPr>
@@ -9110,7 +9110,7 @@
           <p:cNvPr id="12" name="Image 11">
             <a:extLst>
               <a:ext uri="{FF2B5EF4-FFF2-40B4-BE49-F238E27FC236}">
-                <a16:creationId xmlns:a16="http://schemas.microsoft.com/office/drawing/2014/main" xmlns="" id="{4BD3C4B6-C32B-474C-80DC-EA6A2C2D11EE}"/>
+                <a16:creationId xmlns:a16="http://schemas.microsoft.com/office/drawing/2014/main" id="{4BD3C4B6-C32B-474C-80DC-EA6A2C2D11EE}"/>
               </a:ext>
             </a:extLst>
           </p:cNvPr>
@@ -9175,7 +9175,7 @@
           <p:cNvPr id="2" name="Titre 1">
             <a:extLst>
               <a:ext uri="{FF2B5EF4-FFF2-40B4-BE49-F238E27FC236}">
-                <a16:creationId xmlns:a16="http://schemas.microsoft.com/office/drawing/2014/main" xmlns="" id="{955DAA4E-F8A9-402D-B2C1-64A4F3663B16}"/>
+                <a16:creationId xmlns:a16="http://schemas.microsoft.com/office/drawing/2014/main" id="{955DAA4E-F8A9-402D-B2C1-64A4F3663B16}"/>
               </a:ext>
             </a:extLst>
           </p:cNvPr>
@@ -9209,7 +9209,7 @@
           <p:cNvPr id="6" name="ZoneTexte 5">
             <a:extLst>
               <a:ext uri="{FF2B5EF4-FFF2-40B4-BE49-F238E27FC236}">
-                <a16:creationId xmlns:a16="http://schemas.microsoft.com/office/drawing/2014/main" xmlns="" id="{5D0D859E-A07F-4FE9-8658-673D21906FDE}"/>
+                <a16:creationId xmlns:a16="http://schemas.microsoft.com/office/drawing/2014/main" id="{5D0D859E-A07F-4FE9-8658-673D21906FDE}"/>
               </a:ext>
             </a:extLst>
           </p:cNvPr>
@@ -9282,7 +9282,7 @@
           <p:cNvPr id="1026" name="Picture 2">
             <a:extLst>
               <a:ext uri="{FF2B5EF4-FFF2-40B4-BE49-F238E27FC236}">
-                <a16:creationId xmlns:a16="http://schemas.microsoft.com/office/drawing/2014/main" xmlns="" id="{284DF08C-6467-46B9-9864-D9545F4EC672}"/>
+                <a16:creationId xmlns:a16="http://schemas.microsoft.com/office/drawing/2014/main" id="{284DF08C-6467-46B9-9864-D9545F4EC672}"/>
               </a:ext>
             </a:extLst>
           </p:cNvPr>
@@ -9359,7 +9359,7 @@
           <p:cNvPr id="2" name="Titre 1">
             <a:extLst>
               <a:ext uri="{FF2B5EF4-FFF2-40B4-BE49-F238E27FC236}">
-                <a16:creationId xmlns:a16="http://schemas.microsoft.com/office/drawing/2014/main" xmlns="" id="{B0C685AB-3B29-4BAE-894F-870F63CFDE88}"/>
+                <a16:creationId xmlns:a16="http://schemas.microsoft.com/office/drawing/2014/main" id="{B0C685AB-3B29-4BAE-894F-870F63CFDE88}"/>
               </a:ext>
             </a:extLst>
           </p:cNvPr>
@@ -9393,7 +9393,7 @@
           <p:cNvPr id="2050" name="Picture 2">
             <a:extLst>
               <a:ext uri="{FF2B5EF4-FFF2-40B4-BE49-F238E27FC236}">
-                <a16:creationId xmlns:a16="http://schemas.microsoft.com/office/drawing/2014/main" xmlns="" id="{41F6E9F5-4D18-4ED9-98BC-139EF38BFCFF}"/>
+                <a16:creationId xmlns:a16="http://schemas.microsoft.com/office/drawing/2014/main" id="{41F6E9F5-4D18-4ED9-98BC-139EF38BFCFF}"/>
               </a:ext>
             </a:extLst>
           </p:cNvPr>
@@ -9417,7 +9417,7 @@
         </p:blipFill>
         <p:spPr bwMode="auto">
           <a:xfrm>
-            <a:off x="1125353" y="1474839"/>
+            <a:off x="873424" y="1512162"/>
             <a:ext cx="10429536" cy="5383161"/>
           </a:xfrm>
           <a:prstGeom prst="rect">
@@ -9470,7 +9470,7 @@
           <p:cNvPr id="5" name="Titre 1">
             <a:extLst>
               <a:ext uri="{FF2B5EF4-FFF2-40B4-BE49-F238E27FC236}">
-                <a16:creationId xmlns:a16="http://schemas.microsoft.com/office/drawing/2014/main" xmlns="" id="{F017C25E-941B-4F4B-875F-A0BEC48264A6}"/>
+                <a16:creationId xmlns:a16="http://schemas.microsoft.com/office/drawing/2014/main" id="{F017C25E-941B-4F4B-875F-A0BEC48264A6}"/>
               </a:ext>
             </a:extLst>
           </p:cNvPr>
@@ -9581,7 +9581,7 @@
           <p:cNvPr id="3074" name="Picture 2">
             <a:extLst>
               <a:ext uri="{FF2B5EF4-FFF2-40B4-BE49-F238E27FC236}">
-                <a16:creationId xmlns:a16="http://schemas.microsoft.com/office/drawing/2014/main" xmlns="" id="{BA041325-B2D4-4C63-83A7-DCDF38C91B62}"/>
+                <a16:creationId xmlns:a16="http://schemas.microsoft.com/office/drawing/2014/main" id="{BA041325-B2D4-4C63-83A7-DCDF38C91B62}"/>
               </a:ext>
             </a:extLst>
           </p:cNvPr>
@@ -9605,7 +9605,7 @@
         </p:blipFill>
         <p:spPr bwMode="auto">
           <a:xfrm>
-            <a:off x="1219199" y="1465006"/>
+            <a:off x="967270" y="1502329"/>
             <a:ext cx="10448586" cy="5392994"/>
           </a:xfrm>
           <a:prstGeom prst="rect">
@@ -9658,7 +9658,7 @@
           <p:cNvPr id="2" name="Titre 1">
             <a:extLst>
               <a:ext uri="{FF2B5EF4-FFF2-40B4-BE49-F238E27FC236}">
-                <a16:creationId xmlns:a16="http://schemas.microsoft.com/office/drawing/2014/main" xmlns="" id="{BFE1811E-29E6-411E-B17C-E10A82DF4F73}"/>
+                <a16:creationId xmlns:a16="http://schemas.microsoft.com/office/drawing/2014/main" id="{BFE1811E-29E6-411E-B17C-E10A82DF4F73}"/>
               </a:ext>
             </a:extLst>
           </p:cNvPr>
@@ -9686,7 +9686,7 @@
           <p:cNvPr id="6146" name="Picture 2">
             <a:extLst>
               <a:ext uri="{FF2B5EF4-FFF2-40B4-BE49-F238E27FC236}">
-                <a16:creationId xmlns:a16="http://schemas.microsoft.com/office/drawing/2014/main" xmlns="" id="{E271B24B-DC17-4A79-AA82-76341E30E2A4}"/>
+                <a16:creationId xmlns:a16="http://schemas.microsoft.com/office/drawing/2014/main" id="{E271B24B-DC17-4A79-AA82-76341E30E2A4}"/>
               </a:ext>
             </a:extLst>
           </p:cNvPr>
@@ -9733,7 +9733,7 @@
           <p:cNvPr id="6" name="ZoneTexte 5">
             <a:extLst>
               <a:ext uri="{FF2B5EF4-FFF2-40B4-BE49-F238E27FC236}">
-                <a16:creationId xmlns:a16="http://schemas.microsoft.com/office/drawing/2014/main" xmlns="" id="{C006F509-7F44-4F15-983E-747718716754}"/>
+                <a16:creationId xmlns:a16="http://schemas.microsoft.com/office/drawing/2014/main" id="{C006F509-7F44-4F15-983E-747718716754}"/>
               </a:ext>
             </a:extLst>
           </p:cNvPr>
@@ -9844,10 +9844,10 @@
           <p:cNvPr id="34" name="Rectangle 33">
             <a:extLst>
               <a:ext uri="{FF2B5EF4-FFF2-40B4-BE49-F238E27FC236}">
-                <a16:creationId xmlns:a16="http://schemas.microsoft.com/office/drawing/2014/main" xmlns="" id="{CD306B45-25EE-434D-ABA9-A27B79320CFF}"/>
+                <a16:creationId xmlns:a16="http://schemas.microsoft.com/office/drawing/2014/main" id="{CD306B45-25EE-434D-ABA9-A27B79320CFF}"/>
               </a:ext>
               <a:ext uri="{C183D7F6-B498-43B3-948B-1728B52AA6E4}">
-                <adec:decorative xmlns:adec="http://schemas.microsoft.com/office/drawing/2017/decorative" xmlns="" val="1"/>
+                <adec:decorative xmlns:adec="http://schemas.microsoft.com/office/drawing/2017/decorative" val="1"/>
               </a:ext>
             </a:extLst>
           </p:cNvPr>
@@ -9857,7 +9857,7 @@
           <p:nvPr>
             <p:extLst>
               <p:ext uri="{386F3935-93C4-4BCD-93E2-E3B085C9AB24}">
-                <p16:designElem xmlns:p16="http://schemas.microsoft.com/office/powerpoint/2015/main" xmlns="" val="1"/>
+                <p16:designElem xmlns:p16="http://schemas.microsoft.com/office/powerpoint/2015/main" val="1"/>
               </p:ext>
             </p:extLst>
           </p:nvPr>
@@ -9904,7 +9904,7 @@
           <p:cNvPr id="2" name="Titre 1">
             <a:extLst>
               <a:ext uri="{FF2B5EF4-FFF2-40B4-BE49-F238E27FC236}">
-                <a16:creationId xmlns:a16="http://schemas.microsoft.com/office/drawing/2014/main" xmlns="" id="{CA78CAE8-5B1C-4489-9425-65E6601B308A}"/>
+                <a16:creationId xmlns:a16="http://schemas.microsoft.com/office/drawing/2014/main" id="{CA78CAE8-5B1C-4489-9425-65E6601B308A}"/>
               </a:ext>
             </a:extLst>
           </p:cNvPr>
@@ -9928,7 +9928,7 @@
           <a:lstStyle/>
           <a:p>
             <a:r>
-              <a:rPr lang="fr-FR">
+              <a:rPr lang="fr-FR" dirty="0">
                 <a:solidFill>
                   <a:schemeClr val="tx2">
                     <a:lumMod val="75000"/>
@@ -9945,10 +9945,10 @@
           <p:cNvPr id="36" name="Rectangle 35">
             <a:extLst>
               <a:ext uri="{FF2B5EF4-FFF2-40B4-BE49-F238E27FC236}">
-                <a16:creationId xmlns:a16="http://schemas.microsoft.com/office/drawing/2014/main" xmlns="" id="{0A42F85E-4939-431E-8B4A-EC07C8E0AB65}"/>
+                <a16:creationId xmlns:a16="http://schemas.microsoft.com/office/drawing/2014/main" id="{0A42F85E-4939-431E-8B4A-EC07C8E0AB65}"/>
               </a:ext>
               <a:ext uri="{C183D7F6-B498-43B3-948B-1728B52AA6E4}">
-                <adec:decorative xmlns:adec="http://schemas.microsoft.com/office/drawing/2017/decorative" xmlns="" val="1"/>
+                <adec:decorative xmlns:adec="http://schemas.microsoft.com/office/drawing/2017/decorative" val="1"/>
               </a:ext>
             </a:extLst>
           </p:cNvPr>
@@ -9958,7 +9958,7 @@
           <p:nvPr>
             <p:extLst>
               <p:ext uri="{386F3935-93C4-4BCD-93E2-E3B085C9AB24}">
-                <p16:designElem xmlns:p16="http://schemas.microsoft.com/office/powerpoint/2015/main" xmlns="" val="1"/>
+                <p16:designElem xmlns:p16="http://schemas.microsoft.com/office/powerpoint/2015/main" val="1"/>
               </p:ext>
             </p:extLst>
           </p:nvPr>
@@ -9999,10 +9999,10 @@
           <p:cNvPr id="38" name="Straight Connector 37">
             <a:extLst>
               <a:ext uri="{FF2B5EF4-FFF2-40B4-BE49-F238E27FC236}">
-                <a16:creationId xmlns:a16="http://schemas.microsoft.com/office/drawing/2014/main" xmlns="" id="{27EBB3F9-D6F7-4F6A-8843-9FEBA15E4969}"/>
+                <a16:creationId xmlns:a16="http://schemas.microsoft.com/office/drawing/2014/main" id="{27EBB3F9-D6F7-4F6A-8843-9FEBA15E4969}"/>
               </a:ext>
               <a:ext uri="{C183D7F6-B498-43B3-948B-1728B52AA6E4}">
-                <adec:decorative xmlns:adec="http://schemas.microsoft.com/office/drawing/2017/decorative" xmlns="" val="1"/>
+                <adec:decorative xmlns:adec="http://schemas.microsoft.com/office/drawing/2017/decorative" val="1"/>
               </a:ext>
             </a:extLst>
           </p:cNvPr>
@@ -10012,7 +10012,7 @@
           <p:nvPr>
             <p:extLst>
               <p:ext uri="{386F3935-93C4-4BCD-93E2-E3B085C9AB24}">
-                <p16:designElem xmlns:p16="http://schemas.microsoft.com/office/powerpoint/2015/main" xmlns="" val="1"/>
+                <p16:designElem xmlns:p16="http://schemas.microsoft.com/office/powerpoint/2015/main" val="1"/>
               </p:ext>
             </p:extLst>
           </p:nvPr>
@@ -10051,10 +10051,10 @@
           <p:cNvPr id="53" name="Group 39">
             <a:extLst>
               <a:ext uri="{FF2B5EF4-FFF2-40B4-BE49-F238E27FC236}">
-                <a16:creationId xmlns:a16="http://schemas.microsoft.com/office/drawing/2014/main" xmlns="" id="{5D2B17EF-74EB-4C33-B2E2-8E727B2E7D68}"/>
+                <a16:creationId xmlns:a16="http://schemas.microsoft.com/office/drawing/2014/main" id="{5D2B17EF-74EB-4C33-B2E2-8E727B2E7D68}"/>
               </a:ext>
               <a:ext uri="{C183D7F6-B498-43B3-948B-1728B52AA6E4}">
-                <adec:decorative xmlns:adec="http://schemas.microsoft.com/office/drawing/2017/decorative" xmlns="" val="1"/>
+                <adec:decorative xmlns:adec="http://schemas.microsoft.com/office/drawing/2017/decorative" val="1"/>
               </a:ext>
             </a:extLst>
           </p:cNvPr>
@@ -10064,7 +10064,7 @@
           <p:nvPr>
             <p:extLst>
               <p:ext uri="{386F3935-93C4-4BCD-93E2-E3B085C9AB24}">
-                <p16:designElem xmlns:p16="http://schemas.microsoft.com/office/powerpoint/2015/main" xmlns="" val="1"/>
+                <p16:designElem xmlns:p16="http://schemas.microsoft.com/office/powerpoint/2015/main" val="1"/>
               </p:ext>
             </p:extLst>
           </p:nvPr>
@@ -10087,10 +10087,10 @@
             <p:cNvPr id="54" name="Freeform 11">
               <a:extLst>
                 <a:ext uri="{FF2B5EF4-FFF2-40B4-BE49-F238E27FC236}">
-                  <a16:creationId xmlns:a16="http://schemas.microsoft.com/office/drawing/2014/main" xmlns="" id="{0A5F1F8A-3206-4B86-883F-65E98BB6E475}"/>
+                  <a16:creationId xmlns:a16="http://schemas.microsoft.com/office/drawing/2014/main" id="{0A5F1F8A-3206-4B86-883F-65E98BB6E475}"/>
                 </a:ext>
                 <a:ext uri="{C183D7F6-B498-43B3-948B-1728B52AA6E4}">
-                  <adec:decorative xmlns:adec="http://schemas.microsoft.com/office/drawing/2017/decorative" xmlns="" val="1"/>
+                  <adec:decorative xmlns:adec="http://schemas.microsoft.com/office/drawing/2017/decorative" val="1"/>
                 </a:ext>
               </a:extLst>
             </p:cNvPr>
@@ -10098,7 +10098,7 @@
             <p:nvPr>
               <p:extLst>
                 <p:ext uri="{386F3935-93C4-4BCD-93E2-E3B085C9AB24}">
-                  <p16:designElem xmlns:p16="http://schemas.microsoft.com/office/powerpoint/2015/main" xmlns="" val="1"/>
+                  <p16:designElem xmlns:p16="http://schemas.microsoft.com/office/powerpoint/2015/main" val="1"/>
                 </p:ext>
               </p:extLst>
             </p:nvPr>
@@ -10159,10 +10159,10 @@
             <p:cNvPr id="42" name="Freeform 12">
               <a:extLst>
                 <a:ext uri="{FF2B5EF4-FFF2-40B4-BE49-F238E27FC236}">
-                  <a16:creationId xmlns:a16="http://schemas.microsoft.com/office/drawing/2014/main" xmlns="" id="{6935F8C7-CC88-4243-9786-F3CDBF04A09F}"/>
+                  <a16:creationId xmlns:a16="http://schemas.microsoft.com/office/drawing/2014/main" id="{6935F8C7-CC88-4243-9786-F3CDBF04A09F}"/>
                 </a:ext>
                 <a:ext uri="{C183D7F6-B498-43B3-948B-1728B52AA6E4}">
-                  <adec:decorative xmlns:adec="http://schemas.microsoft.com/office/drawing/2017/decorative" xmlns="" val="1"/>
+                  <adec:decorative xmlns:adec="http://schemas.microsoft.com/office/drawing/2017/decorative" val="1"/>
                 </a:ext>
               </a:extLst>
             </p:cNvPr>
@@ -10170,7 +10170,7 @@
             <p:nvPr>
               <p:extLst>
                 <p:ext uri="{386F3935-93C4-4BCD-93E2-E3B085C9AB24}">
-                  <p16:designElem xmlns:p16="http://schemas.microsoft.com/office/powerpoint/2015/main" xmlns="" val="1"/>
+                  <p16:designElem xmlns:p16="http://schemas.microsoft.com/office/powerpoint/2015/main" val="1"/>
                 </p:ext>
               </p:extLst>
             </p:nvPr>
@@ -10236,10 +10236,10 @@
             <p:cNvPr id="43" name="Freeform 13">
               <a:extLst>
                 <a:ext uri="{FF2B5EF4-FFF2-40B4-BE49-F238E27FC236}">
-                  <a16:creationId xmlns:a16="http://schemas.microsoft.com/office/drawing/2014/main" xmlns="" id="{9AF7BAD9-71B3-40D8-A089-EFF7FE67BD66}"/>
+                  <a16:creationId xmlns:a16="http://schemas.microsoft.com/office/drawing/2014/main" id="{9AF7BAD9-71B3-40D8-A089-EFF7FE67BD66}"/>
                 </a:ext>
                 <a:ext uri="{C183D7F6-B498-43B3-948B-1728B52AA6E4}">
-                  <adec:decorative xmlns:adec="http://schemas.microsoft.com/office/drawing/2017/decorative" xmlns="" val="1"/>
+                  <adec:decorative xmlns:adec="http://schemas.microsoft.com/office/drawing/2017/decorative" val="1"/>
                 </a:ext>
               </a:extLst>
             </p:cNvPr>
@@ -10247,7 +10247,7 @@
             <p:nvPr>
               <p:extLst>
                 <p:ext uri="{386F3935-93C4-4BCD-93E2-E3B085C9AB24}">
-                  <p16:designElem xmlns:p16="http://schemas.microsoft.com/office/powerpoint/2015/main" xmlns="" val="1"/>
+                  <p16:designElem xmlns:p16="http://schemas.microsoft.com/office/powerpoint/2015/main" val="1"/>
                 </p:ext>
               </p:extLst>
             </p:nvPr>
@@ -10318,10 +10318,10 @@
             <p:cNvPr id="44" name="Freeform 14">
               <a:extLst>
                 <a:ext uri="{FF2B5EF4-FFF2-40B4-BE49-F238E27FC236}">
-                  <a16:creationId xmlns:a16="http://schemas.microsoft.com/office/drawing/2014/main" xmlns="" id="{6467094F-AEF0-4D3B-BB76-8B3C1F08B937}"/>
+                  <a16:creationId xmlns:a16="http://schemas.microsoft.com/office/drawing/2014/main" id="{6467094F-AEF0-4D3B-BB76-8B3C1F08B937}"/>
                 </a:ext>
                 <a:ext uri="{C183D7F6-B498-43B3-948B-1728B52AA6E4}">
-                  <adec:decorative xmlns:adec="http://schemas.microsoft.com/office/drawing/2017/decorative" xmlns="" val="1"/>
+                  <adec:decorative xmlns:adec="http://schemas.microsoft.com/office/drawing/2017/decorative" val="1"/>
                 </a:ext>
               </a:extLst>
             </p:cNvPr>
@@ -10329,7 +10329,7 @@
             <p:nvPr>
               <p:extLst>
                 <p:ext uri="{386F3935-93C4-4BCD-93E2-E3B085C9AB24}">
-                  <p16:designElem xmlns:p16="http://schemas.microsoft.com/office/powerpoint/2015/main" xmlns="" val="1"/>
+                  <p16:designElem xmlns:p16="http://schemas.microsoft.com/office/powerpoint/2015/main" val="1"/>
                 </p:ext>
               </p:extLst>
             </p:nvPr>
@@ -10380,10 +10380,10 @@
             <p:cNvPr id="45" name="Freeform 15">
               <a:extLst>
                 <a:ext uri="{FF2B5EF4-FFF2-40B4-BE49-F238E27FC236}">
-                  <a16:creationId xmlns:a16="http://schemas.microsoft.com/office/drawing/2014/main" xmlns="" id="{36F56AF9-DEF1-44E7-BF42-6AAC1AA9D19D}"/>
+                  <a16:creationId xmlns:a16="http://schemas.microsoft.com/office/drawing/2014/main" id="{36F56AF9-DEF1-44E7-BF42-6AAC1AA9D19D}"/>
                 </a:ext>
                 <a:ext uri="{C183D7F6-B498-43B3-948B-1728B52AA6E4}">
-                  <adec:decorative xmlns:adec="http://schemas.microsoft.com/office/drawing/2017/decorative" xmlns="" val="1"/>
+                  <adec:decorative xmlns:adec="http://schemas.microsoft.com/office/drawing/2017/decorative" val="1"/>
                 </a:ext>
               </a:extLst>
             </p:cNvPr>
@@ -10391,7 +10391,7 @@
             <p:nvPr>
               <p:extLst>
                 <p:ext uri="{386F3935-93C4-4BCD-93E2-E3B085C9AB24}">
-                  <p16:designElem xmlns:p16="http://schemas.microsoft.com/office/powerpoint/2015/main" xmlns="" val="1"/>
+                  <p16:designElem xmlns:p16="http://schemas.microsoft.com/office/powerpoint/2015/main" val="1"/>
                 </p:ext>
               </p:extLst>
             </p:nvPr>
@@ -10477,10 +10477,10 @@
             <p:cNvPr id="46" name="Freeform 16">
               <a:extLst>
                 <a:ext uri="{FF2B5EF4-FFF2-40B4-BE49-F238E27FC236}">
-                  <a16:creationId xmlns:a16="http://schemas.microsoft.com/office/drawing/2014/main" xmlns="" id="{A43EBE71-20BA-4A40-A513-516678089D11}"/>
+                  <a16:creationId xmlns:a16="http://schemas.microsoft.com/office/drawing/2014/main" id="{A43EBE71-20BA-4A40-A513-516678089D11}"/>
                 </a:ext>
                 <a:ext uri="{C183D7F6-B498-43B3-948B-1728B52AA6E4}">
-                  <adec:decorative xmlns:adec="http://schemas.microsoft.com/office/drawing/2017/decorative" xmlns="" val="1"/>
+                  <adec:decorative xmlns:adec="http://schemas.microsoft.com/office/drawing/2017/decorative" val="1"/>
                 </a:ext>
               </a:extLst>
             </p:cNvPr>
@@ -10488,7 +10488,7 @@
             <p:nvPr>
               <p:extLst>
                 <p:ext uri="{386F3935-93C4-4BCD-93E2-E3B085C9AB24}">
-                  <p16:designElem xmlns:p16="http://schemas.microsoft.com/office/powerpoint/2015/main" xmlns="" val="1"/>
+                  <p16:designElem xmlns:p16="http://schemas.microsoft.com/office/powerpoint/2015/main" val="1"/>
                 </p:ext>
               </p:extLst>
             </p:nvPr>
@@ -10569,10 +10569,10 @@
             <p:cNvPr id="47" name="Freeform 17">
               <a:extLst>
                 <a:ext uri="{FF2B5EF4-FFF2-40B4-BE49-F238E27FC236}">
-                  <a16:creationId xmlns:a16="http://schemas.microsoft.com/office/drawing/2014/main" xmlns="" id="{1DB39648-7B38-4D0B-93C5-048EC4A45C99}"/>
+                  <a16:creationId xmlns:a16="http://schemas.microsoft.com/office/drawing/2014/main" id="{1DB39648-7B38-4D0B-93C5-048EC4A45C99}"/>
                 </a:ext>
                 <a:ext uri="{C183D7F6-B498-43B3-948B-1728B52AA6E4}">
-                  <adec:decorative xmlns:adec="http://schemas.microsoft.com/office/drawing/2017/decorative" xmlns="" val="1"/>
+                  <adec:decorative xmlns:adec="http://schemas.microsoft.com/office/drawing/2017/decorative" val="1"/>
                 </a:ext>
               </a:extLst>
             </p:cNvPr>
@@ -10580,7 +10580,7 @@
             <p:nvPr>
               <p:extLst>
                 <p:ext uri="{386F3935-93C4-4BCD-93E2-E3B085C9AB24}">
-                  <p16:designElem xmlns:p16="http://schemas.microsoft.com/office/powerpoint/2015/main" xmlns="" val="1"/>
+                  <p16:designElem xmlns:p16="http://schemas.microsoft.com/office/powerpoint/2015/main" val="1"/>
                 </p:ext>
               </p:extLst>
             </p:nvPr>
@@ -10641,10 +10641,10 @@
             <p:cNvPr id="48" name="Freeform 18">
               <a:extLst>
                 <a:ext uri="{FF2B5EF4-FFF2-40B4-BE49-F238E27FC236}">
-                  <a16:creationId xmlns:a16="http://schemas.microsoft.com/office/drawing/2014/main" xmlns="" id="{8DD2661F-DE5F-45EA-B30B-7C6589638836}"/>
+                  <a16:creationId xmlns:a16="http://schemas.microsoft.com/office/drawing/2014/main" id="{8DD2661F-DE5F-45EA-B30B-7C6589638836}"/>
                 </a:ext>
                 <a:ext uri="{C183D7F6-B498-43B3-948B-1728B52AA6E4}">
-                  <adec:decorative xmlns:adec="http://schemas.microsoft.com/office/drawing/2017/decorative" xmlns="" val="1"/>
+                  <adec:decorative xmlns:adec="http://schemas.microsoft.com/office/drawing/2017/decorative" val="1"/>
                 </a:ext>
               </a:extLst>
             </p:cNvPr>
@@ -10652,7 +10652,7 @@
             <p:nvPr>
               <p:extLst>
                 <p:ext uri="{386F3935-93C4-4BCD-93E2-E3B085C9AB24}">
-                  <p16:designElem xmlns:p16="http://schemas.microsoft.com/office/powerpoint/2015/main" xmlns="" val="1"/>
+                  <p16:designElem xmlns:p16="http://schemas.microsoft.com/office/powerpoint/2015/main" val="1"/>
                 </p:ext>
               </p:extLst>
             </p:nvPr>
@@ -10733,10 +10733,10 @@
             <p:cNvPr id="49" name="Freeform 19">
               <a:extLst>
                 <a:ext uri="{FF2B5EF4-FFF2-40B4-BE49-F238E27FC236}">
-                  <a16:creationId xmlns:a16="http://schemas.microsoft.com/office/drawing/2014/main" xmlns="" id="{ABF0A0E5-E68E-4183-A913-228692FD85EC}"/>
+                  <a16:creationId xmlns:a16="http://schemas.microsoft.com/office/drawing/2014/main" id="{ABF0A0E5-E68E-4183-A913-228692FD85EC}"/>
                 </a:ext>
                 <a:ext uri="{C183D7F6-B498-43B3-948B-1728B52AA6E4}">
-                  <adec:decorative xmlns:adec="http://schemas.microsoft.com/office/drawing/2017/decorative" xmlns="" val="1"/>
+                  <adec:decorative xmlns:adec="http://schemas.microsoft.com/office/drawing/2017/decorative" val="1"/>
                 </a:ext>
               </a:extLst>
             </p:cNvPr>
@@ -10744,7 +10744,7 @@
             <p:nvPr>
               <p:extLst>
                 <p:ext uri="{386F3935-93C4-4BCD-93E2-E3B085C9AB24}">
-                  <p16:designElem xmlns:p16="http://schemas.microsoft.com/office/powerpoint/2015/main" xmlns="" val="1"/>
+                  <p16:designElem xmlns:p16="http://schemas.microsoft.com/office/powerpoint/2015/main" val="1"/>
                 </p:ext>
               </p:extLst>
             </p:nvPr>
@@ -10860,10 +10860,10 @@
             <p:cNvPr id="50" name="Freeform 20">
               <a:extLst>
                 <a:ext uri="{FF2B5EF4-FFF2-40B4-BE49-F238E27FC236}">
-                  <a16:creationId xmlns:a16="http://schemas.microsoft.com/office/drawing/2014/main" xmlns="" id="{615D8F55-8ACD-4EFE-A832-06E785479EA5}"/>
+                  <a16:creationId xmlns:a16="http://schemas.microsoft.com/office/drawing/2014/main" id="{615D8F55-8ACD-4EFE-A832-06E785479EA5}"/>
                 </a:ext>
                 <a:ext uri="{C183D7F6-B498-43B3-948B-1728B52AA6E4}">
-                  <adec:decorative xmlns:adec="http://schemas.microsoft.com/office/drawing/2017/decorative" xmlns="" val="1"/>
+                  <adec:decorative xmlns:adec="http://schemas.microsoft.com/office/drawing/2017/decorative" val="1"/>
                 </a:ext>
               </a:extLst>
             </p:cNvPr>
@@ -10871,7 +10871,7 @@
             <p:nvPr>
               <p:extLst>
                 <p:ext uri="{386F3935-93C4-4BCD-93E2-E3B085C9AB24}">
-                  <p16:designElem xmlns:p16="http://schemas.microsoft.com/office/powerpoint/2015/main" xmlns="" val="1"/>
+                  <p16:designElem xmlns:p16="http://schemas.microsoft.com/office/powerpoint/2015/main" val="1"/>
                 </p:ext>
               </p:extLst>
             </p:nvPr>
@@ -10922,10 +10922,10 @@
             <p:cNvPr id="51" name="Freeform 21">
               <a:extLst>
                 <a:ext uri="{FF2B5EF4-FFF2-40B4-BE49-F238E27FC236}">
-                  <a16:creationId xmlns:a16="http://schemas.microsoft.com/office/drawing/2014/main" xmlns="" id="{0FDF4201-8CEC-474B-A6B1-88039B70416F}"/>
+                  <a16:creationId xmlns:a16="http://schemas.microsoft.com/office/drawing/2014/main" id="{0FDF4201-8CEC-474B-A6B1-88039B70416F}"/>
                 </a:ext>
                 <a:ext uri="{C183D7F6-B498-43B3-948B-1728B52AA6E4}">
-                  <adec:decorative xmlns:adec="http://schemas.microsoft.com/office/drawing/2017/decorative" xmlns="" val="1"/>
+                  <adec:decorative xmlns:adec="http://schemas.microsoft.com/office/drawing/2017/decorative" val="1"/>
                 </a:ext>
               </a:extLst>
             </p:cNvPr>
@@ -10933,7 +10933,7 @@
             <p:nvPr>
               <p:extLst>
                 <p:ext uri="{386F3935-93C4-4BCD-93E2-E3B085C9AB24}">
-                  <p16:designElem xmlns:p16="http://schemas.microsoft.com/office/powerpoint/2015/main" xmlns="" val="1"/>
+                  <p16:designElem xmlns:p16="http://schemas.microsoft.com/office/powerpoint/2015/main" val="1"/>
                 </p:ext>
               </p:extLst>
             </p:nvPr>
@@ -10994,10 +10994,10 @@
             <p:cNvPr id="52" name="Freeform 22">
               <a:extLst>
                 <a:ext uri="{FF2B5EF4-FFF2-40B4-BE49-F238E27FC236}">
-                  <a16:creationId xmlns:a16="http://schemas.microsoft.com/office/drawing/2014/main" xmlns="" id="{0F60AEA4-B25F-417E-93FC-59686DFBE56E}"/>
+                  <a16:creationId xmlns:a16="http://schemas.microsoft.com/office/drawing/2014/main" id="{0F60AEA4-B25F-417E-93FC-59686DFBE56E}"/>
                 </a:ext>
                 <a:ext uri="{C183D7F6-B498-43B3-948B-1728B52AA6E4}">
-                  <adec:decorative xmlns:adec="http://schemas.microsoft.com/office/drawing/2017/decorative" xmlns="" val="1"/>
+                  <adec:decorative xmlns:adec="http://schemas.microsoft.com/office/drawing/2017/decorative" val="1"/>
                 </a:ext>
               </a:extLst>
             </p:cNvPr>
@@ -11005,7 +11005,7 @@
             <p:nvPr>
               <p:extLst>
                 <p:ext uri="{386F3935-93C4-4BCD-93E2-E3B085C9AB24}">
-                  <p16:designElem xmlns:p16="http://schemas.microsoft.com/office/powerpoint/2015/main" xmlns="" val="1"/>
+                  <p16:designElem xmlns:p16="http://schemas.microsoft.com/office/powerpoint/2015/main" val="1"/>
                 </p:ext>
               </p:extLst>
             </p:nvPr>
@@ -11077,7 +11077,7 @@
           <p:cNvPr id="3" name="Espace réservé du contenu 2">
             <a:extLst>
               <a:ext uri="{FF2B5EF4-FFF2-40B4-BE49-F238E27FC236}">
-                <a16:creationId xmlns:a16="http://schemas.microsoft.com/office/drawing/2014/main" xmlns="" id="{D1EA4223-DE9D-4A4B-8F5E-53F46116BAD9}"/>
+                <a16:creationId xmlns:a16="http://schemas.microsoft.com/office/drawing/2014/main" id="{D1EA4223-DE9D-4A4B-8F5E-53F46116BAD9}"/>
               </a:ext>
             </a:extLst>
           </p:cNvPr>
@@ -11090,8 +11090,8 @@
         </p:nvSpPr>
         <p:spPr>
           <a:xfrm>
-            <a:off x="5565058" y="942108"/>
-            <a:ext cx="5015051" cy="4969114"/>
+            <a:off x="5565058" y="0"/>
+            <a:ext cx="5249119" cy="6858000"/>
           </a:xfrm>
         </p:spPr>
         <p:txBody>
@@ -11121,7 +11121,7 @@
                   <a:schemeClr val="tx1"/>
                 </a:solidFill>
               </a:rPr>
-              <a:t>Aucun effet dû à la zone n’est observé, que ce soit avec l’ACP ou UMAP</a:t>
+              <a:t>Aucun effet dû à la zone</a:t>
             </a:r>
           </a:p>
           <a:p>
@@ -11144,7 +11144,48 @@
                   <a:schemeClr val="tx1"/>
                 </a:solidFill>
               </a:rPr>
-              <a:t>Récent ?</a:t>
+              <a:t>Avantages : </a:t>
+            </a:r>
+          </a:p>
+          <a:p>
+            <a:pPr>
+              <a:buFont typeface="Arial" panose="020B0604020202020204" pitchFamily="34" charset="0"/>
+              <a:buChar char="•"/>
+            </a:pPr>
+            <a:r>
+              <a:rPr lang="fr-FR" dirty="0">
+                <a:solidFill>
+                  <a:schemeClr val="tx1"/>
+                </a:solidFill>
+              </a:rPr>
+              <a:t>plus rapide que t-</a:t>
+            </a:r>
+            <a:r>
+              <a:rPr lang="fr-FR" dirty="0" err="1">
+                <a:solidFill>
+                  <a:schemeClr val="tx1"/>
+                </a:solidFill>
+              </a:rPr>
+              <a:t>sne</a:t>
+            </a:r>
+            <a:endParaRPr lang="fr-FR" dirty="0">
+              <a:solidFill>
+                <a:schemeClr val="tx1"/>
+              </a:solidFill>
+            </a:endParaRPr>
+          </a:p>
+          <a:p>
+            <a:pPr>
+              <a:buFont typeface="Arial" panose="020B0604020202020204" pitchFamily="34" charset="0"/>
+              <a:buChar char="•"/>
+            </a:pPr>
+            <a:r>
+              <a:rPr lang="fr-FR" dirty="0">
+                <a:solidFill>
+                  <a:schemeClr val="tx1"/>
+                </a:solidFill>
+              </a:rPr>
+              <a:t>respect de la structure (globale et locale)</a:t>
             </a:r>
           </a:p>
           <a:p>
@@ -11167,22 +11208,13 @@
                   <a:schemeClr val="tx1"/>
                 </a:solidFill>
               </a:rPr>
-              <a:t>Créateurs ?</a:t>
-            </a:r>
-          </a:p>
-          <a:p>
-            <a:pPr marL="0" indent="0">
-              <a:buNone/>
-            </a:pPr>
-            <a:endParaRPr lang="fr-FR" dirty="0">
-              <a:solidFill>
-                <a:schemeClr val="tx1"/>
-              </a:solidFill>
-            </a:endParaRPr>
-          </a:p>
-          <a:p>
-            <a:pPr marL="0" indent="0">
-              <a:buNone/>
+              <a:t>Inconvénients : </a:t>
+            </a:r>
+          </a:p>
+          <a:p>
+            <a:pPr>
+              <a:buFont typeface="Arial" panose="020B0604020202020204" pitchFamily="34" charset="0"/>
+              <a:buChar char="•"/>
             </a:pPr>
             <a:r>
               <a:rPr lang="fr-FR" dirty="0">
@@ -11190,28 +11222,22 @@
                   <a:schemeClr val="tx1"/>
                 </a:solidFill>
               </a:rPr>
-              <a:t>Avantages ?</a:t>
-            </a:r>
-          </a:p>
-          <a:p>
-            <a:pPr marL="0" indent="0">
-              <a:buNone/>
+              <a:t>pas de signification des axes</a:t>
+            </a:r>
+          </a:p>
+          <a:p>
+            <a:pPr>
+              <a:buFont typeface="Arial" panose="020B0604020202020204" pitchFamily="34" charset="0"/>
+              <a:buChar char="•"/>
             </a:pPr>
-            <a:endParaRPr lang="fr-FR" dirty="0">
-              <a:solidFill>
-                <a:schemeClr val="tx1"/>
-              </a:solidFill>
-            </a:endParaRPr>
-          </a:p>
-          <a:p>
-            <a:pPr marL="0" indent="0">
-              <a:buNone/>
-            </a:pPr>
-            <a:endParaRPr lang="fr-FR" dirty="0">
-              <a:solidFill>
-                <a:schemeClr val="tx1"/>
-              </a:solidFill>
-            </a:endParaRPr>
+            <a:r>
+              <a:rPr lang="fr-FR" dirty="0">
+                <a:solidFill>
+                  <a:schemeClr val="tx1"/>
+                </a:solidFill>
+              </a:rPr>
+              <a:t>ne sépare pas deux clusters imbriqués</a:t>
+            </a:r>
           </a:p>
         </p:txBody>
       </p:sp>
@@ -11250,7 +11276,7 @@
           <p:cNvPr id="2" name="Titre 1">
             <a:extLst>
               <a:ext uri="{FF2B5EF4-FFF2-40B4-BE49-F238E27FC236}">
-                <a16:creationId xmlns:a16="http://schemas.microsoft.com/office/drawing/2014/main" xmlns="" id="{DCE443D8-09EB-4B1B-AFDB-5E93A39D4403}"/>
+                <a16:creationId xmlns:a16="http://schemas.microsoft.com/office/drawing/2014/main" id="{DCE443D8-09EB-4B1B-AFDB-5E93A39D4403}"/>
               </a:ext>
             </a:extLst>
           </p:cNvPr>
@@ -11273,13 +11299,8 @@
           <a:p>
             <a:r>
               <a:rPr lang="fr-FR" dirty="0"/>
-              <a:t>Théorie </a:t>
-            </a:r>
-            <a:r>
-              <a:rPr lang="fr-FR" dirty="0" smtClean="0"/>
-              <a:t>UMAP : résumé</a:t>
-            </a:r>
-            <a:endParaRPr lang="fr-FR" dirty="0"/>
+              <a:t>Théorie UMAP : résumé</a:t>
+            </a:r>
           </a:p>
         </p:txBody>
       </p:sp>
@@ -11288,7 +11309,7 @@
           <p:cNvPr id="3" name="Espace réservé du contenu 2">
             <a:extLst>
               <a:ext uri="{FF2B5EF4-FFF2-40B4-BE49-F238E27FC236}">
-                <a16:creationId xmlns:a16="http://schemas.microsoft.com/office/drawing/2014/main" xmlns="" id="{6DCEA7C5-34DD-4A8B-95A4-DFBB53A69EAC}"/>
+                <a16:creationId xmlns:a16="http://schemas.microsoft.com/office/drawing/2014/main" id="{6DCEA7C5-34DD-4A8B-95A4-DFBB53A69EAC}"/>
               </a:ext>
             </a:extLst>
           </p:cNvPr>
@@ -11313,19 +11334,7 @@
           <a:p>
             <a:r>
               <a:rPr lang="fr-FR" dirty="0"/>
-              <a:t>UMAP </a:t>
-            </a:r>
-            <a:r>
-              <a:rPr lang="fr-FR" dirty="0" smtClean="0"/>
-              <a:t>: Uniform </a:t>
-            </a:r>
-            <a:r>
-              <a:rPr lang="fr-FR" dirty="0"/>
-              <a:t>Manifold Approximation and </a:t>
-            </a:r>
-            <a:r>
-              <a:rPr lang="fr-FR" dirty="0" smtClean="0"/>
-              <a:t>Projection</a:t>
+              <a:t>UMAP : Uniform Manifold Approximation and Projection</a:t>
             </a:r>
           </a:p>
           <a:p>
@@ -11333,26 +11342,18 @@
               <a:buNone/>
             </a:pPr>
             <a:r>
-              <a:rPr lang="fr-FR" dirty="0" smtClean="0"/>
+              <a:rPr lang="fr-FR" dirty="0"/>
               <a:t> </a:t>
             </a:r>
             <a:r>
-              <a:rPr lang="fr-FR" dirty="0" smtClean="0">
+              <a:rPr lang="fr-FR" dirty="0">
                 <a:sym typeface="Wingdings" panose="05000000000000000000" pitchFamily="2" charset="2"/>
               </a:rPr>
               <a:t> </a:t>
             </a:r>
             <a:r>
-              <a:rPr lang="fr-FR" dirty="0" smtClean="0"/>
-              <a:t>réduction </a:t>
-            </a:r>
-            <a:r>
               <a:rPr lang="fr-FR" dirty="0"/>
-              <a:t>de dimension </a:t>
-            </a:r>
-            <a:r>
-              <a:rPr lang="fr-FR" dirty="0" smtClean="0"/>
-              <a:t>(visualisation), linéaire et non linéaire. Pas de signification des axes</a:t>
+              <a:t>réduction de dimension (visualisation), linéaire et non linéaire. Pas de signification des axes</a:t>
             </a:r>
           </a:p>
           <a:p>
@@ -11360,18 +11361,14 @@
               <a:buNone/>
             </a:pPr>
             <a:r>
-              <a:rPr lang="fr-FR" dirty="0" smtClean="0">
+              <a:rPr lang="fr-FR" dirty="0">
                 <a:sym typeface="Wingdings" panose="05000000000000000000" pitchFamily="2" charset="2"/>
               </a:rPr>
               <a:t>  </a:t>
             </a:r>
             <a:r>
-              <a:rPr lang="fr-FR" dirty="0" smtClean="0"/>
-              <a:t>3 </a:t>
-            </a:r>
-            <a:r>
               <a:rPr lang="fr-FR" dirty="0"/>
-              <a:t>hypothèses faites sur les données : </a:t>
+              <a:t>3 hypothèses faites sur les données : </a:t>
             </a:r>
           </a:p>
           <a:p>
@@ -11380,15 +11377,7 @@
             </a:pPr>
             <a:r>
               <a:rPr lang="fr-FR" dirty="0"/>
-              <a:t>	</a:t>
-            </a:r>
-            <a:r>
-              <a:rPr lang="fr-FR" dirty="0" smtClean="0"/>
-              <a:t>1. Les </a:t>
-            </a:r>
-            <a:r>
-              <a:rPr lang="fr-FR" dirty="0"/>
-              <a:t>données sont distribuées de manière uniforme sur une variété Riemannienne</a:t>
+              <a:t>	1. Les données sont distribuées de manière uniforme sur une variété Riemannienne</a:t>
             </a:r>
           </a:p>
           <a:p>
@@ -11397,19 +11386,7 @@
             </a:pPr>
             <a:r>
               <a:rPr lang="fr-FR" dirty="0"/>
-              <a:t>	</a:t>
-            </a:r>
-            <a:r>
-              <a:rPr lang="fr-FR" dirty="0" smtClean="0"/>
-              <a:t>2. </a:t>
-            </a:r>
-            <a:r>
-              <a:rPr lang="fr-FR" dirty="0" smtClean="0"/>
-              <a:t>La </a:t>
-            </a:r>
-            <a:r>
-              <a:rPr lang="fr-FR" dirty="0"/>
-              <a:t>métrique de Riemann est localement constante (ou peut être approximée comme tel)</a:t>
+              <a:t>	2. La métrique de Riemann est localement constante (ou peut être approximée comme tel)</a:t>
             </a:r>
           </a:p>
           <a:p>
@@ -11417,77 +11394,53 @@
               <a:buNone/>
             </a:pPr>
             <a:r>
-              <a:rPr lang="fr-FR" dirty="0" smtClean="0"/>
-              <a:t>	3. Les </a:t>
-            </a:r>
-            <a:r>
               <a:rPr lang="fr-FR" dirty="0"/>
-              <a:t>« points » sont localement connecté dans l’espace, il n’y a pas de « points » </a:t>
-            </a:r>
-            <a:r>
-              <a:rPr lang="fr-FR" dirty="0" smtClean="0"/>
-              <a:t>isolés</a:t>
+              <a:t>	3. Les « points » sont localement connectés dans l’espace, il n’y a pas de « points » isolés</a:t>
             </a:r>
           </a:p>
           <a:p>
             <a:pPr marL="0" lvl="0" indent="0">
               <a:buNone/>
             </a:pPr>
-            <a:endParaRPr lang="fr-FR" dirty="0" smtClean="0"/>
-          </a:p>
-          <a:p>
-            <a:r>
-              <a:rPr lang="fr-FR" dirty="0" smtClean="0"/>
+            <a:endParaRPr lang="fr-FR" dirty="0"/>
+          </a:p>
+          <a:p>
+            <a:r>
+              <a:rPr lang="fr-FR" dirty="0"/>
               <a:t>Créateurs : </a:t>
             </a:r>
             <a:r>
-              <a:rPr lang="fr-FR" dirty="0" err="1" smtClean="0"/>
+              <a:rPr lang="fr-FR" dirty="0" err="1"/>
               <a:t>Leland</a:t>
             </a:r>
             <a:r>
-              <a:rPr lang="fr-FR" dirty="0" smtClean="0"/>
+              <a:rPr lang="fr-FR" dirty="0"/>
               <a:t> McInnes, John </a:t>
             </a:r>
             <a:r>
-              <a:rPr lang="fr-FR" dirty="0" err="1" smtClean="0"/>
+              <a:rPr lang="fr-FR" dirty="0" err="1"/>
               <a:t>Healy</a:t>
             </a:r>
             <a:r>
-              <a:rPr lang="fr-FR" dirty="0" smtClean="0"/>
+              <a:rPr lang="fr-FR" dirty="0"/>
               <a:t>, James </a:t>
             </a:r>
             <a:r>
-              <a:rPr lang="fr-FR" dirty="0" err="1" smtClean="0"/>
+              <a:rPr lang="fr-FR" dirty="0" err="1"/>
               <a:t>Meville</a:t>
             </a:r>
-            <a:endParaRPr lang="fr-FR" dirty="0" smtClean="0"/>
-          </a:p>
-          <a:p>
-            <a:r>
-              <a:rPr lang="fr-FR" dirty="0" smtClean="0"/>
-              <a:t>Ma</a:t>
-            </a:r>
-            <a:r>
-              <a:rPr lang="fr-FR" dirty="0" smtClean="0"/>
-              <a:t>thématiques derrière la méthode : algèbre topologique, Géométrie de Riemann, « logique flou » </a:t>
-            </a:r>
-          </a:p>
-          <a:p>
-            <a:r>
-              <a:rPr lang="fr-FR" dirty="0" smtClean="0"/>
-              <a:t>Représentation </a:t>
-            </a:r>
+            <a:endParaRPr lang="fr-FR" dirty="0"/>
+          </a:p>
+          <a:p>
             <a:r>
               <a:rPr lang="fr-FR" dirty="0"/>
-              <a:t>(simple) des </a:t>
-            </a:r>
-            <a:r>
-              <a:rPr lang="fr-FR" dirty="0" smtClean="0"/>
-              <a:t>données : trouvée </a:t>
-            </a:r>
+              <a:t>Mathématiques derrière la méthode : algèbre topologique, Géométrie de Riemann, « logique flou » </a:t>
+            </a:r>
+          </a:p>
+          <a:p>
             <a:r>
               <a:rPr lang="fr-FR" dirty="0"/>
-              <a:t>en cherchant une projection (des données) sur un espace de faible dimension qui a une structure la plus proche possible de la structure topologique de départ.</a:t>
+              <a:t>Représentation (simple) des données : trouvée en cherchant une projection (des données) sur un espace de faible dimension qui a une structure la plus proche possible de la structure topologique de départ.</a:t>
             </a:r>
           </a:p>
           <a:p>
@@ -11533,7 +11486,7 @@
           <p:cNvPr id="2" name="Titre 1">
             <a:extLst>
               <a:ext uri="{FF2B5EF4-FFF2-40B4-BE49-F238E27FC236}">
-                <a16:creationId xmlns:a16="http://schemas.microsoft.com/office/drawing/2014/main" xmlns="" id="{906B3FF4-244D-4945-8ED3-433A6DD80536}"/>
+                <a16:creationId xmlns:a16="http://schemas.microsoft.com/office/drawing/2014/main" id="{906B3FF4-244D-4945-8ED3-433A6DD80536}"/>
               </a:ext>
             </a:extLst>
           </p:cNvPr>
@@ -11561,7 +11514,7 @@
           <p:cNvPr id="3" name="Espace réservé du contenu 2">
             <a:extLst>
               <a:ext uri="{FF2B5EF4-FFF2-40B4-BE49-F238E27FC236}">
-                <a16:creationId xmlns:a16="http://schemas.microsoft.com/office/drawing/2014/main" xmlns="" id="{6FE95A7B-34A7-4C59-BCF1-9FEABDF58E52}"/>
+                <a16:creationId xmlns:a16="http://schemas.microsoft.com/office/drawing/2014/main" id="{6FE95A7B-34A7-4C59-BCF1-9FEABDF58E52}"/>
               </a:ext>
             </a:extLst>
           </p:cNvPr>
@@ -11585,59 +11538,22 @@
             <a:pPr lvl="0"/>
             <a:r>
               <a:rPr lang="fr-FR" dirty="0"/>
-              <a:t>Analyse de données topologiques : Il est possible en construisant d’une certaine manière des </a:t>
-            </a:r>
-            <a:r>
-              <a:rPr lang="fr-FR" dirty="0" smtClean="0"/>
-              <a:t>complexes </a:t>
+              <a:t>Analyse de données topologiques : Il est possible en construisant d’une certaine manière des complexes simpliciaux dans un espace topologique de les </a:t>
+            </a:r>
+            <a:r>
+              <a:rPr lang="fr-FR" b="1" dirty="0"/>
+              <a:t>reconstruire de manière combinatoire sans perdre d’information </a:t>
             </a:r>
             <a:r>
               <a:rPr lang="fr-FR" dirty="0"/>
-              <a:t>simpliciaux dans un espace topologique de les </a:t>
-            </a:r>
-            <a:r>
-              <a:rPr lang="fr-FR" b="1" dirty="0"/>
-              <a:t>reconstruire de manière combinatoire sans perdre </a:t>
-            </a:r>
-            <a:r>
-              <a:rPr lang="fr-FR" b="1" dirty="0" smtClean="0"/>
-              <a:t>d’information </a:t>
-            </a:r>
-            <a:r>
-              <a:rPr lang="fr-FR" dirty="0" smtClean="0"/>
-              <a:t>(on </a:t>
-            </a:r>
-            <a:r>
-              <a:rPr lang="fr-FR" dirty="0"/>
-              <a:t>réussit à recouvrir toute l’information importante sur la topologie de l’espace de </a:t>
-            </a:r>
-            <a:r>
-              <a:rPr lang="fr-FR" dirty="0" smtClean="0"/>
-              <a:t>départ). </a:t>
-            </a:r>
-            <a:r>
-              <a:rPr lang="fr-FR" dirty="0"/>
-              <a:t>Ce qui est plus simple à </a:t>
-            </a:r>
-            <a:r>
-              <a:rPr lang="fr-FR" dirty="0" smtClean="0"/>
-              <a:t>manipuler</a:t>
-            </a:r>
-            <a:r>
-              <a:rPr lang="fr-FR" dirty="0"/>
-              <a:t> </a:t>
-            </a:r>
-            <a:r>
-              <a:rPr lang="fr-FR" dirty="0" smtClean="0"/>
-              <a:t>(typiquement R²),</a:t>
-            </a:r>
-            <a:endParaRPr lang="fr-FR" dirty="0" smtClean="0"/>
+              <a:t>(on réussit à recouvrir toute l’information importante sur la topologie de l’espace de départ). Ce qui est plus simple à manipuler (typiquement R²).</a:t>
+            </a:r>
           </a:p>
           <a:p>
             <a:pPr marL="0" lvl="0" indent="0">
               <a:buNone/>
             </a:pPr>
-            <a:endParaRPr lang="fr-FR" dirty="0" smtClean="0"/>
+            <a:endParaRPr lang="fr-FR" dirty="0"/>
           </a:p>
           <a:p>
             <a:pPr marL="0" lvl="0" indent="0">
@@ -11692,7 +11608,7 @@
           <p:cNvPr id="2" name="Titre 1">
             <a:extLst>
               <a:ext uri="{FF2B5EF4-FFF2-40B4-BE49-F238E27FC236}">
-                <a16:creationId xmlns:a16="http://schemas.microsoft.com/office/drawing/2014/main" xmlns="" id="{9ACCDE0D-8AD8-4190-8D5B-D82DFF9DD107}"/>
+                <a16:creationId xmlns:a16="http://schemas.microsoft.com/office/drawing/2014/main" id="{9ACCDE0D-8AD8-4190-8D5B-D82DFF9DD107}"/>
               </a:ext>
             </a:extLst>
           </p:cNvPr>
@@ -11714,10 +11630,9 @@
           <a:lstStyle/>
           <a:p>
             <a:r>
-              <a:rPr lang="fr-FR" dirty="0" smtClean="0"/>
+              <a:rPr lang="fr-FR" dirty="0"/>
               <a:t>Illustration</a:t>
             </a:r>
-            <a:endParaRPr lang="fr-FR" dirty="0"/>
           </a:p>
         </p:txBody>
       </p:sp>
@@ -11726,7 +11641,7 @@
           <p:cNvPr id="4" name="Espace réservé du contenu 3">
             <a:extLst>
               <a:ext uri="{FF2B5EF4-FFF2-40B4-BE49-F238E27FC236}">
-                <a16:creationId xmlns:a16="http://schemas.microsoft.com/office/drawing/2014/main" xmlns="" id="{91BE7ABD-1079-40D9-AF1C-54325F1DD3D3}"/>
+                <a16:creationId xmlns:a16="http://schemas.microsoft.com/office/drawing/2014/main" id="{91BE7ABD-1079-40D9-AF1C-54325F1DD3D3}"/>
               </a:ext>
             </a:extLst>
           </p:cNvPr>
@@ -11765,7 +11680,7 @@
           <p:cNvPr id="5" name="Image 4">
             <a:extLst>
               <a:ext uri="{FF2B5EF4-FFF2-40B4-BE49-F238E27FC236}">
-                <a16:creationId xmlns:a16="http://schemas.microsoft.com/office/drawing/2014/main" xmlns="" id="{711B3907-2C33-43B2-989D-0EB56926C9B9}"/>
+                <a16:creationId xmlns:a16="http://schemas.microsoft.com/office/drawing/2014/main" id="{711B3907-2C33-43B2-989D-0EB56926C9B9}"/>
               </a:ext>
             </a:extLst>
           </p:cNvPr>
@@ -11802,7 +11717,7 @@
           <p:cNvPr id="7" name="Rectangle 6">
             <a:extLst>
               <a:ext uri="{FF2B5EF4-FFF2-40B4-BE49-F238E27FC236}">
-                <a16:creationId xmlns:a16="http://schemas.microsoft.com/office/drawing/2014/main" xmlns="" id="{7A779CD5-11EA-4523-A087-70B42F4D236F}"/>
+                <a16:creationId xmlns:a16="http://schemas.microsoft.com/office/drawing/2014/main" id="{7A779CD5-11EA-4523-A087-70B42F4D236F}"/>
               </a:ext>
             </a:extLst>
           </p:cNvPr>
@@ -11841,21 +11756,10 @@
                 <a:ea typeface="Malgun Gothic" panose="020B0503020000020004" pitchFamily="34" charset="-127"/>
                 <a:cs typeface="Calibri" panose="020F0502020204030204" pitchFamily="34" charset="0"/>
               </a:rPr>
-              <a:t>Video </a:t>
-            </a:r>
-            <a:r>
-              <a:rPr lang="en-GB" dirty="0" smtClean="0">
-                <a:solidFill>
-                  <a:srgbClr val="404040"/>
-                </a:solidFill>
-                <a:latin typeface="Calibri" panose="020F0502020204030204" pitchFamily="34" charset="0"/>
-                <a:ea typeface="Malgun Gothic" panose="020B0503020000020004" pitchFamily="34" charset="-127"/>
-                <a:cs typeface="Calibri" panose="020F0502020204030204" pitchFamily="34" charset="0"/>
-              </a:rPr>
-              <a:t>explicative (</a:t>
-            </a:r>
-            <a:r>
-              <a:rPr lang="en-GB" dirty="0" err="1" smtClean="0">
+              <a:t>Video explicative (</a:t>
+            </a:r>
+            <a:r>
+              <a:rPr lang="en-GB" dirty="0" err="1">
                 <a:solidFill>
                   <a:srgbClr val="404040"/>
                 </a:solidFill>
@@ -11866,7 +11770,7 @@
               <a:t>anglais</a:t>
             </a:r>
             <a:r>
-              <a:rPr lang="en-GB" dirty="0" smtClean="0">
+              <a:rPr lang="en-GB" dirty="0">
                 <a:solidFill>
                   <a:srgbClr val="404040"/>
                 </a:solidFill>
@@ -11875,18 +11779,6 @@
                 <a:cs typeface="Calibri" panose="020F0502020204030204" pitchFamily="34" charset="0"/>
               </a:rPr>
               <a:t>) : </a:t>
-            </a:r>
-            <a:r>
-              <a:rPr lang="en-GB" u="sng" dirty="0" smtClean="0">
-                <a:solidFill>
-                  <a:srgbClr val="000000"/>
-                </a:solidFill>
-                <a:latin typeface="Calibri" panose="020F0502020204030204" pitchFamily="34" charset="0"/>
-                <a:ea typeface="Malgun Gothic" panose="020B0503020000020004" pitchFamily="34" charset="-127"/>
-                <a:cs typeface="Calibri" panose="020F0502020204030204" pitchFamily="34" charset="0"/>
-                <a:hlinkClick r:id="rId4"/>
-              </a:rPr>
-              <a:t>https</a:t>
             </a:r>
             <a:r>
               <a:rPr lang="en-GB" u="sng" dirty="0">
@@ -11898,7 +11790,7 @@
                 <a:cs typeface="Calibri" panose="020F0502020204030204" pitchFamily="34" charset="0"/>
                 <a:hlinkClick r:id="rId4"/>
               </a:rPr>
-              <a:t>://www.youtube.com/watch?v=nq6iPZVUxZU</a:t>
+              <a:t>https://www.youtube.com/watch?v=nq6iPZVUxZU</a:t>
             </a:r>
             <a:endParaRPr lang="fr-FR" dirty="0">
               <a:latin typeface="Calibri" panose="020F0502020204030204" pitchFamily="34" charset="0"/>
@@ -11916,7 +11808,7 @@
         </p:nvSpPr>
         <p:spPr>
           <a:xfrm>
-            <a:off x="863773" y="1543197"/>
+            <a:off x="863773" y="1421897"/>
             <a:ext cx="5408419" cy="646331"/>
           </a:xfrm>
           <a:prstGeom prst="rect">
@@ -11931,22 +11823,16 @@
           <a:lstStyle/>
           <a:p>
             <a:r>
-              <a:rPr lang="fr-FR" dirty="0" smtClean="0">
-                <a:latin typeface="Calibri" panose="020F0502020204030204" pitchFamily="34" charset="0"/>
+              <a:rPr lang="fr-FR" dirty="0">
+                <a:latin typeface="+mj-lt"/>
                 <a:ea typeface="Malgun Gothic" panose="020B0503020000020004" pitchFamily="34" charset="-127"/>
                 <a:cs typeface="Times New Roman" panose="02020603050405020304" pitchFamily="18" charset="0"/>
               </a:rPr>
-              <a:t>Même métrique pour </a:t>
-            </a:r>
-            <a:r>
-              <a:rPr lang="fr-FR" dirty="0">
-                <a:latin typeface="Calibri" panose="020F0502020204030204" pitchFamily="34" charset="0"/>
-                <a:ea typeface="Malgun Gothic" panose="020B0503020000020004" pitchFamily="34" charset="-127"/>
-                <a:cs typeface="Times New Roman" panose="02020603050405020304" pitchFamily="18" charset="0"/>
-              </a:rPr>
-              <a:t>tous les points. Toutes les sphères sont des sphères unités.</a:t>
-            </a:r>
-            <a:endParaRPr lang="fr-FR" dirty="0"/>
+              <a:t>Même métrique pour tous les points. Toutes les sphères sont des sphères unités.</a:t>
+            </a:r>
+            <a:endParaRPr lang="fr-FR" dirty="0">
+              <a:latin typeface="+mj-lt"/>
+            </a:endParaRPr>
           </a:p>
         </p:txBody>
       </p:sp>
@@ -11958,7 +11844,7 @@
         </p:nvSpPr>
         <p:spPr>
           <a:xfrm>
-            <a:off x="6478073" y="1543197"/>
+            <a:off x="6478073" y="1393906"/>
             <a:ext cx="5288014" cy="1200329"/>
           </a:xfrm>
           <a:prstGeom prst="rect">
@@ -11973,20 +11859,12 @@
           <a:lstStyle/>
           <a:p>
             <a:r>
-              <a:rPr lang="fr-FR" dirty="0" smtClean="0">
-                <a:latin typeface="Calibri" panose="020F0502020204030204" pitchFamily="34" charset="0"/>
+              <a:rPr lang="fr-FR" dirty="0">
+                <a:latin typeface="+mj-lt"/>
                 <a:ea typeface="Malgun Gothic" panose="020B0503020000020004" pitchFamily="34" charset="-127"/>
                 <a:cs typeface="Times New Roman" panose="02020603050405020304" pitchFamily="18" charset="0"/>
               </a:rPr>
-              <a:t>Métriques </a:t>
-            </a:r>
-            <a:r>
-              <a:rPr lang="fr-FR" dirty="0">
-                <a:latin typeface="Calibri" panose="020F0502020204030204" pitchFamily="34" charset="0"/>
-                <a:ea typeface="Malgun Gothic" panose="020B0503020000020004" pitchFamily="34" charset="-127"/>
-                <a:cs typeface="Times New Roman" panose="02020603050405020304" pitchFamily="18" charset="0"/>
-              </a:rPr>
-              <a:t>différentes. Les sphères sont également toutes des sphères unités mais en considérant chacune sa propre métrique.</a:t>
+              <a:t>Métriques différentes. Les sphères sont également toutes des sphères unités mais en considérant chacune sa propre métrique.</a:t>
             </a:r>
           </a:p>
           <a:p>
@@ -12029,7 +11907,7 @@
           <p:cNvPr id="2" name="Titre 1">
             <a:extLst>
               <a:ext uri="{FF2B5EF4-FFF2-40B4-BE49-F238E27FC236}">
-                <a16:creationId xmlns:a16="http://schemas.microsoft.com/office/drawing/2014/main" xmlns="" id="{BDA36E46-4BE5-4BB2-B437-A05847BD4C74}"/>
+                <a16:creationId xmlns:a16="http://schemas.microsoft.com/office/drawing/2014/main" id="{BDA36E46-4BE5-4BB2-B437-A05847BD4C74}"/>
               </a:ext>
             </a:extLst>
           </p:cNvPr>
@@ -12057,7 +11935,7 @@
           <p:cNvPr id="3" name="Espace réservé du contenu 2">
             <a:extLst>
               <a:ext uri="{FF2B5EF4-FFF2-40B4-BE49-F238E27FC236}">
-                <a16:creationId xmlns:a16="http://schemas.microsoft.com/office/drawing/2014/main" xmlns="" id="{252AE744-8620-47D4-835C-E1C87EDE5684}"/>
+                <a16:creationId xmlns:a16="http://schemas.microsoft.com/office/drawing/2014/main" id="{252AE744-8620-47D4-835C-E1C87EDE5684}"/>
               </a:ext>
             </a:extLst>
           </p:cNvPr>
@@ -12234,7 +12112,7 @@
           <p:cNvPr id="2" name="Titre 1">
             <a:extLst>
               <a:ext uri="{FF2B5EF4-FFF2-40B4-BE49-F238E27FC236}">
-                <a16:creationId xmlns:a16="http://schemas.microsoft.com/office/drawing/2014/main" xmlns="" id="{4D17587A-B21D-4FBF-869E-0A8E478C2A90}"/>
+                <a16:creationId xmlns:a16="http://schemas.microsoft.com/office/drawing/2014/main" id="{4D17587A-B21D-4FBF-869E-0A8E478C2A90}"/>
               </a:ext>
             </a:extLst>
           </p:cNvPr>
@@ -12262,7 +12140,7 @@
           <p:cNvPr id="4" name="Espace réservé du contenu 3">
             <a:extLst>
               <a:ext uri="{FF2B5EF4-FFF2-40B4-BE49-F238E27FC236}">
-                <a16:creationId xmlns:a16="http://schemas.microsoft.com/office/drawing/2014/main" xmlns="" id="{CE74926E-6B38-44CC-A146-2F98A07084A0}"/>
+                <a16:creationId xmlns:a16="http://schemas.microsoft.com/office/drawing/2014/main" id="{CE74926E-6B38-44CC-A146-2F98A07084A0}"/>
               </a:ext>
             </a:extLst>
           </p:cNvPr>
@@ -12301,7 +12179,7 @@
           <p:cNvPr id="5" name="Image 4">
             <a:extLst>
               <a:ext uri="{FF2B5EF4-FFF2-40B4-BE49-F238E27FC236}">
-                <a16:creationId xmlns:a16="http://schemas.microsoft.com/office/drawing/2014/main" xmlns="" id="{F12E06E6-DE73-471F-8187-12BCD37B8A24}"/>
+                <a16:creationId xmlns:a16="http://schemas.microsoft.com/office/drawing/2014/main" id="{F12E06E6-DE73-471F-8187-12BCD37B8A24}"/>
               </a:ext>
             </a:extLst>
           </p:cNvPr>
@@ -12336,7 +12214,7 @@
           <p:cNvPr id="6" name="Rectangle 5">
             <a:extLst>
               <a:ext uri="{FF2B5EF4-FFF2-40B4-BE49-F238E27FC236}">
-                <a16:creationId xmlns:a16="http://schemas.microsoft.com/office/drawing/2014/main" xmlns="" id="{F5EBDEB2-3317-43AA-9B44-7458578D6676}"/>
+                <a16:creationId xmlns:a16="http://schemas.microsoft.com/office/drawing/2014/main" id="{F5EBDEB2-3317-43AA-9B44-7458578D6676}"/>
               </a:ext>
             </a:extLst>
           </p:cNvPr>
@@ -12408,7 +12286,7 @@
           <p:cNvPr id="2" name="Titre 1">
             <a:extLst>
               <a:ext uri="{FF2B5EF4-FFF2-40B4-BE49-F238E27FC236}">
-                <a16:creationId xmlns:a16="http://schemas.microsoft.com/office/drawing/2014/main" xmlns="" id="{6AB5713C-8E4D-44E0-8165-58B8B9EC4756}"/>
+                <a16:creationId xmlns:a16="http://schemas.microsoft.com/office/drawing/2014/main" id="{6AB5713C-8E4D-44E0-8165-58B8B9EC4756}"/>
               </a:ext>
             </a:extLst>
           </p:cNvPr>
@@ -12441,7 +12319,7 @@
           <p:cNvPr id="5" name="Espace réservé du contenu 4" descr="Une image contenant carte&#10;&#10;Description générée automatiquement">
             <a:extLst>
               <a:ext uri="{FF2B5EF4-FFF2-40B4-BE49-F238E27FC236}">
-                <a16:creationId xmlns:a16="http://schemas.microsoft.com/office/drawing/2014/main" xmlns="" id="{A3554D0F-5583-43AE-9650-771BE2BFF7A2}"/>
+                <a16:creationId xmlns:a16="http://schemas.microsoft.com/office/drawing/2014/main" id="{A3554D0F-5583-43AE-9650-771BE2BFF7A2}"/>
               </a:ext>
             </a:extLst>
           </p:cNvPr>
@@ -12476,7 +12354,7 @@
           <p:cNvPr id="7" name="Image 6" descr="Une image contenant carte&#10;&#10;Description générée automatiquement">
             <a:extLst>
               <a:ext uri="{FF2B5EF4-FFF2-40B4-BE49-F238E27FC236}">
-                <a16:creationId xmlns:a16="http://schemas.microsoft.com/office/drawing/2014/main" xmlns="" id="{775090F4-DF78-479A-AF3E-E79222178515}"/>
+                <a16:creationId xmlns:a16="http://schemas.microsoft.com/office/drawing/2014/main" id="{775090F4-DF78-479A-AF3E-E79222178515}"/>
               </a:ext>
             </a:extLst>
           </p:cNvPr>
@@ -12512,7 +12390,7 @@
           <p:cNvPr id="8" name="ZoneTexte 7">
             <a:extLst>
               <a:ext uri="{FF2B5EF4-FFF2-40B4-BE49-F238E27FC236}">
-                <a16:creationId xmlns:a16="http://schemas.microsoft.com/office/drawing/2014/main" xmlns="" id="{4D6F34EA-A453-4EA6-92C1-4D157377D8D2}"/>
+                <a16:creationId xmlns:a16="http://schemas.microsoft.com/office/drawing/2014/main" id="{4D6F34EA-A453-4EA6-92C1-4D157377D8D2}"/>
               </a:ext>
             </a:extLst>
           </p:cNvPr>
@@ -12577,7 +12455,7 @@
           <p:cNvPr id="2" name="Titre 1">
             <a:extLst>
               <a:ext uri="{FF2B5EF4-FFF2-40B4-BE49-F238E27FC236}">
-                <a16:creationId xmlns:a16="http://schemas.microsoft.com/office/drawing/2014/main" xmlns="" id="{1920715E-A89C-48DD-BD35-88014B8DA96D}"/>
+                <a16:creationId xmlns:a16="http://schemas.microsoft.com/office/drawing/2014/main" id="{1920715E-A89C-48DD-BD35-88014B8DA96D}"/>
               </a:ext>
             </a:extLst>
           </p:cNvPr>
@@ -12605,7 +12483,7 @@
           <p:cNvPr id="3" name="Espace réservé du contenu 2">
             <a:extLst>
               <a:ext uri="{FF2B5EF4-FFF2-40B4-BE49-F238E27FC236}">
-                <a16:creationId xmlns:a16="http://schemas.microsoft.com/office/drawing/2014/main" xmlns="" id="{EEEA9601-33D6-41C0-9137-A06F87107F71}"/>
+                <a16:creationId xmlns:a16="http://schemas.microsoft.com/office/drawing/2014/main" id="{EEEA9601-33D6-41C0-9137-A06F87107F71}"/>
               </a:ext>
             </a:extLst>
           </p:cNvPr>
@@ -12618,8 +12496,8 @@
         </p:nvSpPr>
         <p:spPr>
           <a:xfrm>
-            <a:off x="1969779" y="2507227"/>
-            <a:ext cx="8915400" cy="2819401"/>
+            <a:off x="2592925" y="2693839"/>
+            <a:ext cx="8153935" cy="2819401"/>
           </a:xfrm>
         </p:spPr>
         <p:txBody>
@@ -12639,23 +12517,7 @@
           <a:p>
             <a:r>
               <a:rPr lang="fr-FR" dirty="0"/>
-              <a:t>Suppression des individus ne pouvant pas être modifiés </a:t>
-            </a:r>
-            <a:r>
-              <a:rPr lang="fr-FR" dirty="0" smtClean="0"/>
-              <a:t>(</a:t>
-            </a:r>
-            <a:r>
-              <a:rPr lang="fr-FR" dirty="0" err="1" smtClean="0"/>
-              <a:t>NaN</a:t>
-            </a:r>
-            <a:r>
-              <a:rPr lang="fr-FR" dirty="0" smtClean="0"/>
-              <a:t>) grâce </a:t>
-            </a:r>
-            <a:r>
-              <a:rPr lang="fr-FR" dirty="0"/>
-              <a:t>à leur répétition</a:t>
+              <a:t>Suppression des individus ne pouvant pas être modifiés (NaN) grâce à leur(s) répétition(s)</a:t>
             </a:r>
           </a:p>
           <a:p>
@@ -12704,7 +12566,7 @@
           <p:cNvPr id="2" name="Titre 1">
             <a:extLst>
               <a:ext uri="{FF2B5EF4-FFF2-40B4-BE49-F238E27FC236}">
-                <a16:creationId xmlns:a16="http://schemas.microsoft.com/office/drawing/2014/main" xmlns="" id="{42A6191B-EDEF-4368-8024-C8516E0CA788}"/>
+                <a16:creationId xmlns:a16="http://schemas.microsoft.com/office/drawing/2014/main" id="{42A6191B-EDEF-4368-8024-C8516E0CA788}"/>
               </a:ext>
             </a:extLst>
           </p:cNvPr>
@@ -12737,7 +12599,7 @@
           <p:cNvPr id="5" name="ZoneTexte 4">
             <a:extLst>
               <a:ext uri="{FF2B5EF4-FFF2-40B4-BE49-F238E27FC236}">
-                <a16:creationId xmlns:a16="http://schemas.microsoft.com/office/drawing/2014/main" xmlns="" id="{E63D24D8-54A0-4AD2-A4F0-4F8A3F7136CA}"/>
+                <a16:creationId xmlns:a16="http://schemas.microsoft.com/office/drawing/2014/main" id="{E63D24D8-54A0-4AD2-A4F0-4F8A3F7136CA}"/>
               </a:ext>
             </a:extLst>
           </p:cNvPr>
@@ -12776,7 +12638,7 @@
           <p:cNvPr id="1026" name="Picture 2">
             <a:extLst>
               <a:ext uri="{FF2B5EF4-FFF2-40B4-BE49-F238E27FC236}">
-                <a16:creationId xmlns:a16="http://schemas.microsoft.com/office/drawing/2014/main" xmlns="" id="{FA0DE3E3-BAF2-426B-881F-8D193E9B5797}"/>
+                <a16:creationId xmlns:a16="http://schemas.microsoft.com/office/drawing/2014/main" id="{FA0DE3E3-BAF2-426B-881F-8D193E9B5797}"/>
               </a:ext>
             </a:extLst>
           </p:cNvPr>
@@ -12800,7 +12662,7 @@
         </p:blipFill>
         <p:spPr bwMode="auto">
           <a:xfrm>
-            <a:off x="1828799" y="2000250"/>
+            <a:off x="1576868" y="2000250"/>
             <a:ext cx="9144000" cy="4857750"/>
           </a:xfrm>
           <a:prstGeom prst="rect">
